--- a/ITI/TF/Volume1/media/Figure_10.1-1b.pptx
+++ b/ITI/TF/Volume1/media/Figure_10.1-1b.pptx
@@ -104,6 +104,11 @@
       </a:defRPr>
     </a:lvl9pPr>
   </p:defaultTextStyle>
+  <p:extLst>
+    <p:ext uri="{EFAFB233-063F-42B5-8137-9DF3F51BA10A}">
+      <p15:sldGuideLst xmlns:p15="http://schemas.microsoft.com/office/powerpoint/2012/main"/>
+    </p:ext>
+  </p:extLst>
 </p:presentation>
 </file>
 
@@ -254,7 +259,7 @@
           <a:p>
             <a:fld id="{63EF325A-FC78-D44F-9B1F-D740736EFC82}" type="datetimeFigureOut">
               <a:rPr lang="en-US" smtClean="0"/>
-              <a:t>8/10/20</a:t>
+              <a:t>8/26/20</a:t>
             </a:fld>
             <a:endParaRPr lang="en-US"/>
           </a:p>
@@ -452,7 +457,7 @@
           <a:p>
             <a:fld id="{63EF325A-FC78-D44F-9B1F-D740736EFC82}" type="datetimeFigureOut">
               <a:rPr lang="en-US" smtClean="0"/>
-              <a:t>8/10/20</a:t>
+              <a:t>8/26/20</a:t>
             </a:fld>
             <a:endParaRPr lang="en-US"/>
           </a:p>
@@ -660,7 +665,7 @@
           <a:p>
             <a:fld id="{63EF325A-FC78-D44F-9B1F-D740736EFC82}" type="datetimeFigureOut">
               <a:rPr lang="en-US" smtClean="0"/>
-              <a:t>8/10/20</a:t>
+              <a:t>8/26/20</a:t>
             </a:fld>
             <a:endParaRPr lang="en-US"/>
           </a:p>
@@ -858,7 +863,7 @@
           <a:p>
             <a:fld id="{63EF325A-FC78-D44F-9B1F-D740736EFC82}" type="datetimeFigureOut">
               <a:rPr lang="en-US" smtClean="0"/>
-              <a:t>8/10/20</a:t>
+              <a:t>8/26/20</a:t>
             </a:fld>
             <a:endParaRPr lang="en-US"/>
           </a:p>
@@ -1133,7 +1138,7 @@
           <a:p>
             <a:fld id="{63EF325A-FC78-D44F-9B1F-D740736EFC82}" type="datetimeFigureOut">
               <a:rPr lang="en-US" smtClean="0"/>
-              <a:t>8/10/20</a:t>
+              <a:t>8/26/20</a:t>
             </a:fld>
             <a:endParaRPr lang="en-US"/>
           </a:p>
@@ -1398,7 +1403,7 @@
           <a:p>
             <a:fld id="{63EF325A-FC78-D44F-9B1F-D740736EFC82}" type="datetimeFigureOut">
               <a:rPr lang="en-US" smtClean="0"/>
-              <a:t>8/10/20</a:t>
+              <a:t>8/26/20</a:t>
             </a:fld>
             <a:endParaRPr lang="en-US"/>
           </a:p>
@@ -1810,7 +1815,7 @@
           <a:p>
             <a:fld id="{63EF325A-FC78-D44F-9B1F-D740736EFC82}" type="datetimeFigureOut">
               <a:rPr lang="en-US" smtClean="0"/>
-              <a:t>8/10/20</a:t>
+              <a:t>8/26/20</a:t>
             </a:fld>
             <a:endParaRPr lang="en-US"/>
           </a:p>
@@ -1951,7 +1956,7 @@
           <a:p>
             <a:fld id="{63EF325A-FC78-D44F-9B1F-D740736EFC82}" type="datetimeFigureOut">
               <a:rPr lang="en-US" smtClean="0"/>
-              <a:t>8/10/20</a:t>
+              <a:t>8/26/20</a:t>
             </a:fld>
             <a:endParaRPr lang="en-US"/>
           </a:p>
@@ -2064,7 +2069,7 @@
           <a:p>
             <a:fld id="{63EF325A-FC78-D44F-9B1F-D740736EFC82}" type="datetimeFigureOut">
               <a:rPr lang="en-US" smtClean="0"/>
-              <a:t>8/10/20</a:t>
+              <a:t>8/26/20</a:t>
             </a:fld>
             <a:endParaRPr lang="en-US"/>
           </a:p>
@@ -2375,7 +2380,7 @@
           <a:p>
             <a:fld id="{63EF325A-FC78-D44F-9B1F-D740736EFC82}" type="datetimeFigureOut">
               <a:rPr lang="en-US" smtClean="0"/>
-              <a:t>8/10/20</a:t>
+              <a:t>8/26/20</a:t>
             </a:fld>
             <a:endParaRPr lang="en-US"/>
           </a:p>
@@ -2663,7 +2668,7 @@
           <a:p>
             <a:fld id="{63EF325A-FC78-D44F-9B1F-D740736EFC82}" type="datetimeFigureOut">
               <a:rPr lang="en-US" smtClean="0"/>
-              <a:t>8/10/20</a:t>
+              <a:t>8/26/20</a:t>
             </a:fld>
             <a:endParaRPr lang="en-US"/>
           </a:p>
@@ -2904,7 +2909,7 @@
           <a:p>
             <a:fld id="{63EF325A-FC78-D44F-9B1F-D740736EFC82}" type="datetimeFigureOut">
               <a:rPr lang="en-US" smtClean="0"/>
-              <a:t>8/10/20</a:t>
+              <a:t>8/26/20</a:t>
             </a:fld>
             <a:endParaRPr lang="en-US"/>
           </a:p>
@@ -3323,52 +3328,6 @@
       </p:grpSpPr>
       <p:sp>
         <p:nvSpPr>
-          <p:cNvPr id="4" name="Rectangle 34">
-            <a:extLst>
-              <a:ext uri="{FF2B5EF4-FFF2-40B4-BE49-F238E27FC236}">
-                <a16:creationId xmlns:a16="http://schemas.microsoft.com/office/drawing/2014/main" id="{78E07E07-497C-4C44-926D-FE65ADD6AFD7}"/>
-              </a:ext>
-            </a:extLst>
-          </p:cNvPr>
-          <p:cNvSpPr>
-            <a:spLocks noChangeArrowheads="1"/>
-          </p:cNvSpPr>
-          <p:nvPr/>
-        </p:nvSpPr>
-        <p:spPr bwMode="auto">
-          <a:xfrm>
-            <a:off x="25400" y="457200"/>
-            <a:ext cx="8229600" cy="4813300"/>
-          </a:xfrm>
-          <a:prstGeom prst="rect">
-            <a:avLst/>
-          </a:prstGeom>
-          <a:solidFill>
-            <a:srgbClr val="FFFFFF"/>
-          </a:solidFill>
-          <a:ln w="38100">
-            <a:solidFill>
-              <a:srgbClr val="000000"/>
-            </a:solidFill>
-            <a:miter lim="800000"/>
-            <a:headEnd/>
-            <a:tailEnd/>
-          </a:ln>
-        </p:spPr>
-        <p:txBody>
-          <a:bodyPr vert="horz" wrap="square" lIns="91440" tIns="45720" rIns="91440" bIns="45720" numCol="1" anchor="t" anchorCtr="0" compatLnSpc="1">
-            <a:prstTxWarp prst="textNoShape">
-              <a:avLst/>
-            </a:prstTxWarp>
-          </a:bodyPr>
-          <a:lstStyle/>
-          <a:p>
-            <a:endParaRPr lang="en-US"/>
-          </a:p>
-        </p:txBody>
-      </p:sp>
-      <p:sp>
-        <p:nvSpPr>
           <p:cNvPr id="5" name="Rectangle 33">
             <a:extLst>
               <a:ext uri="{FF2B5EF4-FFF2-40B4-BE49-F238E27FC236}">
@@ -3410,7 +3369,10 @@
           </a:bodyPr>
           <a:lstStyle/>
           <a:p>
-            <a:endParaRPr lang="en-US"/>
+            <a:endParaRPr lang="en-US">
+              <a:latin typeface="Times New Roman" panose="02020603050405020304" pitchFamily="18" charset="0"/>
+              <a:cs typeface="Times New Roman" panose="02020603050405020304" pitchFamily="18" charset="0"/>
+            </a:endParaRPr>
           </a:p>
         </p:txBody>
       </p:sp>
@@ -3456,7 +3418,10 @@
           </a:bodyPr>
           <a:lstStyle/>
           <a:p>
-            <a:endParaRPr lang="en-US"/>
+            <a:endParaRPr lang="en-US">
+              <a:latin typeface="Times New Roman" panose="02020603050405020304" pitchFamily="18" charset="0"/>
+              <a:cs typeface="Times New Roman" panose="02020603050405020304" pitchFamily="18" charset="0"/>
+            </a:endParaRPr>
           </a:p>
         </p:txBody>
       </p:sp>
@@ -3539,8 +3504,9 @@
                   <a:schemeClr val="tx1"/>
                 </a:solidFill>
                 <a:effectLst/>
-                <a:latin typeface="Arial" panose="020B0604020202020204" pitchFamily="34" charset="0"/>
+                <a:latin typeface="Times New Roman" panose="02020603050405020304" pitchFamily="18" charset="0"/>
                 <a:ea typeface="Times New Roman" panose="02020603050405020304" pitchFamily="18" charset="0"/>
+                <a:cs typeface="Times New Roman" panose="02020603050405020304" pitchFamily="18" charset="0"/>
               </a:rPr>
             </a:br>
             <a:r>
@@ -3552,8 +3518,9 @@
                   <a:schemeClr val="tx1"/>
                 </a:solidFill>
                 <a:effectLst/>
-                <a:latin typeface="Arial" panose="020B0604020202020204" pitchFamily="34" charset="0"/>
+                <a:latin typeface="Times New Roman" panose="02020603050405020304" pitchFamily="18" charset="0"/>
                 <a:ea typeface="Times New Roman" panose="02020603050405020304" pitchFamily="18" charset="0"/>
+                <a:cs typeface="Times New Roman" panose="02020603050405020304" pitchFamily="18" charset="0"/>
               </a:rPr>
               <a:t>Document Source</a:t>
             </a:r>
@@ -3565,7 +3532,8 @@
                 <a:schemeClr val="tx1"/>
               </a:solidFill>
               <a:effectLst/>
-              <a:latin typeface="Arial" panose="020B0604020202020204" pitchFamily="34" charset="0"/>
+              <a:latin typeface="Times New Roman" panose="02020603050405020304" pitchFamily="18" charset="0"/>
+              <a:cs typeface="Times New Roman" panose="02020603050405020304" pitchFamily="18" charset="0"/>
             </a:endParaRPr>
           </a:p>
         </p:txBody>
@@ -3612,7 +3580,10 @@
           </a:bodyPr>
           <a:lstStyle/>
           <a:p>
-            <a:endParaRPr lang="en-US"/>
+            <a:endParaRPr lang="en-US">
+              <a:latin typeface="Times New Roman" panose="02020603050405020304" pitchFamily="18" charset="0"/>
+              <a:cs typeface="Times New Roman" panose="02020603050405020304" pitchFamily="18" charset="0"/>
+            </a:endParaRPr>
           </a:p>
         </p:txBody>
       </p:sp>
@@ -3695,8 +3666,9 @@
                   <a:schemeClr val="tx1"/>
                 </a:solidFill>
                 <a:effectLst/>
-                <a:latin typeface="Arial" panose="020B0604020202020204" pitchFamily="34" charset="0"/>
+                <a:latin typeface="Times New Roman" panose="02020603050405020304" pitchFamily="18" charset="0"/>
                 <a:ea typeface="Times New Roman" panose="02020603050405020304" pitchFamily="18" charset="0"/>
+                <a:cs typeface="Times New Roman" panose="02020603050405020304" pitchFamily="18" charset="0"/>
               </a:rPr>
             </a:br>
             <a:r>
@@ -3708,8 +3680,9 @@
                   <a:schemeClr val="tx1"/>
                 </a:solidFill>
                 <a:effectLst/>
-                <a:latin typeface="Arial" panose="020B0604020202020204" pitchFamily="34" charset="0"/>
+                <a:latin typeface="Times New Roman" panose="02020603050405020304" pitchFamily="18" charset="0"/>
                 <a:ea typeface="Times New Roman" panose="02020603050405020304" pitchFamily="18" charset="0"/>
+                <a:cs typeface="Times New Roman" panose="02020603050405020304" pitchFamily="18" charset="0"/>
               </a:rPr>
               <a:t>Document Consumer</a:t>
             </a:r>
@@ -3721,7 +3694,8 @@
                 <a:schemeClr val="tx1"/>
               </a:solidFill>
               <a:effectLst/>
-              <a:latin typeface="Arial" panose="020B0604020202020204" pitchFamily="34" charset="0"/>
+              <a:latin typeface="Times New Roman" panose="02020603050405020304" pitchFamily="18" charset="0"/>
+              <a:cs typeface="Times New Roman" panose="02020603050405020304" pitchFamily="18" charset="0"/>
             </a:endParaRPr>
           </a:p>
         </p:txBody>
@@ -3768,7 +3742,10 @@
           </a:bodyPr>
           <a:lstStyle/>
           <a:p>
-            <a:endParaRPr lang="en-US"/>
+            <a:endParaRPr lang="en-US">
+              <a:latin typeface="Times New Roman" panose="02020603050405020304" pitchFamily="18" charset="0"/>
+              <a:cs typeface="Times New Roman" panose="02020603050405020304" pitchFamily="18" charset="0"/>
+            </a:endParaRPr>
           </a:p>
         </p:txBody>
       </p:sp>
@@ -3851,8 +3828,9 @@
                   <a:schemeClr val="tx1"/>
                 </a:solidFill>
                 <a:effectLst/>
-                <a:latin typeface="Arial" panose="020B0604020202020204" pitchFamily="34" charset="0"/>
+                <a:latin typeface="Times New Roman" panose="02020603050405020304" pitchFamily="18" charset="0"/>
                 <a:ea typeface="Times New Roman" panose="02020603050405020304" pitchFamily="18" charset="0"/>
+                <a:cs typeface="Times New Roman" panose="02020603050405020304" pitchFamily="18" charset="0"/>
               </a:rPr>
             </a:br>
             <a:r>
@@ -3864,8 +3842,9 @@
                   <a:schemeClr val="tx1"/>
                 </a:solidFill>
                 <a:effectLst/>
-                <a:latin typeface="Arial" panose="020B0604020202020204" pitchFamily="34" charset="0"/>
+                <a:latin typeface="Times New Roman" panose="02020603050405020304" pitchFamily="18" charset="0"/>
                 <a:ea typeface="Times New Roman" panose="02020603050405020304" pitchFamily="18" charset="0"/>
+                <a:cs typeface="Times New Roman" panose="02020603050405020304" pitchFamily="18" charset="0"/>
               </a:rPr>
               <a:t>Document Registry </a:t>
             </a:r>
@@ -3877,7 +3856,8 @@
                 <a:schemeClr val="tx1"/>
               </a:solidFill>
               <a:effectLst/>
-              <a:latin typeface="Arial" panose="020B0604020202020204" pitchFamily="34" charset="0"/>
+              <a:latin typeface="Times New Roman" panose="02020603050405020304" pitchFamily="18" charset="0"/>
+              <a:cs typeface="Times New Roman" panose="02020603050405020304" pitchFamily="18" charset="0"/>
             </a:endParaRPr>
           </a:p>
         </p:txBody>
@@ -3924,7 +3904,10 @@
           </a:bodyPr>
           <a:lstStyle/>
           <a:p>
-            <a:endParaRPr lang="en-US"/>
+            <a:endParaRPr lang="en-US">
+              <a:latin typeface="Times New Roman" panose="02020603050405020304" pitchFamily="18" charset="0"/>
+              <a:cs typeface="Times New Roman" panose="02020603050405020304" pitchFamily="18" charset="0"/>
+            </a:endParaRPr>
           </a:p>
         </p:txBody>
       </p:sp>
@@ -4007,8 +3990,9 @@
                   <a:schemeClr val="tx1"/>
                 </a:solidFill>
                 <a:effectLst/>
-                <a:latin typeface="Arial" panose="020B0604020202020204" pitchFamily="34" charset="0"/>
+                <a:latin typeface="Times New Roman" panose="02020603050405020304" pitchFamily="18" charset="0"/>
                 <a:ea typeface="Times New Roman" panose="02020603050405020304" pitchFamily="18" charset="0"/>
+                <a:cs typeface="Times New Roman" panose="02020603050405020304" pitchFamily="18" charset="0"/>
               </a:rPr>
               <a:t>Document Repository</a:t>
             </a:r>
@@ -4021,8 +4005,9 @@
                   <a:schemeClr val="tx1"/>
                 </a:solidFill>
                 <a:effectLst/>
-                <a:latin typeface="Arial" panose="020B0604020202020204" pitchFamily="34" charset="0"/>
+                <a:latin typeface="Times New Roman" panose="02020603050405020304" pitchFamily="18" charset="0"/>
                 <a:ea typeface="Times New Roman" panose="02020603050405020304" pitchFamily="18" charset="0"/>
+                <a:cs typeface="Times New Roman" panose="02020603050405020304" pitchFamily="18" charset="0"/>
               </a:rPr>
             </a:br>
             <a:br>
@@ -4034,8 +4019,9 @@
                   <a:schemeClr val="tx1"/>
                 </a:solidFill>
                 <a:effectLst/>
-                <a:latin typeface="Arial" panose="020B0604020202020204" pitchFamily="34" charset="0"/>
+                <a:latin typeface="Times New Roman" panose="02020603050405020304" pitchFamily="18" charset="0"/>
                 <a:ea typeface="Times New Roman" panose="02020603050405020304" pitchFamily="18" charset="0"/>
+                <a:cs typeface="Times New Roman" panose="02020603050405020304" pitchFamily="18" charset="0"/>
               </a:rPr>
             </a:br>
             <a:endParaRPr kumimoji="0" lang="fr-FR" altLang="en-US" sz="1800" b="0" i="0" u="none" strike="noStrike" cap="none" normalizeH="0" baseline="0">
@@ -4046,7 +4032,8 @@
                 <a:schemeClr val="tx1"/>
               </a:solidFill>
               <a:effectLst/>
-              <a:latin typeface="Arial" panose="020B0604020202020204" pitchFamily="34" charset="0"/>
+              <a:latin typeface="Times New Roman" panose="02020603050405020304" pitchFamily="18" charset="0"/>
+              <a:cs typeface="Times New Roman" panose="02020603050405020304" pitchFamily="18" charset="0"/>
             </a:endParaRPr>
           </a:p>
         </p:txBody>
@@ -4098,7 +4085,10 @@
           </a:bodyPr>
           <a:lstStyle/>
           <a:p>
-            <a:endParaRPr lang="en-US"/>
+            <a:endParaRPr lang="en-US">
+              <a:latin typeface="Times New Roman" panose="02020603050405020304" pitchFamily="18" charset="0"/>
+              <a:cs typeface="Times New Roman" panose="02020603050405020304" pitchFamily="18" charset="0"/>
+            </a:endParaRPr>
           </a:p>
         </p:txBody>
       </p:sp>
@@ -4149,7 +4139,10 @@
           </a:bodyPr>
           <a:lstStyle/>
           <a:p>
-            <a:endParaRPr lang="en-US"/>
+            <a:endParaRPr lang="en-US">
+              <a:latin typeface="Times New Roman" panose="02020603050405020304" pitchFamily="18" charset="0"/>
+              <a:cs typeface="Times New Roman" panose="02020603050405020304" pitchFamily="18" charset="0"/>
+            </a:endParaRPr>
           </a:p>
         </p:txBody>
       </p:sp>
@@ -4200,7 +4193,10 @@
           </a:bodyPr>
           <a:lstStyle/>
           <a:p>
-            <a:endParaRPr lang="en-US"/>
+            <a:endParaRPr lang="en-US">
+              <a:latin typeface="Times New Roman" panose="02020603050405020304" pitchFamily="18" charset="0"/>
+              <a:cs typeface="Times New Roman" panose="02020603050405020304" pitchFamily="18" charset="0"/>
+            </a:endParaRPr>
           </a:p>
         </p:txBody>
       </p:sp>
@@ -4251,7 +4247,10 @@
           </a:bodyPr>
           <a:lstStyle/>
           <a:p>
-            <a:endParaRPr lang="en-US"/>
+            <a:endParaRPr lang="en-US">
+              <a:latin typeface="Times New Roman" panose="02020603050405020304" pitchFamily="18" charset="0"/>
+              <a:cs typeface="Times New Roman" panose="02020603050405020304" pitchFamily="18" charset="0"/>
+            </a:endParaRPr>
           </a:p>
         </p:txBody>
       </p:sp>
@@ -4360,7 +4359,10 @@
           </a:bodyPr>
           <a:lstStyle/>
           <a:p>
-            <a:endParaRPr lang="en-US"/>
+            <a:endParaRPr lang="en-US">
+              <a:latin typeface="Times New Roman" panose="02020603050405020304" pitchFamily="18" charset="0"/>
+              <a:cs typeface="Times New Roman" panose="02020603050405020304" pitchFamily="18" charset="0"/>
+            </a:endParaRPr>
           </a:p>
         </p:txBody>
       </p:sp>
@@ -4443,8 +4445,9 @@
                   <a:schemeClr val="tx1"/>
                 </a:solidFill>
                 <a:effectLst/>
-                <a:latin typeface="Arial" panose="020B0604020202020204" pitchFamily="34" charset="0"/>
+                <a:latin typeface="Times New Roman" panose="02020603050405020304" pitchFamily="18" charset="0"/>
                 <a:ea typeface="Times New Roman" panose="02020603050405020304" pitchFamily="18" charset="0"/>
+                <a:cs typeface="Times New Roman" panose="02020603050405020304" pitchFamily="18" charset="0"/>
               </a:rPr>
             </a:br>
             <a:r>
@@ -4456,8 +4459,9 @@
                   <a:schemeClr val="tx1"/>
                 </a:solidFill>
                 <a:effectLst/>
-                <a:latin typeface="Arial" panose="020B0604020202020204" pitchFamily="34" charset="0"/>
+                <a:latin typeface="Times New Roman" panose="02020603050405020304" pitchFamily="18" charset="0"/>
                 <a:ea typeface="Times New Roman" panose="02020603050405020304" pitchFamily="18" charset="0"/>
+                <a:cs typeface="Times New Roman" panose="02020603050405020304" pitchFamily="18" charset="0"/>
               </a:rPr>
               <a:t>Provide&amp;Register</a:t>
             </a:r>
@@ -4470,8 +4474,9 @@
                   <a:schemeClr val="tx1"/>
                 </a:solidFill>
                 <a:effectLst/>
-                <a:latin typeface="Arial" panose="020B0604020202020204" pitchFamily="34" charset="0"/>
+                <a:latin typeface="Times New Roman" panose="02020603050405020304" pitchFamily="18" charset="0"/>
                 <a:ea typeface="Times New Roman" panose="02020603050405020304" pitchFamily="18" charset="0"/>
+                <a:cs typeface="Times New Roman" panose="02020603050405020304" pitchFamily="18" charset="0"/>
               </a:rPr>
             </a:br>
             <a:r>
@@ -4483,8 +4488,9 @@
                   <a:schemeClr val="tx1"/>
                 </a:solidFill>
                 <a:effectLst/>
-                <a:latin typeface="Arial" panose="020B0604020202020204" pitchFamily="34" charset="0"/>
+                <a:latin typeface="Times New Roman" panose="02020603050405020304" pitchFamily="18" charset="0"/>
                 <a:ea typeface="Times New Roman" panose="02020603050405020304" pitchFamily="18" charset="0"/>
+                <a:cs typeface="Times New Roman" panose="02020603050405020304" pitchFamily="18" charset="0"/>
               </a:rPr>
               <a:t>Document Set – b [ITI-41] </a:t>
             </a:r>
@@ -4497,8 +4503,9 @@
                   <a:schemeClr val="tx1"/>
                 </a:solidFill>
                 <a:effectLst/>
-                <a:latin typeface="Arial" panose="020B0604020202020204" pitchFamily="34" charset="0"/>
+                <a:latin typeface="Times New Roman" panose="02020603050405020304" pitchFamily="18" charset="0"/>
                 <a:ea typeface="Times New Roman" panose="02020603050405020304" pitchFamily="18" charset="0"/>
+                <a:cs typeface="Times New Roman" panose="02020603050405020304" pitchFamily="18" charset="0"/>
               </a:rPr>
             </a:br>
             <a:r>
@@ -4510,9 +4517,9 @@
                   <a:schemeClr val="tx1"/>
                 </a:solidFill>
                 <a:effectLst/>
-                <a:latin typeface="Arial" panose="020B0604020202020204" pitchFamily="34" charset="0"/>
+                <a:latin typeface="Times New Roman" panose="02020603050405020304" pitchFamily="18" charset="0"/>
                 <a:ea typeface="Times New Roman" panose="02020603050405020304" pitchFamily="18" charset="0"/>
-                <a:cs typeface="Arial" panose="020B0604020202020204" pitchFamily="34" charset="0"/>
+                <a:cs typeface="Times New Roman" panose="02020603050405020304" pitchFamily="18" charset="0"/>
                 <a:sym typeface="Symbol" pitchFamily="2" charset="2"/>
               </a:rPr>
               <a:t></a:t>
@@ -4599,7 +4606,9 @@
                   <a:schemeClr val="tx1"/>
                 </a:solidFill>
                 <a:effectLst/>
+                <a:latin typeface="Times New Roman" panose="02020603050405020304" pitchFamily="18" charset="0"/>
                 <a:ea typeface="Times New Roman" panose="02020603050405020304" pitchFamily="18" charset="0"/>
+                <a:cs typeface="Times New Roman" panose="02020603050405020304" pitchFamily="18" charset="0"/>
               </a:rPr>
             </a:br>
             <a:r>
@@ -4613,6 +4622,7 @@
                 <a:effectLst/>
                 <a:latin typeface="Times New Roman" panose="02020603050405020304" pitchFamily="18" charset="0"/>
                 <a:ea typeface="Times New Roman" panose="02020603050405020304" pitchFamily="18" charset="0"/>
+                <a:cs typeface="Times New Roman" panose="02020603050405020304" pitchFamily="18" charset="0"/>
                 <a:sym typeface="Symbol" pitchFamily="2" charset="2"/>
               </a:rPr>
               <a:t></a:t>
@@ -4626,7 +4636,9 @@
                   <a:schemeClr val="tx1"/>
                 </a:solidFill>
                 <a:effectLst/>
+                <a:latin typeface="Times New Roman" panose="02020603050405020304" pitchFamily="18" charset="0"/>
                 <a:ea typeface="Times New Roman" panose="02020603050405020304" pitchFamily="18" charset="0"/>
+                <a:cs typeface="Times New Roman" panose="02020603050405020304" pitchFamily="18" charset="0"/>
               </a:rPr>
               <a:t> Register Document Set – b [ITI-42] </a:t>
             </a:r>
@@ -4640,6 +4652,7 @@
               <a:effectLst/>
               <a:latin typeface="Times New Roman" panose="02020603050405020304" pitchFamily="18" charset="0"/>
               <a:ea typeface="Times New Roman" panose="02020603050405020304" pitchFamily="18" charset="0"/>
+              <a:cs typeface="Times New Roman" panose="02020603050405020304" pitchFamily="18" charset="0"/>
               <a:sym typeface="Symbol" pitchFamily="2" charset="2"/>
             </a:endParaRPr>
           </a:p>
@@ -4661,8 +4674,8 @@
         </p:nvSpPr>
         <p:spPr bwMode="auto">
           <a:xfrm>
-            <a:off x="5283200" y="3365500"/>
-            <a:ext cx="1820863" cy="571500"/>
+            <a:off x="4921250" y="3365500"/>
+            <a:ext cx="2182813" cy="571500"/>
           </a:xfrm>
           <a:prstGeom prst="rect">
             <a:avLst/>
@@ -4716,7 +4729,7 @@
               <a:tabLst/>
             </a:pPr>
             <a:br>
-              <a:rPr kumimoji="0" lang="en-US" altLang="en-US" sz="1000" b="0" i="0" u="none" strike="noStrike" cap="none" normalizeH="0" baseline="0">
+              <a:rPr kumimoji="0" lang="en-US" altLang="en-US" sz="1000" b="0" i="0" u="none" strike="noStrike" cap="none" normalizeH="0" baseline="0" dirty="0">
                 <a:ln>
                   <a:noFill/>
                 </a:ln>
@@ -4724,12 +4737,13 @@
                   <a:schemeClr val="tx1"/>
                 </a:solidFill>
                 <a:effectLst/>
-                <a:latin typeface="Arial" panose="020B0604020202020204" pitchFamily="34" charset="0"/>
+                <a:latin typeface="Times New Roman" panose="02020603050405020304" pitchFamily="18" charset="0"/>
                 <a:ea typeface="Times New Roman" panose="02020603050405020304" pitchFamily="18" charset="0"/>
+                <a:cs typeface="Times New Roman" panose="02020603050405020304" pitchFamily="18" charset="0"/>
               </a:rPr>
             </a:br>
             <a:r>
-              <a:rPr kumimoji="0" lang="en-US" altLang="en-US" sz="1000" b="0" i="0" u="none" strike="noStrike" cap="none" normalizeH="0" baseline="0">
+              <a:rPr kumimoji="0" lang="en-US" altLang="en-US" sz="1000" b="0" i="0" u="none" strike="noStrike" cap="none" normalizeH="0" baseline="0" dirty="0">
                 <a:ln>
                   <a:noFill/>
                 </a:ln>
@@ -4737,13 +4751,14 @@
                   <a:schemeClr val="tx1"/>
                 </a:solidFill>
                 <a:effectLst/>
-                <a:latin typeface="Arial" panose="020B0604020202020204" pitchFamily="34" charset="0"/>
+                <a:latin typeface="Times New Roman" panose="02020603050405020304" pitchFamily="18" charset="0"/>
                 <a:ea typeface="Times New Roman" panose="02020603050405020304" pitchFamily="18" charset="0"/>
+                <a:cs typeface="Times New Roman" panose="02020603050405020304" pitchFamily="18" charset="0"/>
               </a:rPr>
               <a:t>Retrieve Document Set [ITI-43]</a:t>
             </a:r>
             <a:br>
-              <a:rPr kumimoji="0" lang="en-US" altLang="en-US" sz="1000" b="0" i="0" u="none" strike="noStrike" cap="none" normalizeH="0" baseline="0">
+              <a:rPr kumimoji="0" lang="en-US" altLang="en-US" sz="1000" b="0" i="0" u="none" strike="noStrike" cap="none" normalizeH="0" baseline="0" dirty="0">
                 <a:ln>
                   <a:noFill/>
                 </a:ln>
@@ -4751,12 +4766,13 @@
                   <a:schemeClr val="tx1"/>
                 </a:solidFill>
                 <a:effectLst/>
-                <a:latin typeface="Arial" panose="020B0604020202020204" pitchFamily="34" charset="0"/>
+                <a:latin typeface="Times New Roman" panose="02020603050405020304" pitchFamily="18" charset="0"/>
                 <a:ea typeface="Times New Roman" panose="02020603050405020304" pitchFamily="18" charset="0"/>
+                <a:cs typeface="Times New Roman" panose="02020603050405020304" pitchFamily="18" charset="0"/>
               </a:rPr>
             </a:br>
             <a:r>
-              <a:rPr kumimoji="0" lang="fr-FR" altLang="en-US" sz="1000" b="0" i="0" u="none" strike="noStrike" cap="none" normalizeH="0" baseline="0">
+              <a:rPr kumimoji="0" lang="fr-FR" altLang="en-US" sz="1000" b="0" i="0" u="none" strike="noStrike" cap="none" normalizeH="0" baseline="0" dirty="0">
                 <a:ln>
                   <a:noFill/>
                 </a:ln>
@@ -4764,9 +4780,9 @@
                   <a:schemeClr val="tx1"/>
                 </a:solidFill>
                 <a:effectLst/>
-                <a:latin typeface="Arial" panose="020B0604020202020204" pitchFamily="34" charset="0"/>
+                <a:latin typeface="Times New Roman" panose="02020603050405020304" pitchFamily="18" charset="0"/>
                 <a:ea typeface="Times New Roman" panose="02020603050405020304" pitchFamily="18" charset="0"/>
-                <a:cs typeface="Arial" panose="020B0604020202020204" pitchFamily="34" charset="0"/>
+                <a:cs typeface="Times New Roman" panose="02020603050405020304" pitchFamily="18" charset="0"/>
                 <a:sym typeface="Symbol" pitchFamily="2" charset="2"/>
               </a:rPr>
               <a:t></a:t>
@@ -4853,7 +4869,9 @@
                   <a:schemeClr val="tx1"/>
                 </a:solidFill>
                 <a:effectLst/>
+                <a:latin typeface="Times New Roman" panose="02020603050405020304" pitchFamily="18" charset="0"/>
                 <a:ea typeface="Times New Roman" panose="02020603050405020304" pitchFamily="18" charset="0"/>
+                <a:cs typeface="Times New Roman" panose="02020603050405020304" pitchFamily="18" charset="0"/>
               </a:rPr>
               <a:t>Registry Stored Query</a:t>
             </a:r>
@@ -4866,7 +4884,9 @@
                   <a:schemeClr val="tx1"/>
                 </a:solidFill>
                 <a:effectLst/>
+                <a:latin typeface="Times New Roman" panose="02020603050405020304" pitchFamily="18" charset="0"/>
                 <a:ea typeface="Times New Roman" panose="02020603050405020304" pitchFamily="18" charset="0"/>
+                <a:cs typeface="Times New Roman" panose="02020603050405020304" pitchFamily="18" charset="0"/>
               </a:rPr>
             </a:br>
             <a:r>
@@ -4878,8 +4898,9 @@
                   <a:schemeClr val="tx1"/>
                 </a:solidFill>
                 <a:effectLst/>
-                <a:latin typeface="Arial" panose="020B0604020202020204" pitchFamily="34" charset="0"/>
+                <a:latin typeface="Times New Roman" panose="02020603050405020304" pitchFamily="18" charset="0"/>
                 <a:ea typeface="Times New Roman" panose="02020603050405020304" pitchFamily="18" charset="0"/>
+                <a:cs typeface="Times New Roman" panose="02020603050405020304" pitchFamily="18" charset="0"/>
               </a:rPr>
               <a:t> [ITI-18] </a:t>
             </a:r>
@@ -4892,9 +4913,9 @@
                   <a:schemeClr val="tx1"/>
                 </a:solidFill>
                 <a:effectLst/>
-                <a:latin typeface="Arial" panose="020B0604020202020204" pitchFamily="34" charset="0"/>
+                <a:latin typeface="Times New Roman" panose="02020603050405020304" pitchFamily="18" charset="0"/>
                 <a:ea typeface="Times New Roman" panose="02020603050405020304" pitchFamily="18" charset="0"/>
-                <a:cs typeface="Arial" panose="020B0604020202020204" pitchFamily="34" charset="0"/>
+                <a:cs typeface="Times New Roman" panose="02020603050405020304" pitchFamily="18" charset="0"/>
                 <a:sym typeface="Symbol" pitchFamily="2" charset="2"/>
               </a:rPr>
               <a:t></a:t>
@@ -4908,7 +4929,9 @@
                   <a:schemeClr val="tx1"/>
                 </a:solidFill>
                 <a:effectLst/>
+                <a:latin typeface="Times New Roman" panose="02020603050405020304" pitchFamily="18" charset="0"/>
                 <a:ea typeface="Times New Roman" panose="02020603050405020304" pitchFamily="18" charset="0"/>
+                <a:cs typeface="Times New Roman" panose="02020603050405020304" pitchFamily="18" charset="0"/>
               </a:rPr>
               <a:t> </a:t>
             </a:r>
@@ -4920,9 +4943,9 @@
                 <a:schemeClr val="tx1"/>
               </a:solidFill>
               <a:effectLst/>
-              <a:latin typeface="Arial" panose="020B0604020202020204" pitchFamily="34" charset="0"/>
+              <a:latin typeface="Times New Roman" panose="02020603050405020304" pitchFamily="18" charset="0"/>
               <a:ea typeface="Times New Roman" panose="02020603050405020304" pitchFamily="18" charset="0"/>
-              <a:cs typeface="Arial" panose="020B0604020202020204" pitchFamily="34" charset="0"/>
+              <a:cs typeface="Times New Roman" panose="02020603050405020304" pitchFamily="18" charset="0"/>
               <a:sym typeface="Symbol" pitchFamily="2" charset="2"/>
             </a:endParaRPr>
           </a:p>
@@ -4975,7 +4998,10 @@
           </a:bodyPr>
           <a:lstStyle/>
           <a:p>
-            <a:endParaRPr lang="en-US"/>
+            <a:endParaRPr lang="en-US">
+              <a:latin typeface="Times New Roman" panose="02020603050405020304" pitchFamily="18" charset="0"/>
+              <a:cs typeface="Times New Roman" panose="02020603050405020304" pitchFamily="18" charset="0"/>
+            </a:endParaRPr>
           </a:p>
         </p:txBody>
       </p:sp>
@@ -5021,7 +5047,10 @@
           </a:bodyPr>
           <a:lstStyle/>
           <a:p>
-            <a:endParaRPr lang="en-US"/>
+            <a:endParaRPr lang="en-US">
+              <a:latin typeface="Times New Roman" panose="02020603050405020304" pitchFamily="18" charset="0"/>
+              <a:cs typeface="Times New Roman" panose="02020603050405020304" pitchFamily="18" charset="0"/>
+            </a:endParaRPr>
           </a:p>
         </p:txBody>
       </p:sp>
@@ -5104,8 +5133,9 @@
                   <a:schemeClr val="tx1"/>
                 </a:solidFill>
                 <a:effectLst/>
-                <a:latin typeface="Arial" panose="020B0604020202020204" pitchFamily="34" charset="0"/>
+                <a:latin typeface="Times New Roman" panose="02020603050405020304" pitchFamily="18" charset="0"/>
                 <a:ea typeface="Times New Roman" panose="02020603050405020304" pitchFamily="18" charset="0"/>
+                <a:cs typeface="Times New Roman" panose="02020603050405020304" pitchFamily="18" charset="0"/>
               </a:rPr>
             </a:br>
             <a:r>
@@ -5117,8 +5147,9 @@
                   <a:schemeClr val="tx1"/>
                 </a:solidFill>
                 <a:effectLst/>
-                <a:latin typeface="Arial" panose="020B0604020202020204" pitchFamily="34" charset="0"/>
+                <a:latin typeface="Times New Roman" panose="02020603050405020304" pitchFamily="18" charset="0"/>
                 <a:ea typeface="Times New Roman" panose="02020603050405020304" pitchFamily="18" charset="0"/>
+                <a:cs typeface="Times New Roman" panose="02020603050405020304" pitchFamily="18" charset="0"/>
               </a:rPr>
               <a:t>Patient Identity Source </a:t>
             </a:r>
@@ -5130,7 +5161,8 @@
                 <a:schemeClr val="tx1"/>
               </a:solidFill>
               <a:effectLst/>
-              <a:latin typeface="Arial" panose="020B0604020202020204" pitchFamily="34" charset="0"/>
+              <a:latin typeface="Times New Roman" panose="02020603050405020304" pitchFamily="18" charset="0"/>
+              <a:cs typeface="Times New Roman" panose="02020603050405020304" pitchFamily="18" charset="0"/>
             </a:endParaRPr>
           </a:p>
         </p:txBody>
@@ -5182,7 +5214,10 @@
           </a:bodyPr>
           <a:lstStyle/>
           <a:p>
-            <a:endParaRPr lang="en-US"/>
+            <a:endParaRPr lang="en-US">
+              <a:latin typeface="Times New Roman" panose="02020603050405020304" pitchFamily="18" charset="0"/>
+              <a:cs typeface="Times New Roman" panose="02020603050405020304" pitchFamily="18" charset="0"/>
+            </a:endParaRPr>
           </a:p>
         </p:txBody>
       </p:sp>
@@ -5421,8 +5456,9 @@
                   <a:schemeClr val="tx1"/>
                 </a:solidFill>
                 <a:effectLst/>
-                <a:latin typeface="Arial" panose="020B0604020202020204" pitchFamily="34" charset="0"/>
+                <a:latin typeface="Times New Roman" panose="02020603050405020304" pitchFamily="18" charset="0"/>
                 <a:ea typeface="Times New Roman" panose="02020603050405020304" pitchFamily="18" charset="0"/>
+                <a:cs typeface="Times New Roman" panose="02020603050405020304" pitchFamily="18" charset="0"/>
               </a:rPr>
             </a:br>
             <a:r>
@@ -5434,8 +5470,9 @@
                   <a:schemeClr val="tx1"/>
                 </a:solidFill>
                 <a:effectLst/>
-                <a:latin typeface="Arial" panose="020B0604020202020204" pitchFamily="34" charset="0"/>
+                <a:latin typeface="Times New Roman" panose="02020603050405020304" pitchFamily="18" charset="0"/>
                 <a:ea typeface="Times New Roman" panose="02020603050405020304" pitchFamily="18" charset="0"/>
+                <a:cs typeface="Times New Roman" panose="02020603050405020304" pitchFamily="18" charset="0"/>
               </a:rPr>
               <a:t>Patient Identity Feed [ITI-8]</a:t>
             </a:r>
@@ -5447,7 +5484,8 @@
                 <a:schemeClr val="tx1"/>
               </a:solidFill>
               <a:effectLst/>
-              <a:latin typeface="Arial" panose="020B0604020202020204" pitchFamily="34" charset="0"/>
+              <a:latin typeface="Times New Roman" panose="02020603050405020304" pitchFamily="18" charset="0"/>
+              <a:cs typeface="Times New Roman" panose="02020603050405020304" pitchFamily="18" charset="0"/>
             </a:endParaRPr>
           </a:p>
           <a:p>
@@ -5478,8 +5516,9 @@
                   <a:schemeClr val="tx1"/>
                 </a:solidFill>
                 <a:effectLst/>
-                <a:latin typeface="Arial" panose="020B0604020202020204" pitchFamily="34" charset="0"/>
+                <a:latin typeface="Times New Roman" panose="02020603050405020304" pitchFamily="18" charset="0"/>
                 <a:ea typeface="Times New Roman" panose="02020603050405020304" pitchFamily="18" charset="0"/>
+                <a:cs typeface="Times New Roman" panose="02020603050405020304" pitchFamily="18" charset="0"/>
               </a:rPr>
               <a:t>Patient Identity Feed HL7v3 [ITI-44] </a:t>
             </a:r>
@@ -5494,6 +5533,7 @@
                 <a:effectLst/>
                 <a:latin typeface="Times New Roman" panose="02020603050405020304" pitchFamily="18" charset="0"/>
                 <a:ea typeface="Times New Roman" panose="02020603050405020304" pitchFamily="18" charset="0"/>
+                <a:cs typeface="Times New Roman" panose="02020603050405020304" pitchFamily="18" charset="0"/>
                 <a:sym typeface="Symbol" pitchFamily="2" charset="2"/>
               </a:rPr>
               <a:t></a:t>
@@ -5575,7 +5615,9 @@
                   <a:schemeClr val="tx1"/>
                 </a:solidFill>
                 <a:effectLst/>
+                <a:latin typeface="Times New Roman" panose="02020603050405020304" pitchFamily="18" charset="0"/>
                 <a:ea typeface="Times New Roman" panose="02020603050405020304" pitchFamily="18" charset="0"/>
+                <a:cs typeface="Times New Roman" panose="02020603050405020304" pitchFamily="18" charset="0"/>
               </a:rPr>
               <a:t>Integrated Document Source/Repository</a:t>
             </a:r>
@@ -5587,7 +5629,8 @@
                 <a:schemeClr val="tx1"/>
               </a:solidFill>
               <a:effectLst/>
-              <a:latin typeface="Arial" panose="020B0604020202020204" pitchFamily="34" charset="0"/>
+              <a:latin typeface="Times New Roman" panose="02020603050405020304" pitchFamily="18" charset="0"/>
+              <a:cs typeface="Times New Roman" panose="02020603050405020304" pitchFamily="18" charset="0"/>
             </a:endParaRPr>
           </a:p>
         </p:txBody>
@@ -5639,7 +5682,10 @@
           </a:bodyPr>
           <a:lstStyle/>
           <a:p>
-            <a:endParaRPr lang="en-US"/>
+            <a:endParaRPr lang="en-US">
+              <a:latin typeface="Times New Roman" panose="02020603050405020304" pitchFamily="18" charset="0"/>
+              <a:cs typeface="Times New Roman" panose="02020603050405020304" pitchFamily="18" charset="0"/>
+            </a:endParaRPr>
           </a:p>
         </p:txBody>
       </p:sp>
@@ -5685,7 +5731,10 @@
           </a:bodyPr>
           <a:lstStyle/>
           <a:p>
-            <a:endParaRPr lang="en-US"/>
+            <a:endParaRPr lang="en-US">
+              <a:latin typeface="Times New Roman" panose="02020603050405020304" pitchFamily="18" charset="0"/>
+              <a:cs typeface="Times New Roman" panose="02020603050405020304" pitchFamily="18" charset="0"/>
+            </a:endParaRPr>
           </a:p>
         </p:txBody>
       </p:sp>
@@ -5768,8 +5817,9 @@
                   <a:schemeClr val="tx1"/>
                 </a:solidFill>
                 <a:effectLst/>
-                <a:latin typeface="Arial" panose="020B0604020202020204" pitchFamily="34" charset="0"/>
+                <a:latin typeface="Times New Roman" panose="02020603050405020304" pitchFamily="18" charset="0"/>
                 <a:ea typeface="Times New Roman" panose="02020603050405020304" pitchFamily="18" charset="0"/>
+                <a:cs typeface="Times New Roman" panose="02020603050405020304" pitchFamily="18" charset="0"/>
               </a:rPr>
             </a:br>
             <a:r>
@@ -5781,8 +5831,9 @@
                   <a:schemeClr val="tx1"/>
                 </a:solidFill>
                 <a:effectLst/>
-                <a:latin typeface="Arial" panose="020B0604020202020204" pitchFamily="34" charset="0"/>
+                <a:latin typeface="Times New Roman" panose="02020603050405020304" pitchFamily="18" charset="0"/>
                 <a:ea typeface="Times New Roman" panose="02020603050405020304" pitchFamily="18" charset="0"/>
+                <a:cs typeface="Times New Roman" panose="02020603050405020304" pitchFamily="18" charset="0"/>
               </a:rPr>
               <a:t>On-Demand Document Source</a:t>
             </a:r>
@@ -5794,7 +5845,8 @@
                 <a:schemeClr val="tx1"/>
               </a:solidFill>
               <a:effectLst/>
-              <a:latin typeface="Arial" panose="020B0604020202020204" pitchFamily="34" charset="0"/>
+              <a:latin typeface="Times New Roman" panose="02020603050405020304" pitchFamily="18" charset="0"/>
+              <a:cs typeface="Times New Roman" panose="02020603050405020304" pitchFamily="18" charset="0"/>
             </a:endParaRPr>
           </a:p>
         </p:txBody>
@@ -5846,7 +5898,10 @@
           </a:bodyPr>
           <a:lstStyle/>
           <a:p>
-            <a:endParaRPr lang="en-US"/>
+            <a:endParaRPr lang="en-US">
+              <a:latin typeface="Times New Roman" panose="02020603050405020304" pitchFamily="18" charset="0"/>
+              <a:cs typeface="Times New Roman" panose="02020603050405020304" pitchFamily="18" charset="0"/>
+            </a:endParaRPr>
           </a:p>
         </p:txBody>
       </p:sp>
@@ -5897,7 +5952,10 @@
           </a:bodyPr>
           <a:lstStyle/>
           <a:p>
-            <a:endParaRPr lang="en-US"/>
+            <a:endParaRPr lang="en-US">
+              <a:latin typeface="Times New Roman" panose="02020603050405020304" pitchFamily="18" charset="0"/>
+              <a:cs typeface="Times New Roman" panose="02020603050405020304" pitchFamily="18" charset="0"/>
+            </a:endParaRPr>
           </a:p>
         </p:txBody>
       </p:sp>
@@ -5972,7 +6030,7 @@
               <a:tabLst/>
             </a:pPr>
             <a:r>
-              <a:rPr kumimoji="0" lang="fr-FR" altLang="en-US" sz="1000" b="0" i="0" u="none" strike="noStrike" cap="none" normalizeH="0" baseline="0">
+              <a:rPr kumimoji="0" lang="fr-FR" altLang="en-US" sz="1000" b="0" i="0" u="none" strike="noStrike" cap="none" normalizeH="0" baseline="0" dirty="0" err="1">
                 <a:ln>
                   <a:noFill/>
                 </a:ln>
@@ -5980,13 +6038,14 @@
                   <a:schemeClr val="tx1"/>
                 </a:solidFill>
                 <a:effectLst/>
-                <a:latin typeface="Arial" panose="020B0604020202020204" pitchFamily="34" charset="0"/>
+                <a:latin typeface="Times New Roman" panose="02020603050405020304" pitchFamily="18" charset="0"/>
                 <a:ea typeface="Times New Roman" panose="02020603050405020304" pitchFamily="18" charset="0"/>
+                <a:cs typeface="Times New Roman" panose="02020603050405020304" pitchFamily="18" charset="0"/>
               </a:rPr>
-              <a:t>Register On-Demand Document Entry [ITI-61] </a:t>
-            </a:r>
-            <a:r>
-              <a:rPr kumimoji="0" lang="fr-FR" altLang="en-US" sz="1000" b="0" i="0" u="none" strike="noStrike" cap="none" normalizeH="0" baseline="0">
+              <a:t>Register</a:t>
+            </a:r>
+            <a:r>
+              <a:rPr kumimoji="0" lang="fr-FR" altLang="en-US" sz="1000" b="0" i="0" u="none" strike="noStrike" cap="none" normalizeH="0" baseline="0" dirty="0">
                 <a:ln>
                   <a:noFill/>
                 </a:ln>
@@ -5994,15 +6053,60 @@
                   <a:schemeClr val="tx1"/>
                 </a:solidFill>
                 <a:effectLst/>
-                <a:latin typeface="Arial" panose="020B0604020202020204" pitchFamily="34" charset="0"/>
+                <a:latin typeface="Times New Roman" panose="02020603050405020304" pitchFamily="18" charset="0"/>
                 <a:ea typeface="Times New Roman" panose="02020603050405020304" pitchFamily="18" charset="0"/>
-                <a:cs typeface="Arial" panose="020B0604020202020204" pitchFamily="34" charset="0"/>
+                <a:cs typeface="Times New Roman" panose="02020603050405020304" pitchFamily="18" charset="0"/>
+              </a:rPr>
+              <a:t> On-</a:t>
+            </a:r>
+            <a:r>
+              <a:rPr kumimoji="0" lang="fr-FR" altLang="en-US" sz="1000" b="0" i="0" u="none" strike="noStrike" cap="none" normalizeH="0" baseline="0" dirty="0" err="1">
+                <a:ln>
+                  <a:noFill/>
+                </a:ln>
+                <a:solidFill>
+                  <a:schemeClr val="tx1"/>
+                </a:solidFill>
+                <a:effectLst/>
+                <a:latin typeface="Times New Roman" panose="02020603050405020304" pitchFamily="18" charset="0"/>
+                <a:ea typeface="Times New Roman" panose="02020603050405020304" pitchFamily="18" charset="0"/>
+                <a:cs typeface="Times New Roman" panose="02020603050405020304" pitchFamily="18" charset="0"/>
+              </a:rPr>
+              <a:t>Demand</a:t>
+            </a:r>
+            <a:r>
+              <a:rPr kumimoji="0" lang="fr-FR" altLang="en-US" sz="1000" b="0" i="0" u="none" strike="noStrike" cap="none" normalizeH="0" baseline="0" dirty="0">
+                <a:ln>
+                  <a:noFill/>
+                </a:ln>
+                <a:solidFill>
+                  <a:schemeClr val="tx1"/>
+                </a:solidFill>
+                <a:effectLst/>
+                <a:latin typeface="Times New Roman" panose="02020603050405020304" pitchFamily="18" charset="0"/>
+                <a:ea typeface="Times New Roman" panose="02020603050405020304" pitchFamily="18" charset="0"/>
+                <a:cs typeface="Times New Roman" panose="02020603050405020304" pitchFamily="18" charset="0"/>
+              </a:rPr>
+              <a:t> Document Entry [ITI-61] </a:t>
+            </a:r>
+            <a:r>
+              <a:rPr kumimoji="0" lang="fr-FR" altLang="en-US" sz="1000" b="0" i="0" u="none" strike="noStrike" cap="none" normalizeH="0" baseline="0" dirty="0">
+                <a:ln>
+                  <a:noFill/>
+                </a:ln>
+                <a:solidFill>
+                  <a:schemeClr val="tx1"/>
+                </a:solidFill>
+                <a:effectLst/>
+                <a:latin typeface="Times New Roman" panose="02020603050405020304" pitchFamily="18" charset="0"/>
+                <a:ea typeface="Times New Roman" panose="02020603050405020304" pitchFamily="18" charset="0"/>
+                <a:cs typeface="Times New Roman" panose="02020603050405020304" pitchFamily="18" charset="0"/>
                 <a:sym typeface="Symbol" pitchFamily="2" charset="2"/>
               </a:rPr>
               <a:t></a:t>
             </a:r>
             <a:r>
-              <a:rPr kumimoji="0" lang="fr-FR" altLang="en-US" sz="1000" b="0" i="0" u="none" strike="noStrike" cap="none" normalizeH="0" baseline="0">
+              <a:rPr kumimoji="0" lang="fr-FR" altLang="en-US" sz="1000" b="0" i="0" u="none" strike="noStrike" cap="none" normalizeH="0" baseline="0" dirty="0">
                 <a:ln>
                   <a:noFill/>
                 </a:ln>
@@ -6010,11 +6114,13 @@
                   <a:schemeClr val="tx1"/>
                 </a:solidFill>
                 <a:effectLst/>
+                <a:latin typeface="Times New Roman" panose="02020603050405020304" pitchFamily="18" charset="0"/>
                 <a:ea typeface="Times New Roman" panose="02020603050405020304" pitchFamily="18" charset="0"/>
+                <a:cs typeface="Times New Roman" panose="02020603050405020304" pitchFamily="18" charset="0"/>
               </a:rPr>
               <a:t> </a:t>
             </a:r>
-            <a:endParaRPr kumimoji="0" lang="fr-FR" altLang="en-US" sz="1000" b="0" i="0" u="none" strike="noStrike" cap="none" normalizeH="0" baseline="0">
+            <a:endParaRPr kumimoji="0" lang="fr-FR" altLang="en-US" sz="1000" b="0" i="0" u="none" strike="noStrike" cap="none" normalizeH="0" baseline="0" dirty="0">
               <a:ln>
                 <a:noFill/>
               </a:ln>
@@ -6022,9 +6128,9 @@
                 <a:schemeClr val="tx1"/>
               </a:solidFill>
               <a:effectLst/>
-              <a:latin typeface="Arial" panose="020B0604020202020204" pitchFamily="34" charset="0"/>
+              <a:latin typeface="Times New Roman" panose="02020603050405020304" pitchFamily="18" charset="0"/>
               <a:ea typeface="Times New Roman" panose="02020603050405020304" pitchFamily="18" charset="0"/>
-              <a:cs typeface="Arial" panose="020B0604020202020204" pitchFamily="34" charset="0"/>
+              <a:cs typeface="Times New Roman" panose="02020603050405020304" pitchFamily="18" charset="0"/>
               <a:sym typeface="Symbol" pitchFamily="2" charset="2"/>
             </a:endParaRPr>
           </a:p>
@@ -6109,8 +6215,9 @@
                   <a:schemeClr val="tx1"/>
                 </a:solidFill>
                 <a:effectLst/>
-                <a:latin typeface="Arial" panose="020B0604020202020204" pitchFamily="34" charset="0"/>
+                <a:latin typeface="Times New Roman" panose="02020603050405020304" pitchFamily="18" charset="0"/>
                 <a:ea typeface="Times New Roman" panose="02020603050405020304" pitchFamily="18" charset="0"/>
+                <a:cs typeface="Times New Roman" panose="02020603050405020304" pitchFamily="18" charset="0"/>
               </a:rPr>
               <a:t>Retrieve Document Set [ITI-43]</a:t>
             </a:r>
@@ -6123,8 +6230,9 @@
                   <a:schemeClr val="tx1"/>
                 </a:solidFill>
                 <a:effectLst/>
-                <a:latin typeface="Arial" panose="020B0604020202020204" pitchFamily="34" charset="0"/>
+                <a:latin typeface="Times New Roman" panose="02020603050405020304" pitchFamily="18" charset="0"/>
                 <a:ea typeface="Times New Roman" panose="02020603050405020304" pitchFamily="18" charset="0"/>
+                <a:cs typeface="Times New Roman" panose="02020603050405020304" pitchFamily="18" charset="0"/>
               </a:rPr>
               <a:t> </a:t>
             </a:r>
@@ -6139,6 +6247,7 @@
                 <a:effectLst/>
                 <a:latin typeface="Times New Roman" panose="02020603050405020304" pitchFamily="18" charset="0"/>
                 <a:ea typeface="Times New Roman" panose="02020603050405020304" pitchFamily="18" charset="0"/>
+                <a:cs typeface="Times New Roman" panose="02020603050405020304" pitchFamily="18" charset="0"/>
                 <a:sym typeface="Symbol" pitchFamily="2" charset="2"/>
               </a:rPr>
               <a:t></a:t>
@@ -6193,7 +6302,10 @@
           </a:bodyPr>
           <a:lstStyle/>
           <a:p>
-            <a:endParaRPr lang="en-US"/>
+            <a:endParaRPr lang="en-US">
+              <a:latin typeface="Times New Roman" panose="02020603050405020304" pitchFamily="18" charset="0"/>
+              <a:cs typeface="Times New Roman" panose="02020603050405020304" pitchFamily="18" charset="0"/>
+            </a:endParaRPr>
           </a:p>
         </p:txBody>
       </p:sp>
@@ -6244,7 +6356,10 @@
           </a:bodyPr>
           <a:lstStyle/>
           <a:p>
-            <a:endParaRPr lang="en-US"/>
+            <a:endParaRPr lang="en-US">
+              <a:latin typeface="Times New Roman" panose="02020603050405020304" pitchFamily="18" charset="0"/>
+              <a:cs typeface="Times New Roman" panose="02020603050405020304" pitchFamily="18" charset="0"/>
+            </a:endParaRPr>
           </a:p>
         </p:txBody>
       </p:sp>

--- a/ITI/TF/Volume1/media/Figure_10.1-1b.pptx
+++ b/ITI/TF/Volume1/media/Figure_10.1-1b.pptx
@@ -104,6 +104,11 @@
       </a:defRPr>
     </a:lvl9pPr>
   </p:defaultTextStyle>
+  <p:extLst>
+    <p:ext uri="{EFAFB233-063F-42B5-8137-9DF3F51BA10A}">
+      <p15:sldGuideLst xmlns:p15="http://schemas.microsoft.com/office/powerpoint/2012/main"/>
+    </p:ext>
+  </p:extLst>
 </p:presentation>
 </file>
 
@@ -254,7 +259,7 @@
           <a:p>
             <a:fld id="{63EF325A-FC78-D44F-9B1F-D740736EFC82}" type="datetimeFigureOut">
               <a:rPr lang="en-US" smtClean="0"/>
-              <a:t>8/10/20</a:t>
+              <a:t>8/26/2020</a:t>
             </a:fld>
             <a:endParaRPr lang="en-US"/>
           </a:p>
@@ -452,7 +457,7 @@
           <a:p>
             <a:fld id="{63EF325A-FC78-D44F-9B1F-D740736EFC82}" type="datetimeFigureOut">
               <a:rPr lang="en-US" smtClean="0"/>
-              <a:t>8/10/20</a:t>
+              <a:t>8/26/2020</a:t>
             </a:fld>
             <a:endParaRPr lang="en-US"/>
           </a:p>
@@ -660,7 +665,7 @@
           <a:p>
             <a:fld id="{63EF325A-FC78-D44F-9B1F-D740736EFC82}" type="datetimeFigureOut">
               <a:rPr lang="en-US" smtClean="0"/>
-              <a:t>8/10/20</a:t>
+              <a:t>8/26/2020</a:t>
             </a:fld>
             <a:endParaRPr lang="en-US"/>
           </a:p>
@@ -858,7 +863,7 @@
           <a:p>
             <a:fld id="{63EF325A-FC78-D44F-9B1F-D740736EFC82}" type="datetimeFigureOut">
               <a:rPr lang="en-US" smtClean="0"/>
-              <a:t>8/10/20</a:t>
+              <a:t>8/26/2020</a:t>
             </a:fld>
             <a:endParaRPr lang="en-US"/>
           </a:p>
@@ -1133,7 +1138,7 @@
           <a:p>
             <a:fld id="{63EF325A-FC78-D44F-9B1F-D740736EFC82}" type="datetimeFigureOut">
               <a:rPr lang="en-US" smtClean="0"/>
-              <a:t>8/10/20</a:t>
+              <a:t>8/26/2020</a:t>
             </a:fld>
             <a:endParaRPr lang="en-US"/>
           </a:p>
@@ -1398,7 +1403,7 @@
           <a:p>
             <a:fld id="{63EF325A-FC78-D44F-9B1F-D740736EFC82}" type="datetimeFigureOut">
               <a:rPr lang="en-US" smtClean="0"/>
-              <a:t>8/10/20</a:t>
+              <a:t>8/26/2020</a:t>
             </a:fld>
             <a:endParaRPr lang="en-US"/>
           </a:p>
@@ -1810,7 +1815,7 @@
           <a:p>
             <a:fld id="{63EF325A-FC78-D44F-9B1F-D740736EFC82}" type="datetimeFigureOut">
               <a:rPr lang="en-US" smtClean="0"/>
-              <a:t>8/10/20</a:t>
+              <a:t>8/26/2020</a:t>
             </a:fld>
             <a:endParaRPr lang="en-US"/>
           </a:p>
@@ -1951,7 +1956,7 @@
           <a:p>
             <a:fld id="{63EF325A-FC78-D44F-9B1F-D740736EFC82}" type="datetimeFigureOut">
               <a:rPr lang="en-US" smtClean="0"/>
-              <a:t>8/10/20</a:t>
+              <a:t>8/26/2020</a:t>
             </a:fld>
             <a:endParaRPr lang="en-US"/>
           </a:p>
@@ -2064,7 +2069,7 @@
           <a:p>
             <a:fld id="{63EF325A-FC78-D44F-9B1F-D740736EFC82}" type="datetimeFigureOut">
               <a:rPr lang="en-US" smtClean="0"/>
-              <a:t>8/10/20</a:t>
+              <a:t>8/26/2020</a:t>
             </a:fld>
             <a:endParaRPr lang="en-US"/>
           </a:p>
@@ -2375,7 +2380,7 @@
           <a:p>
             <a:fld id="{63EF325A-FC78-D44F-9B1F-D740736EFC82}" type="datetimeFigureOut">
               <a:rPr lang="en-US" smtClean="0"/>
-              <a:t>8/10/20</a:t>
+              <a:t>8/26/2020</a:t>
             </a:fld>
             <a:endParaRPr lang="en-US"/>
           </a:p>
@@ -2663,7 +2668,7 @@
           <a:p>
             <a:fld id="{63EF325A-FC78-D44F-9B1F-D740736EFC82}" type="datetimeFigureOut">
               <a:rPr lang="en-US" smtClean="0"/>
-              <a:t>8/10/20</a:t>
+              <a:t>8/26/2020</a:t>
             </a:fld>
             <a:endParaRPr lang="en-US"/>
           </a:p>
@@ -2904,7 +2909,7 @@
           <a:p>
             <a:fld id="{63EF325A-FC78-D44F-9B1F-D740736EFC82}" type="datetimeFigureOut">
               <a:rPr lang="en-US" smtClean="0"/>
-              <a:t>8/10/20</a:t>
+              <a:t>8/26/2020</a:t>
             </a:fld>
             <a:endParaRPr lang="en-US"/>
           </a:p>
@@ -3321,217 +3326,265 @@
           <a:chExt cx="0" cy="0"/>
         </a:xfrm>
       </p:grpSpPr>
-      <p:sp>
-        <p:nvSpPr>
-          <p:cNvPr id="4" name="Rectangle 34">
+      <p:grpSp>
+        <p:nvGrpSpPr>
+          <p:cNvPr id="2" name="Group 1">
             <a:extLst>
               <a:ext uri="{FF2B5EF4-FFF2-40B4-BE49-F238E27FC236}">
-                <a16:creationId xmlns:a16="http://schemas.microsoft.com/office/drawing/2014/main" id="{78E07E07-497C-4C44-926D-FE65ADD6AFD7}"/>
+                <a16:creationId xmlns:a16="http://schemas.microsoft.com/office/drawing/2014/main" id="{CF426CAA-6D3A-4393-94E0-8C42CFF7211C}"/>
               </a:ext>
             </a:extLst>
           </p:cNvPr>
-          <p:cNvSpPr>
-            <a:spLocks noChangeArrowheads="1"/>
-          </p:cNvSpPr>
+          <p:cNvGrpSpPr>
+            <a:grpSpLocks noChangeAspect="1"/>
+          </p:cNvGrpSpPr>
           <p:nvPr/>
-        </p:nvSpPr>
-        <p:spPr bwMode="auto">
+        </p:nvGrpSpPr>
+        <p:grpSpPr>
           <a:xfrm>
-            <a:off x="25400" y="457200"/>
-            <a:ext cx="8229600" cy="4813300"/>
+            <a:off x="339137" y="235385"/>
+            <a:ext cx="10780779" cy="6305425"/>
+            <a:chOff x="-20637" y="211483"/>
+            <a:chExt cx="8229600" cy="4813300"/>
           </a:xfrm>
-          <a:prstGeom prst="rect">
-            <a:avLst/>
-          </a:prstGeom>
-          <a:solidFill>
-            <a:srgbClr val="FFFFFF"/>
-          </a:solidFill>
-          <a:ln w="38100">
+        </p:grpSpPr>
+        <p:sp>
+          <p:nvSpPr>
+            <p:cNvPr id="4" name="Rectangle 34">
+              <a:extLst>
+                <a:ext uri="{FF2B5EF4-FFF2-40B4-BE49-F238E27FC236}">
+                  <a16:creationId xmlns:a16="http://schemas.microsoft.com/office/drawing/2014/main" id="{78E07E07-497C-4C44-926D-FE65ADD6AFD7}"/>
+                </a:ext>
+              </a:extLst>
+            </p:cNvPr>
+            <p:cNvSpPr>
+              <a:spLocks noChangeArrowheads="1"/>
+            </p:cNvSpPr>
+            <p:nvPr/>
+          </p:nvSpPr>
+          <p:spPr bwMode="auto">
+            <a:xfrm>
+              <a:off x="-20637" y="211483"/>
+              <a:ext cx="8229600" cy="4813300"/>
+            </a:xfrm>
+            <a:prstGeom prst="rect">
+              <a:avLst/>
+            </a:prstGeom>
             <a:solidFill>
-              <a:srgbClr val="000000"/>
+              <a:srgbClr val="FFFFFF"/>
             </a:solidFill>
-            <a:miter lim="800000"/>
-            <a:headEnd/>
-            <a:tailEnd/>
-          </a:ln>
-        </p:spPr>
-        <p:txBody>
-          <a:bodyPr vert="horz" wrap="square" lIns="91440" tIns="45720" rIns="91440" bIns="45720" numCol="1" anchor="t" anchorCtr="0" compatLnSpc="1">
-            <a:prstTxWarp prst="textNoShape">
+            <a:ln w="38100">
+              <a:solidFill>
+                <a:srgbClr val="000000"/>
+              </a:solidFill>
+              <a:miter lim="800000"/>
+              <a:headEnd/>
+              <a:tailEnd/>
+            </a:ln>
+          </p:spPr>
+          <p:txBody>
+            <a:bodyPr vert="horz" wrap="square" lIns="91440" tIns="45720" rIns="91440" bIns="45720" numCol="1" anchor="t" anchorCtr="0" compatLnSpc="1">
+              <a:prstTxWarp prst="textNoShape">
+                <a:avLst/>
+              </a:prstTxWarp>
+            </a:bodyPr>
+            <a:lstStyle/>
+            <a:p>
+              <a:endParaRPr lang="en-US"/>
+            </a:p>
+          </p:txBody>
+        </p:sp>
+        <p:sp>
+          <p:nvSpPr>
+            <p:cNvPr id="5" name="Rectangle 33">
+              <a:extLst>
+                <a:ext uri="{FF2B5EF4-FFF2-40B4-BE49-F238E27FC236}">
+                  <a16:creationId xmlns:a16="http://schemas.microsoft.com/office/drawing/2014/main" id="{01EE07E8-4EB0-9A42-ADC0-CC29F0D009C4}"/>
+                </a:ext>
+              </a:extLst>
+            </p:cNvPr>
+            <p:cNvSpPr>
+              <a:spLocks noChangeArrowheads="1"/>
+            </p:cNvSpPr>
+            <p:nvPr/>
+          </p:nvSpPr>
+          <p:spPr bwMode="auto">
+            <a:xfrm>
+              <a:off x="120650" y="3441700"/>
+              <a:ext cx="4914900" cy="1371600"/>
+            </a:xfrm>
+            <a:prstGeom prst="rect">
               <a:avLst/>
-            </a:prstTxWarp>
-          </a:bodyPr>
-          <a:lstStyle/>
-          <a:p>
-            <a:endParaRPr lang="en-US"/>
-          </a:p>
-        </p:txBody>
-      </p:sp>
-      <p:sp>
-        <p:nvSpPr>
-          <p:cNvPr id="5" name="Rectangle 33">
-            <a:extLst>
-              <a:ext uri="{FF2B5EF4-FFF2-40B4-BE49-F238E27FC236}">
-                <a16:creationId xmlns:a16="http://schemas.microsoft.com/office/drawing/2014/main" id="{01EE07E8-4EB0-9A42-ADC0-CC29F0D009C4}"/>
-              </a:ext>
-            </a:extLst>
-          </p:cNvPr>
-          <p:cNvSpPr>
-            <a:spLocks noChangeArrowheads="1"/>
-          </p:cNvSpPr>
-          <p:nvPr/>
-        </p:nvSpPr>
-        <p:spPr bwMode="auto">
-          <a:xfrm>
-            <a:off x="120650" y="3441700"/>
-            <a:ext cx="4914900" cy="1371600"/>
-          </a:xfrm>
-          <a:prstGeom prst="rect">
-            <a:avLst/>
-          </a:prstGeom>
-          <a:solidFill>
-            <a:srgbClr val="FFFFFF"/>
-          </a:solidFill>
-          <a:ln w="9525">
+            </a:prstGeom>
             <a:solidFill>
-              <a:srgbClr val="000000"/>
+              <a:srgbClr val="FFFFFF"/>
             </a:solidFill>
-            <a:prstDash val="sysDot"/>
-            <a:miter lim="800000"/>
-            <a:headEnd/>
-            <a:tailEnd/>
-          </a:ln>
-        </p:spPr>
-        <p:txBody>
-          <a:bodyPr vert="horz" wrap="square" lIns="91440" tIns="45720" rIns="91440" bIns="45720" numCol="1" anchor="t" anchorCtr="0" compatLnSpc="1">
-            <a:prstTxWarp prst="textNoShape">
+            <a:ln w="9525">
+              <a:solidFill>
+                <a:srgbClr val="000000"/>
+              </a:solidFill>
+              <a:prstDash val="sysDot"/>
+              <a:miter lim="800000"/>
+              <a:headEnd/>
+              <a:tailEnd/>
+            </a:ln>
+          </p:spPr>
+          <p:txBody>
+            <a:bodyPr vert="horz" wrap="square" lIns="91440" tIns="45720" rIns="91440" bIns="45720" numCol="1" anchor="t" anchorCtr="0" compatLnSpc="1">
+              <a:prstTxWarp prst="textNoShape">
+                <a:avLst/>
+              </a:prstTxWarp>
+            </a:bodyPr>
+            <a:lstStyle/>
+            <a:p>
+              <a:endParaRPr lang="en-US"/>
+            </a:p>
+          </p:txBody>
+        </p:sp>
+        <p:sp>
+          <p:nvSpPr>
+            <p:cNvPr id="6" name="Rectangle 32">
+              <a:extLst>
+                <a:ext uri="{FF2B5EF4-FFF2-40B4-BE49-F238E27FC236}">
+                  <a16:creationId xmlns:a16="http://schemas.microsoft.com/office/drawing/2014/main" id="{EFDFC466-5245-4B41-AFF3-3132488FC517}"/>
+                </a:ext>
+              </a:extLst>
+            </p:cNvPr>
+            <p:cNvSpPr>
+              <a:spLocks noChangeArrowheads="1"/>
+            </p:cNvSpPr>
+            <p:nvPr/>
+          </p:nvSpPr>
+          <p:spPr bwMode="auto">
+            <a:xfrm>
+              <a:off x="254000" y="3670300"/>
+              <a:ext cx="1371600" cy="571500"/>
+            </a:xfrm>
+            <a:prstGeom prst="rect">
               <a:avLst/>
-            </a:prstTxWarp>
-          </a:bodyPr>
-          <a:lstStyle/>
-          <a:p>
-            <a:endParaRPr lang="en-US"/>
-          </a:p>
-        </p:txBody>
-      </p:sp>
-      <p:sp>
-        <p:nvSpPr>
-          <p:cNvPr id="6" name="Rectangle 32">
-            <a:extLst>
-              <a:ext uri="{FF2B5EF4-FFF2-40B4-BE49-F238E27FC236}">
-                <a16:creationId xmlns:a16="http://schemas.microsoft.com/office/drawing/2014/main" id="{EFDFC466-5245-4B41-AFF3-3132488FC517}"/>
-              </a:ext>
-            </a:extLst>
-          </p:cNvPr>
-          <p:cNvSpPr>
-            <a:spLocks noChangeArrowheads="1"/>
-          </p:cNvSpPr>
-          <p:nvPr/>
-        </p:nvSpPr>
-        <p:spPr bwMode="auto">
-          <a:xfrm>
-            <a:off x="254000" y="3670300"/>
-            <a:ext cx="1371600" cy="571500"/>
-          </a:xfrm>
-          <a:prstGeom prst="rect">
-            <a:avLst/>
-          </a:prstGeom>
-          <a:solidFill>
-            <a:srgbClr val="FFFFFF"/>
-          </a:solidFill>
-          <a:ln w="38100">
+            </a:prstGeom>
             <a:solidFill>
-              <a:srgbClr val="000000"/>
+              <a:srgbClr val="FFFFFF"/>
             </a:solidFill>
-            <a:miter lim="800000"/>
-            <a:headEnd/>
-            <a:tailEnd/>
-          </a:ln>
-        </p:spPr>
-        <p:txBody>
-          <a:bodyPr vert="horz" wrap="square" lIns="91440" tIns="45720" rIns="91440" bIns="45720" numCol="1" anchor="t" anchorCtr="0" compatLnSpc="1">
-            <a:prstTxWarp prst="textNoShape">
+            <a:ln w="38100">
+              <a:solidFill>
+                <a:srgbClr val="000000"/>
+              </a:solidFill>
+              <a:miter lim="800000"/>
+              <a:headEnd/>
+              <a:tailEnd/>
+            </a:ln>
+          </p:spPr>
+          <p:txBody>
+            <a:bodyPr vert="horz" wrap="square" lIns="91440" tIns="45720" rIns="91440" bIns="45720" numCol="1" anchor="t" anchorCtr="0" compatLnSpc="1">
+              <a:prstTxWarp prst="textNoShape">
+                <a:avLst/>
+              </a:prstTxWarp>
+            </a:bodyPr>
+            <a:lstStyle/>
+            <a:p>
+              <a:endParaRPr lang="en-US"/>
+            </a:p>
+          </p:txBody>
+        </p:sp>
+        <p:sp>
+          <p:nvSpPr>
+            <p:cNvPr id="7" name="Text Box 31">
+              <a:extLst>
+                <a:ext uri="{FF2B5EF4-FFF2-40B4-BE49-F238E27FC236}">
+                  <a16:creationId xmlns:a16="http://schemas.microsoft.com/office/drawing/2014/main" id="{26F5BC97-D753-814C-B1DA-0A09EEA8A4C6}"/>
+                </a:ext>
+              </a:extLst>
+            </p:cNvPr>
+            <p:cNvSpPr txBox="1">
+              <a:spLocks noChangeArrowheads="1"/>
+            </p:cNvSpPr>
+            <p:nvPr/>
+          </p:nvSpPr>
+          <p:spPr bwMode="auto">
+            <a:xfrm>
+              <a:off x="254000" y="3717925"/>
+              <a:ext cx="1371600" cy="571500"/>
+            </a:xfrm>
+            <a:prstGeom prst="rect">
               <a:avLst/>
-            </a:prstTxWarp>
-          </a:bodyPr>
-          <a:lstStyle/>
-          <a:p>
-            <a:endParaRPr lang="en-US"/>
-          </a:p>
-        </p:txBody>
-      </p:sp>
-      <p:sp>
-        <p:nvSpPr>
-          <p:cNvPr id="7" name="Text Box 31">
-            <a:extLst>
-              <a:ext uri="{FF2B5EF4-FFF2-40B4-BE49-F238E27FC236}">
-                <a16:creationId xmlns:a16="http://schemas.microsoft.com/office/drawing/2014/main" id="{26F5BC97-D753-814C-B1DA-0A09EEA8A4C6}"/>
-              </a:ext>
-            </a:extLst>
-          </p:cNvPr>
-          <p:cNvSpPr txBox="1">
-            <a:spLocks noChangeArrowheads="1"/>
-          </p:cNvSpPr>
-          <p:nvPr/>
-        </p:nvSpPr>
-        <p:spPr bwMode="auto">
-          <a:xfrm>
-            <a:off x="254000" y="3717925"/>
-            <a:ext cx="1371600" cy="571500"/>
-          </a:xfrm>
-          <a:prstGeom prst="rect">
-            <a:avLst/>
-          </a:prstGeom>
-          <a:noFill/>
-          <a:ln>
+            </a:prstGeom>
             <a:noFill/>
-          </a:ln>
-          <a:extLst>
-            <a:ext uri="{909E8E84-426E-40DD-AFC4-6F175D3DCCD1}">
-              <a14:hiddenFill xmlns:a14="http://schemas.microsoft.com/office/drawing/2010/main">
-                <a:solidFill>
-                  <a:srgbClr val="FFFFFF"/>
-                </a:solidFill>
-              </a14:hiddenFill>
-            </a:ext>
-            <a:ext uri="{91240B29-F687-4F45-9708-019B960494DF}">
-              <a14:hiddenLine xmlns:a14="http://schemas.microsoft.com/office/drawing/2010/main" w="9525">
-                <a:solidFill>
-                  <a:srgbClr val="000000"/>
-                </a:solidFill>
-                <a:miter lim="800000"/>
-                <a:headEnd/>
-                <a:tailEnd/>
-              </a14:hiddenLine>
-            </a:ext>
-          </a:extLst>
-        </p:spPr>
-        <p:txBody>
-          <a:bodyPr vert="horz" wrap="square" lIns="91440" tIns="45720" rIns="91440" bIns="45720" numCol="1" anchor="t" anchorCtr="0" compatLnSpc="1">
-            <a:prstTxWarp prst="textNoShape">
-              <a:avLst/>
-            </a:prstTxWarp>
-          </a:bodyPr>
-          <a:lstStyle/>
-          <a:p>
-            <a:pPr marL="0" marR="0" lvl="0" indent="0" algn="ctr" defTabSz="914400" rtl="0" eaLnBrk="0" fontAlgn="base" latinLnBrk="0" hangingPunct="0">
-              <a:lnSpc>
-                <a:spcPct val="100000"/>
-              </a:lnSpc>
-              <a:spcBef>
-                <a:spcPct val="0"/>
-              </a:spcBef>
-              <a:spcAft>
-                <a:spcPct val="0"/>
-              </a:spcAft>
-              <a:buClrTx/>
-              <a:buSzTx/>
-              <a:buFontTx/>
-              <a:buNone/>
-              <a:tabLst/>
-            </a:pPr>
-            <a:br>
-              <a:rPr kumimoji="0" lang="fr-FR" altLang="en-US" sz="1000" b="0" i="0" u="none" strike="noStrike" cap="none" normalizeH="0" baseline="0">
+            <a:ln>
+              <a:noFill/>
+            </a:ln>
+            <a:extLst>
+              <a:ext uri="{909E8E84-426E-40DD-AFC4-6F175D3DCCD1}">
+                <a14:hiddenFill xmlns:a14="http://schemas.microsoft.com/office/drawing/2010/main">
+                  <a:solidFill>
+                    <a:srgbClr val="FFFFFF"/>
+                  </a:solidFill>
+                </a14:hiddenFill>
+              </a:ext>
+              <a:ext uri="{91240B29-F687-4F45-9708-019B960494DF}">
+                <a14:hiddenLine xmlns:a14="http://schemas.microsoft.com/office/drawing/2010/main" w="9525">
+                  <a:solidFill>
+                    <a:srgbClr val="000000"/>
+                  </a:solidFill>
+                  <a:miter lim="800000"/>
+                  <a:headEnd/>
+                  <a:tailEnd/>
+                </a14:hiddenLine>
+              </a:ext>
+            </a:extLst>
+          </p:spPr>
+          <p:txBody>
+            <a:bodyPr vert="horz" wrap="square" lIns="91440" tIns="45720" rIns="91440" bIns="45720" numCol="1" anchor="t" anchorCtr="0" compatLnSpc="1">
+              <a:prstTxWarp prst="textNoShape">
+                <a:avLst/>
+              </a:prstTxWarp>
+            </a:bodyPr>
+            <a:lstStyle/>
+            <a:p>
+              <a:pPr marL="0" marR="0" lvl="0" indent="0" algn="ctr" defTabSz="914400" rtl="0" eaLnBrk="0" fontAlgn="base" latinLnBrk="0" hangingPunct="0">
+                <a:lnSpc>
+                  <a:spcPct val="100000"/>
+                </a:lnSpc>
+                <a:spcBef>
+                  <a:spcPct val="0"/>
+                </a:spcBef>
+                <a:spcAft>
+                  <a:spcPct val="0"/>
+                </a:spcAft>
+                <a:buClrTx/>
+                <a:buSzTx/>
+                <a:buFontTx/>
+                <a:buNone/>
+                <a:tabLst/>
+              </a:pPr>
+              <a:br>
+                <a:rPr kumimoji="0" lang="fr-FR" altLang="en-US" sz="1000" b="0" i="0" u="none" strike="noStrike" cap="none" normalizeH="0" baseline="0">
+                  <a:ln>
+                    <a:noFill/>
+                  </a:ln>
+                  <a:solidFill>
+                    <a:schemeClr val="tx1"/>
+                  </a:solidFill>
+                  <a:effectLst/>
+                  <a:latin typeface="Arial" panose="020B0604020202020204" pitchFamily="34" charset="0"/>
+                  <a:ea typeface="Times New Roman" panose="02020603050405020304" pitchFamily="18" charset="0"/>
+                </a:rPr>
+              </a:br>
+              <a:r>
+                <a:rPr kumimoji="0" lang="fr-FR" altLang="en-US" sz="1000" b="0" i="0" u="none" strike="noStrike" cap="none" normalizeH="0" baseline="0">
+                  <a:ln>
+                    <a:noFill/>
+                  </a:ln>
+                  <a:solidFill>
+                    <a:schemeClr val="tx1"/>
+                  </a:solidFill>
+                  <a:effectLst/>
+                  <a:latin typeface="Arial" panose="020B0604020202020204" pitchFamily="34" charset="0"/>
+                  <a:ea typeface="Times New Roman" panose="02020603050405020304" pitchFamily="18" charset="0"/>
+                </a:rPr>
+                <a:t>Document Source</a:t>
+              </a:r>
+              <a:endParaRPr kumimoji="0" lang="fr-FR" altLang="en-US" sz="1800" b="0" i="0" u="none" strike="noStrike" cap="none" normalizeH="0" baseline="0">
                 <a:ln>
                   <a:noFill/>
                 </a:ln>
@@ -3540,11 +3593,154 @@
                 </a:solidFill>
                 <a:effectLst/>
                 <a:latin typeface="Arial" panose="020B0604020202020204" pitchFamily="34" charset="0"/>
-                <a:ea typeface="Times New Roman" panose="02020603050405020304" pitchFamily="18" charset="0"/>
-              </a:rPr>
-            </a:br>
-            <a:r>
-              <a:rPr kumimoji="0" lang="fr-FR" altLang="en-US" sz="1000" b="0" i="0" u="none" strike="noStrike" cap="none" normalizeH="0" baseline="0">
+              </a:endParaRPr>
+            </a:p>
+          </p:txBody>
+        </p:sp>
+        <p:sp>
+          <p:nvSpPr>
+            <p:cNvPr id="8" name="Rectangle 30">
+              <a:extLst>
+                <a:ext uri="{FF2B5EF4-FFF2-40B4-BE49-F238E27FC236}">
+                  <a16:creationId xmlns:a16="http://schemas.microsoft.com/office/drawing/2014/main" id="{13076D34-EC67-C34C-BA0A-84B3DB58BC76}"/>
+                </a:ext>
+              </a:extLst>
+            </p:cNvPr>
+            <p:cNvSpPr>
+              <a:spLocks noChangeArrowheads="1"/>
+            </p:cNvSpPr>
+            <p:nvPr/>
+          </p:nvSpPr>
+          <p:spPr bwMode="auto">
+            <a:xfrm>
+              <a:off x="6626225" y="2184400"/>
+              <a:ext cx="1371600" cy="571500"/>
+            </a:xfrm>
+            <a:prstGeom prst="rect">
+              <a:avLst/>
+            </a:prstGeom>
+            <a:solidFill>
+              <a:srgbClr val="FFFFFF"/>
+            </a:solidFill>
+            <a:ln w="38100">
+              <a:solidFill>
+                <a:srgbClr val="000000"/>
+              </a:solidFill>
+              <a:miter lim="800000"/>
+              <a:headEnd/>
+              <a:tailEnd/>
+            </a:ln>
+          </p:spPr>
+          <p:txBody>
+            <a:bodyPr vert="horz" wrap="square" lIns="91440" tIns="45720" rIns="91440" bIns="45720" numCol="1" anchor="t" anchorCtr="0" compatLnSpc="1">
+              <a:prstTxWarp prst="textNoShape">
+                <a:avLst/>
+              </a:prstTxWarp>
+            </a:bodyPr>
+            <a:lstStyle/>
+            <a:p>
+              <a:endParaRPr lang="en-US"/>
+            </a:p>
+          </p:txBody>
+        </p:sp>
+        <p:sp>
+          <p:nvSpPr>
+            <p:cNvPr id="9" name="Text Box 29">
+              <a:extLst>
+                <a:ext uri="{FF2B5EF4-FFF2-40B4-BE49-F238E27FC236}">
+                  <a16:creationId xmlns:a16="http://schemas.microsoft.com/office/drawing/2014/main" id="{9435CBEF-7E12-1B41-9CAE-ABF5FC4C5B85}"/>
+                </a:ext>
+              </a:extLst>
+            </p:cNvPr>
+            <p:cNvSpPr txBox="1">
+              <a:spLocks noChangeArrowheads="1"/>
+            </p:cNvSpPr>
+            <p:nvPr/>
+          </p:nvSpPr>
+          <p:spPr bwMode="auto">
+            <a:xfrm>
+              <a:off x="6597650" y="2184400"/>
+              <a:ext cx="1371600" cy="571500"/>
+            </a:xfrm>
+            <a:prstGeom prst="rect">
+              <a:avLst/>
+            </a:prstGeom>
+            <a:noFill/>
+            <a:ln>
+              <a:noFill/>
+            </a:ln>
+            <a:extLst>
+              <a:ext uri="{909E8E84-426E-40DD-AFC4-6F175D3DCCD1}">
+                <a14:hiddenFill xmlns:a14="http://schemas.microsoft.com/office/drawing/2010/main">
+                  <a:solidFill>
+                    <a:srgbClr val="FFFFFF"/>
+                  </a:solidFill>
+                </a14:hiddenFill>
+              </a:ext>
+              <a:ext uri="{91240B29-F687-4F45-9708-019B960494DF}">
+                <a14:hiddenLine xmlns:a14="http://schemas.microsoft.com/office/drawing/2010/main" w="9525">
+                  <a:solidFill>
+                    <a:srgbClr val="000000"/>
+                  </a:solidFill>
+                  <a:miter lim="800000"/>
+                  <a:headEnd/>
+                  <a:tailEnd/>
+                </a14:hiddenLine>
+              </a:ext>
+            </a:extLst>
+          </p:spPr>
+          <p:txBody>
+            <a:bodyPr vert="horz" wrap="square" lIns="91440" tIns="45720" rIns="91440" bIns="45720" numCol="1" anchor="t" anchorCtr="0" compatLnSpc="1">
+              <a:prstTxWarp prst="textNoShape">
+                <a:avLst/>
+              </a:prstTxWarp>
+            </a:bodyPr>
+            <a:lstStyle/>
+            <a:p>
+              <a:pPr marL="0" marR="0" lvl="0" indent="0" algn="ctr" defTabSz="914400" rtl="0" eaLnBrk="0" fontAlgn="base" latinLnBrk="0" hangingPunct="0">
+                <a:lnSpc>
+                  <a:spcPct val="100000"/>
+                </a:lnSpc>
+                <a:spcBef>
+                  <a:spcPct val="0"/>
+                </a:spcBef>
+                <a:spcAft>
+                  <a:spcPct val="0"/>
+                </a:spcAft>
+                <a:buClrTx/>
+                <a:buSzTx/>
+                <a:buFontTx/>
+                <a:buNone/>
+                <a:tabLst/>
+              </a:pPr>
+              <a:br>
+                <a:rPr kumimoji="0" lang="fr-FR" altLang="en-US" sz="1000" b="0" i="0" u="none" strike="noStrike" cap="none" normalizeH="0" baseline="0">
+                  <a:ln>
+                    <a:noFill/>
+                  </a:ln>
+                  <a:solidFill>
+                    <a:schemeClr val="tx1"/>
+                  </a:solidFill>
+                  <a:effectLst/>
+                  <a:latin typeface="Arial" panose="020B0604020202020204" pitchFamily="34" charset="0"/>
+                  <a:ea typeface="Times New Roman" panose="02020603050405020304" pitchFamily="18" charset="0"/>
+                </a:rPr>
+              </a:br>
+              <a:r>
+                <a:rPr kumimoji="0" lang="fr-FR" altLang="en-US" sz="1000" b="0" i="0" u="none" strike="noStrike" cap="none" normalizeH="0" baseline="0">
+                  <a:ln>
+                    <a:noFill/>
+                  </a:ln>
+                  <a:solidFill>
+                    <a:schemeClr val="tx1"/>
+                  </a:solidFill>
+                  <a:effectLst/>
+                  <a:latin typeface="Arial" panose="020B0604020202020204" pitchFamily="34" charset="0"/>
+                  <a:ea typeface="Times New Roman" panose="02020603050405020304" pitchFamily="18" charset="0"/>
+                </a:rPr>
+                <a:t>Document Consumer</a:t>
+              </a:r>
+              <a:endParaRPr kumimoji="0" lang="fr-FR" altLang="en-US" sz="1800" b="0" i="0" u="none" strike="noStrike" cap="none" normalizeH="0" baseline="0">
                 <a:ln>
                   <a:noFill/>
                 </a:ln>
@@ -3553,141 +3749,154 @@
                 </a:solidFill>
                 <a:effectLst/>
                 <a:latin typeface="Arial" panose="020B0604020202020204" pitchFamily="34" charset="0"/>
-                <a:ea typeface="Times New Roman" panose="02020603050405020304" pitchFamily="18" charset="0"/>
-              </a:rPr>
-              <a:t>Document Source</a:t>
-            </a:r>
-            <a:endParaRPr kumimoji="0" lang="fr-FR" altLang="en-US" sz="1800" b="0" i="0" u="none" strike="noStrike" cap="none" normalizeH="0" baseline="0">
-              <a:ln>
-                <a:noFill/>
-              </a:ln>
+              </a:endParaRPr>
+            </a:p>
+          </p:txBody>
+        </p:sp>
+        <p:sp>
+          <p:nvSpPr>
+            <p:cNvPr id="10" name="Rectangle 28">
+              <a:extLst>
+                <a:ext uri="{FF2B5EF4-FFF2-40B4-BE49-F238E27FC236}">
+                  <a16:creationId xmlns:a16="http://schemas.microsoft.com/office/drawing/2014/main" id="{215580FA-D928-D942-9C2B-37346F00D0F0}"/>
+                </a:ext>
+              </a:extLst>
+            </p:cNvPr>
+            <p:cNvSpPr>
+              <a:spLocks noChangeArrowheads="1"/>
+            </p:cNvSpPr>
+            <p:nvPr/>
+          </p:nvSpPr>
+          <p:spPr bwMode="auto">
+            <a:xfrm>
+              <a:off x="3454400" y="2184400"/>
+              <a:ext cx="1371600" cy="571500"/>
+            </a:xfrm>
+            <a:prstGeom prst="rect">
+              <a:avLst/>
+            </a:prstGeom>
+            <a:solidFill>
+              <a:srgbClr val="FFFFFF"/>
+            </a:solidFill>
+            <a:ln w="38100">
               <a:solidFill>
-                <a:schemeClr val="tx1"/>
+                <a:srgbClr val="000000"/>
               </a:solidFill>
-              <a:effectLst/>
-              <a:latin typeface="Arial" panose="020B0604020202020204" pitchFamily="34" charset="0"/>
-            </a:endParaRPr>
-          </a:p>
-        </p:txBody>
-      </p:sp>
-      <p:sp>
-        <p:nvSpPr>
-          <p:cNvPr id="8" name="Rectangle 30">
-            <a:extLst>
-              <a:ext uri="{FF2B5EF4-FFF2-40B4-BE49-F238E27FC236}">
-                <a16:creationId xmlns:a16="http://schemas.microsoft.com/office/drawing/2014/main" id="{13076D34-EC67-C34C-BA0A-84B3DB58BC76}"/>
-              </a:ext>
-            </a:extLst>
-          </p:cNvPr>
-          <p:cNvSpPr>
-            <a:spLocks noChangeArrowheads="1"/>
-          </p:cNvSpPr>
-          <p:nvPr/>
-        </p:nvSpPr>
-        <p:spPr bwMode="auto">
-          <a:xfrm>
-            <a:off x="6626225" y="2184400"/>
-            <a:ext cx="1371600" cy="571500"/>
-          </a:xfrm>
-          <a:prstGeom prst="rect">
-            <a:avLst/>
-          </a:prstGeom>
-          <a:solidFill>
-            <a:srgbClr val="FFFFFF"/>
-          </a:solidFill>
-          <a:ln w="38100">
-            <a:solidFill>
-              <a:srgbClr val="000000"/>
-            </a:solidFill>
-            <a:miter lim="800000"/>
-            <a:headEnd/>
-            <a:tailEnd/>
-          </a:ln>
-        </p:spPr>
-        <p:txBody>
-          <a:bodyPr vert="horz" wrap="square" lIns="91440" tIns="45720" rIns="91440" bIns="45720" numCol="1" anchor="t" anchorCtr="0" compatLnSpc="1">
-            <a:prstTxWarp prst="textNoShape">
+              <a:miter lim="800000"/>
+              <a:headEnd/>
+              <a:tailEnd/>
+            </a:ln>
+          </p:spPr>
+          <p:txBody>
+            <a:bodyPr vert="horz" wrap="square" lIns="91440" tIns="45720" rIns="91440" bIns="45720" numCol="1" anchor="t" anchorCtr="0" compatLnSpc="1">
+              <a:prstTxWarp prst="textNoShape">
+                <a:avLst/>
+              </a:prstTxWarp>
+            </a:bodyPr>
+            <a:lstStyle/>
+            <a:p>
+              <a:endParaRPr lang="en-US"/>
+            </a:p>
+          </p:txBody>
+        </p:sp>
+        <p:sp>
+          <p:nvSpPr>
+            <p:cNvPr id="11" name="Text Box 27">
+              <a:extLst>
+                <a:ext uri="{FF2B5EF4-FFF2-40B4-BE49-F238E27FC236}">
+                  <a16:creationId xmlns:a16="http://schemas.microsoft.com/office/drawing/2014/main" id="{A3613E00-23EF-B94B-9518-C9D499B07595}"/>
+                </a:ext>
+              </a:extLst>
+            </p:cNvPr>
+            <p:cNvSpPr txBox="1">
+              <a:spLocks noChangeArrowheads="1"/>
+            </p:cNvSpPr>
+            <p:nvPr/>
+          </p:nvSpPr>
+          <p:spPr bwMode="auto">
+            <a:xfrm>
+              <a:off x="3454400" y="2232025"/>
+              <a:ext cx="1371600" cy="571500"/>
+            </a:xfrm>
+            <a:prstGeom prst="rect">
               <a:avLst/>
-            </a:prstTxWarp>
-          </a:bodyPr>
-          <a:lstStyle/>
-          <a:p>
-            <a:endParaRPr lang="en-US"/>
-          </a:p>
-        </p:txBody>
-      </p:sp>
-      <p:sp>
-        <p:nvSpPr>
-          <p:cNvPr id="9" name="Text Box 29">
-            <a:extLst>
-              <a:ext uri="{FF2B5EF4-FFF2-40B4-BE49-F238E27FC236}">
-                <a16:creationId xmlns:a16="http://schemas.microsoft.com/office/drawing/2014/main" id="{9435CBEF-7E12-1B41-9CAE-ABF5FC4C5B85}"/>
-              </a:ext>
-            </a:extLst>
-          </p:cNvPr>
-          <p:cNvSpPr txBox="1">
-            <a:spLocks noChangeArrowheads="1"/>
-          </p:cNvSpPr>
-          <p:nvPr/>
-        </p:nvSpPr>
-        <p:spPr bwMode="auto">
-          <a:xfrm>
-            <a:off x="6597650" y="2184400"/>
-            <a:ext cx="1371600" cy="571500"/>
-          </a:xfrm>
-          <a:prstGeom prst="rect">
-            <a:avLst/>
-          </a:prstGeom>
-          <a:noFill/>
-          <a:ln>
+            </a:prstGeom>
             <a:noFill/>
-          </a:ln>
-          <a:extLst>
-            <a:ext uri="{909E8E84-426E-40DD-AFC4-6F175D3DCCD1}">
-              <a14:hiddenFill xmlns:a14="http://schemas.microsoft.com/office/drawing/2010/main">
-                <a:solidFill>
-                  <a:srgbClr val="FFFFFF"/>
-                </a:solidFill>
-              </a14:hiddenFill>
-            </a:ext>
-            <a:ext uri="{91240B29-F687-4F45-9708-019B960494DF}">
-              <a14:hiddenLine xmlns:a14="http://schemas.microsoft.com/office/drawing/2010/main" w="9525">
-                <a:solidFill>
-                  <a:srgbClr val="000000"/>
-                </a:solidFill>
-                <a:miter lim="800000"/>
-                <a:headEnd/>
-                <a:tailEnd/>
-              </a14:hiddenLine>
-            </a:ext>
-          </a:extLst>
-        </p:spPr>
-        <p:txBody>
-          <a:bodyPr vert="horz" wrap="square" lIns="91440" tIns="45720" rIns="91440" bIns="45720" numCol="1" anchor="t" anchorCtr="0" compatLnSpc="1">
-            <a:prstTxWarp prst="textNoShape">
-              <a:avLst/>
-            </a:prstTxWarp>
-          </a:bodyPr>
-          <a:lstStyle/>
-          <a:p>
-            <a:pPr marL="0" marR="0" lvl="0" indent="0" algn="ctr" defTabSz="914400" rtl="0" eaLnBrk="0" fontAlgn="base" latinLnBrk="0" hangingPunct="0">
-              <a:lnSpc>
-                <a:spcPct val="100000"/>
-              </a:lnSpc>
-              <a:spcBef>
-                <a:spcPct val="0"/>
-              </a:spcBef>
-              <a:spcAft>
-                <a:spcPct val="0"/>
-              </a:spcAft>
-              <a:buClrTx/>
-              <a:buSzTx/>
-              <a:buFontTx/>
-              <a:buNone/>
-              <a:tabLst/>
-            </a:pPr>
-            <a:br>
-              <a:rPr kumimoji="0" lang="fr-FR" altLang="en-US" sz="1000" b="0" i="0" u="none" strike="noStrike" cap="none" normalizeH="0" baseline="0">
+            <a:ln>
+              <a:noFill/>
+            </a:ln>
+            <a:extLst>
+              <a:ext uri="{909E8E84-426E-40DD-AFC4-6F175D3DCCD1}">
+                <a14:hiddenFill xmlns:a14="http://schemas.microsoft.com/office/drawing/2010/main">
+                  <a:solidFill>
+                    <a:srgbClr val="FFFFFF"/>
+                  </a:solidFill>
+                </a14:hiddenFill>
+              </a:ext>
+              <a:ext uri="{91240B29-F687-4F45-9708-019B960494DF}">
+                <a14:hiddenLine xmlns:a14="http://schemas.microsoft.com/office/drawing/2010/main" w="9525">
+                  <a:solidFill>
+                    <a:srgbClr val="000000"/>
+                  </a:solidFill>
+                  <a:miter lim="800000"/>
+                  <a:headEnd/>
+                  <a:tailEnd/>
+                </a14:hiddenLine>
+              </a:ext>
+            </a:extLst>
+          </p:spPr>
+          <p:txBody>
+            <a:bodyPr vert="horz" wrap="square" lIns="91440" tIns="45720" rIns="91440" bIns="45720" numCol="1" anchor="t" anchorCtr="0" compatLnSpc="1">
+              <a:prstTxWarp prst="textNoShape">
+                <a:avLst/>
+              </a:prstTxWarp>
+            </a:bodyPr>
+            <a:lstStyle/>
+            <a:p>
+              <a:pPr marL="0" marR="0" lvl="0" indent="0" algn="ctr" defTabSz="914400" rtl="0" eaLnBrk="0" fontAlgn="base" latinLnBrk="0" hangingPunct="0">
+                <a:lnSpc>
+                  <a:spcPct val="100000"/>
+                </a:lnSpc>
+                <a:spcBef>
+                  <a:spcPct val="0"/>
+                </a:spcBef>
+                <a:spcAft>
+                  <a:spcPct val="0"/>
+                </a:spcAft>
+                <a:buClrTx/>
+                <a:buSzTx/>
+                <a:buFontTx/>
+                <a:buNone/>
+                <a:tabLst/>
+              </a:pPr>
+              <a:br>
+                <a:rPr kumimoji="0" lang="fr-FR" altLang="en-US" sz="1000" b="0" i="0" u="none" strike="noStrike" cap="none" normalizeH="0" baseline="0">
+                  <a:ln>
+                    <a:noFill/>
+                  </a:ln>
+                  <a:solidFill>
+                    <a:schemeClr val="tx1"/>
+                  </a:solidFill>
+                  <a:effectLst/>
+                  <a:latin typeface="Arial" panose="020B0604020202020204" pitchFamily="34" charset="0"/>
+                  <a:ea typeface="Times New Roman" panose="02020603050405020304" pitchFamily="18" charset="0"/>
+                </a:rPr>
+              </a:br>
+              <a:r>
+                <a:rPr kumimoji="0" lang="fr-FR" altLang="en-US" sz="1000" b="0" i="0" u="none" strike="noStrike" cap="none" normalizeH="0" baseline="0">
+                  <a:ln>
+                    <a:noFill/>
+                  </a:ln>
+                  <a:solidFill>
+                    <a:schemeClr val="tx1"/>
+                  </a:solidFill>
+                  <a:effectLst/>
+                  <a:latin typeface="Arial" panose="020B0604020202020204" pitchFamily="34" charset="0"/>
+                  <a:ea typeface="Times New Roman" panose="02020603050405020304" pitchFamily="18" charset="0"/>
+                </a:rPr>
+                <a:t>Document Registry </a:t>
+              </a:r>
+              <a:endParaRPr kumimoji="0" lang="fr-FR" altLang="en-US" sz="1800" b="0" i="0" u="none" strike="noStrike" cap="none" normalizeH="0" baseline="0">
                 <a:ln>
                   <a:noFill/>
                 </a:ln>
@@ -3696,11 +3905,167 @@
                 </a:solidFill>
                 <a:effectLst/>
                 <a:latin typeface="Arial" panose="020B0604020202020204" pitchFamily="34" charset="0"/>
-                <a:ea typeface="Times New Roman" panose="02020603050405020304" pitchFamily="18" charset="0"/>
-              </a:rPr>
-            </a:br>
-            <a:r>
-              <a:rPr kumimoji="0" lang="fr-FR" altLang="en-US" sz="1000" b="0" i="0" u="none" strike="noStrike" cap="none" normalizeH="0" baseline="0">
+              </a:endParaRPr>
+            </a:p>
+          </p:txBody>
+        </p:sp>
+        <p:sp>
+          <p:nvSpPr>
+            <p:cNvPr id="12" name="Rectangle 26">
+              <a:extLst>
+                <a:ext uri="{FF2B5EF4-FFF2-40B4-BE49-F238E27FC236}">
+                  <a16:creationId xmlns:a16="http://schemas.microsoft.com/office/drawing/2014/main" id="{FBED947A-B8E2-BF4D-A8FE-9419863469D8}"/>
+                </a:ext>
+              </a:extLst>
+            </p:cNvPr>
+            <p:cNvSpPr>
+              <a:spLocks noChangeArrowheads="1"/>
+            </p:cNvSpPr>
+            <p:nvPr/>
+          </p:nvSpPr>
+          <p:spPr bwMode="auto">
+            <a:xfrm>
+              <a:off x="3454400" y="3670300"/>
+              <a:ext cx="1485900" cy="571500"/>
+            </a:xfrm>
+            <a:prstGeom prst="rect">
+              <a:avLst/>
+            </a:prstGeom>
+            <a:solidFill>
+              <a:srgbClr val="FFFFFF"/>
+            </a:solidFill>
+            <a:ln w="38100">
+              <a:solidFill>
+                <a:srgbClr val="000000"/>
+              </a:solidFill>
+              <a:miter lim="800000"/>
+              <a:headEnd/>
+              <a:tailEnd/>
+            </a:ln>
+          </p:spPr>
+          <p:txBody>
+            <a:bodyPr vert="horz" wrap="square" lIns="91440" tIns="45720" rIns="91440" bIns="45720" numCol="1" anchor="t" anchorCtr="0" compatLnSpc="1">
+              <a:prstTxWarp prst="textNoShape">
+                <a:avLst/>
+              </a:prstTxWarp>
+            </a:bodyPr>
+            <a:lstStyle/>
+            <a:p>
+              <a:endParaRPr lang="en-US"/>
+            </a:p>
+          </p:txBody>
+        </p:sp>
+        <p:sp>
+          <p:nvSpPr>
+            <p:cNvPr id="13" name="Text Box 25">
+              <a:extLst>
+                <a:ext uri="{FF2B5EF4-FFF2-40B4-BE49-F238E27FC236}">
+                  <a16:creationId xmlns:a16="http://schemas.microsoft.com/office/drawing/2014/main" id="{A35522E4-F47C-104B-89D4-0F82E4EA7D1F}"/>
+                </a:ext>
+              </a:extLst>
+            </p:cNvPr>
+            <p:cNvSpPr txBox="1">
+              <a:spLocks noChangeArrowheads="1"/>
+            </p:cNvSpPr>
+            <p:nvPr/>
+          </p:nvSpPr>
+          <p:spPr bwMode="auto">
+            <a:xfrm>
+              <a:off x="3502025" y="3803650"/>
+              <a:ext cx="1371600" cy="342900"/>
+            </a:xfrm>
+            <a:prstGeom prst="rect">
+              <a:avLst/>
+            </a:prstGeom>
+            <a:noFill/>
+            <a:ln>
+              <a:noFill/>
+            </a:ln>
+            <a:extLst>
+              <a:ext uri="{909E8E84-426E-40DD-AFC4-6F175D3DCCD1}">
+                <a14:hiddenFill xmlns:a14="http://schemas.microsoft.com/office/drawing/2010/main">
+                  <a:solidFill>
+                    <a:srgbClr val="FFFFFF"/>
+                  </a:solidFill>
+                </a14:hiddenFill>
+              </a:ext>
+              <a:ext uri="{91240B29-F687-4F45-9708-019B960494DF}">
+                <a14:hiddenLine xmlns:a14="http://schemas.microsoft.com/office/drawing/2010/main" w="9525">
+                  <a:solidFill>
+                    <a:srgbClr val="000000"/>
+                  </a:solidFill>
+                  <a:miter lim="800000"/>
+                  <a:headEnd/>
+                  <a:tailEnd/>
+                </a14:hiddenLine>
+              </a:ext>
+            </a:extLst>
+          </p:spPr>
+          <p:txBody>
+            <a:bodyPr vert="horz" wrap="square" lIns="91440" tIns="45720" rIns="91440" bIns="45720" numCol="1" anchor="t" anchorCtr="0" compatLnSpc="1">
+              <a:prstTxWarp prst="textNoShape">
+                <a:avLst/>
+              </a:prstTxWarp>
+            </a:bodyPr>
+            <a:lstStyle/>
+            <a:p>
+              <a:pPr marL="0" marR="0" lvl="0" indent="0" algn="ctr" defTabSz="914400" rtl="0" eaLnBrk="0" fontAlgn="base" latinLnBrk="0" hangingPunct="0">
+                <a:lnSpc>
+                  <a:spcPct val="100000"/>
+                </a:lnSpc>
+                <a:spcBef>
+                  <a:spcPct val="0"/>
+                </a:spcBef>
+                <a:spcAft>
+                  <a:spcPct val="0"/>
+                </a:spcAft>
+                <a:buClrTx/>
+                <a:buSzTx/>
+                <a:buFontTx/>
+                <a:buNone/>
+                <a:tabLst/>
+              </a:pPr>
+              <a:r>
+                <a:rPr kumimoji="0" lang="fr-FR" altLang="en-US" sz="1000" b="0" i="0" u="none" strike="noStrike" cap="none" normalizeH="0" baseline="0">
+                  <a:ln>
+                    <a:noFill/>
+                  </a:ln>
+                  <a:solidFill>
+                    <a:schemeClr val="tx1"/>
+                  </a:solidFill>
+                  <a:effectLst/>
+                  <a:latin typeface="Arial" panose="020B0604020202020204" pitchFamily="34" charset="0"/>
+                  <a:ea typeface="Times New Roman" panose="02020603050405020304" pitchFamily="18" charset="0"/>
+                </a:rPr>
+                <a:t>Document Repository</a:t>
+              </a:r>
+              <a:br>
+                <a:rPr kumimoji="0" lang="fr-FR" altLang="en-US" sz="1000" b="0" i="0" u="none" strike="noStrike" cap="none" normalizeH="0" baseline="0">
+                  <a:ln>
+                    <a:noFill/>
+                  </a:ln>
+                  <a:solidFill>
+                    <a:schemeClr val="tx1"/>
+                  </a:solidFill>
+                  <a:effectLst/>
+                  <a:latin typeface="Arial" panose="020B0604020202020204" pitchFamily="34" charset="0"/>
+                  <a:ea typeface="Times New Roman" panose="02020603050405020304" pitchFamily="18" charset="0"/>
+                </a:rPr>
+              </a:br>
+              <a:br>
+                <a:rPr kumimoji="0" lang="fr-FR" altLang="en-US" sz="1000" b="0" i="0" u="none" strike="noStrike" cap="none" normalizeH="0" baseline="0">
+                  <a:ln>
+                    <a:noFill/>
+                  </a:ln>
+                  <a:solidFill>
+                    <a:schemeClr val="tx1"/>
+                  </a:solidFill>
+                  <a:effectLst/>
+                  <a:latin typeface="Arial" panose="020B0604020202020204" pitchFamily="34" charset="0"/>
+                  <a:ea typeface="Times New Roman" panose="02020603050405020304" pitchFamily="18" charset="0"/>
+                </a:rPr>
+              </a:br>
+              <a:endParaRPr kumimoji="0" lang="fr-FR" altLang="en-US" sz="1800" b="0" i="0" u="none" strike="noStrike" cap="none" normalizeH="0" baseline="0">
                 <a:ln>
                   <a:noFill/>
                 </a:ln>
@@ -3709,141 +4074,590 @@
                 </a:solidFill>
                 <a:effectLst/>
                 <a:latin typeface="Arial" panose="020B0604020202020204" pitchFamily="34" charset="0"/>
-                <a:ea typeface="Times New Roman" panose="02020603050405020304" pitchFamily="18" charset="0"/>
-              </a:rPr>
-              <a:t>Document Consumer</a:t>
-            </a:r>
-            <a:endParaRPr kumimoji="0" lang="fr-FR" altLang="en-US" sz="1800" b="0" i="0" u="none" strike="noStrike" cap="none" normalizeH="0" baseline="0">
-              <a:ln>
-                <a:noFill/>
-              </a:ln>
+              </a:endParaRPr>
+            </a:p>
+          </p:txBody>
+        </p:sp>
+        <p:sp>
+          <p:nvSpPr>
+            <p:cNvPr id="14" name="Line 24">
+              <a:extLst>
+                <a:ext uri="{FF2B5EF4-FFF2-40B4-BE49-F238E27FC236}">
+                  <a16:creationId xmlns:a16="http://schemas.microsoft.com/office/drawing/2014/main" id="{827A416C-244C-304C-999A-E9AAA35F854E}"/>
+                </a:ext>
+              </a:extLst>
+            </p:cNvPr>
+            <p:cNvSpPr>
+              <a:spLocks noChangeShapeType="1"/>
+            </p:cNvSpPr>
+            <p:nvPr/>
+          </p:nvSpPr>
+          <p:spPr bwMode="auto">
+            <a:xfrm>
+              <a:off x="1630363" y="3956050"/>
+              <a:ext cx="1804987" cy="0"/>
+            </a:xfrm>
+            <a:prstGeom prst="line">
+              <a:avLst/>
+            </a:prstGeom>
+            <a:noFill/>
+            <a:ln w="28575">
               <a:solidFill>
-                <a:schemeClr val="tx1"/>
+                <a:srgbClr val="000000"/>
               </a:solidFill>
-              <a:effectLst/>
-              <a:latin typeface="Arial" panose="020B0604020202020204" pitchFamily="34" charset="0"/>
-            </a:endParaRPr>
-          </a:p>
-        </p:txBody>
-      </p:sp>
-      <p:sp>
-        <p:nvSpPr>
-          <p:cNvPr id="10" name="Rectangle 28">
-            <a:extLst>
-              <a:ext uri="{FF2B5EF4-FFF2-40B4-BE49-F238E27FC236}">
-                <a16:creationId xmlns:a16="http://schemas.microsoft.com/office/drawing/2014/main" id="{215580FA-D928-D942-9C2B-37346F00D0F0}"/>
-              </a:ext>
-            </a:extLst>
-          </p:cNvPr>
-          <p:cNvSpPr>
-            <a:spLocks noChangeArrowheads="1"/>
-          </p:cNvSpPr>
-          <p:nvPr/>
-        </p:nvSpPr>
-        <p:spPr bwMode="auto">
-          <a:xfrm>
-            <a:off x="3454400" y="2184400"/>
-            <a:ext cx="1371600" cy="571500"/>
-          </a:xfrm>
-          <a:prstGeom prst="rect">
-            <a:avLst/>
-          </a:prstGeom>
-          <a:solidFill>
-            <a:srgbClr val="FFFFFF"/>
-          </a:solidFill>
-          <a:ln w="38100">
-            <a:solidFill>
-              <a:srgbClr val="000000"/>
-            </a:solidFill>
-            <a:miter lim="800000"/>
-            <a:headEnd/>
-            <a:tailEnd/>
-          </a:ln>
-        </p:spPr>
-        <p:txBody>
-          <a:bodyPr vert="horz" wrap="square" lIns="91440" tIns="45720" rIns="91440" bIns="45720" numCol="1" anchor="t" anchorCtr="0" compatLnSpc="1">
-            <a:prstTxWarp prst="textNoShape">
+              <a:round/>
+              <a:headEnd/>
+              <a:tailEnd/>
+            </a:ln>
+            <a:extLst>
+              <a:ext uri="{909E8E84-426E-40DD-AFC4-6F175D3DCCD1}">
+                <a14:hiddenFill xmlns:a14="http://schemas.microsoft.com/office/drawing/2010/main">
+                  <a:noFill/>
+                </a14:hiddenFill>
+              </a:ext>
+            </a:extLst>
+          </p:spPr>
+          <p:txBody>
+            <a:bodyPr vert="horz" wrap="square" lIns="91440" tIns="45720" rIns="91440" bIns="45720" numCol="1" anchor="t" anchorCtr="0" compatLnSpc="1">
+              <a:prstTxWarp prst="textNoShape">
+                <a:avLst/>
+              </a:prstTxWarp>
+            </a:bodyPr>
+            <a:lstStyle/>
+            <a:p>
+              <a:endParaRPr lang="en-US"/>
+            </a:p>
+          </p:txBody>
+        </p:sp>
+        <p:sp>
+          <p:nvSpPr>
+            <p:cNvPr id="15" name="Line 23">
+              <a:extLst>
+                <a:ext uri="{FF2B5EF4-FFF2-40B4-BE49-F238E27FC236}">
+                  <a16:creationId xmlns:a16="http://schemas.microsoft.com/office/drawing/2014/main" id="{093A28A0-0EB5-EF4F-999A-B631E9C21460}"/>
+                </a:ext>
+              </a:extLst>
+            </p:cNvPr>
+            <p:cNvSpPr>
+              <a:spLocks noChangeShapeType="1"/>
+            </p:cNvSpPr>
+            <p:nvPr/>
+          </p:nvSpPr>
+          <p:spPr bwMode="auto">
+            <a:xfrm>
+              <a:off x="4178300" y="2755900"/>
+              <a:ext cx="0" cy="914400"/>
+            </a:xfrm>
+            <a:prstGeom prst="line">
               <a:avLst/>
-            </a:prstTxWarp>
-          </a:bodyPr>
-          <a:lstStyle/>
-          <a:p>
-            <a:endParaRPr lang="en-US"/>
-          </a:p>
-        </p:txBody>
-      </p:sp>
-      <p:sp>
-        <p:nvSpPr>
-          <p:cNvPr id="11" name="Text Box 27">
-            <a:extLst>
-              <a:ext uri="{FF2B5EF4-FFF2-40B4-BE49-F238E27FC236}">
-                <a16:creationId xmlns:a16="http://schemas.microsoft.com/office/drawing/2014/main" id="{A3613E00-23EF-B94B-9518-C9D499B07595}"/>
-              </a:ext>
-            </a:extLst>
-          </p:cNvPr>
-          <p:cNvSpPr txBox="1">
-            <a:spLocks noChangeArrowheads="1"/>
-          </p:cNvSpPr>
-          <p:nvPr/>
-        </p:nvSpPr>
-        <p:spPr bwMode="auto">
-          <a:xfrm>
-            <a:off x="3454400" y="2232025"/>
-            <a:ext cx="1371600" cy="571500"/>
-          </a:xfrm>
-          <a:prstGeom prst="rect">
-            <a:avLst/>
-          </a:prstGeom>
-          <a:noFill/>
-          <a:ln>
+            </a:prstGeom>
             <a:noFill/>
-          </a:ln>
-          <a:extLst>
-            <a:ext uri="{909E8E84-426E-40DD-AFC4-6F175D3DCCD1}">
-              <a14:hiddenFill xmlns:a14="http://schemas.microsoft.com/office/drawing/2010/main">
-                <a:solidFill>
-                  <a:srgbClr val="FFFFFF"/>
-                </a:solidFill>
-              </a14:hiddenFill>
-            </a:ext>
-            <a:ext uri="{91240B29-F687-4F45-9708-019B960494DF}">
-              <a14:hiddenLine xmlns:a14="http://schemas.microsoft.com/office/drawing/2010/main" w="9525">
-                <a:solidFill>
-                  <a:srgbClr val="000000"/>
-                </a:solidFill>
-                <a:miter lim="800000"/>
-                <a:headEnd/>
-                <a:tailEnd/>
-              </a14:hiddenLine>
-            </a:ext>
-          </a:extLst>
-        </p:spPr>
-        <p:txBody>
-          <a:bodyPr vert="horz" wrap="square" lIns="91440" tIns="45720" rIns="91440" bIns="45720" numCol="1" anchor="t" anchorCtr="0" compatLnSpc="1">
-            <a:prstTxWarp prst="textNoShape">
+            <a:ln w="28575">
+              <a:solidFill>
+                <a:srgbClr val="000000"/>
+              </a:solidFill>
+              <a:round/>
+              <a:headEnd/>
+              <a:tailEnd/>
+            </a:ln>
+            <a:extLst>
+              <a:ext uri="{909E8E84-426E-40DD-AFC4-6F175D3DCCD1}">
+                <a14:hiddenFill xmlns:a14="http://schemas.microsoft.com/office/drawing/2010/main">
+                  <a:noFill/>
+                </a14:hiddenFill>
+              </a:ext>
+            </a:extLst>
+          </p:spPr>
+          <p:txBody>
+            <a:bodyPr vert="horz" wrap="square" lIns="91440" tIns="45720" rIns="91440" bIns="45720" numCol="1" anchor="t" anchorCtr="0" compatLnSpc="1">
+              <a:prstTxWarp prst="textNoShape">
+                <a:avLst/>
+              </a:prstTxWarp>
+            </a:bodyPr>
+            <a:lstStyle/>
+            <a:p>
+              <a:endParaRPr lang="en-US"/>
+            </a:p>
+          </p:txBody>
+        </p:sp>
+        <p:sp>
+          <p:nvSpPr>
+            <p:cNvPr id="16" name="Line 22">
+              <a:extLst>
+                <a:ext uri="{FF2B5EF4-FFF2-40B4-BE49-F238E27FC236}">
+                  <a16:creationId xmlns:a16="http://schemas.microsoft.com/office/drawing/2014/main" id="{6340C40D-5311-574A-B99F-CD0A29BE1D9C}"/>
+                </a:ext>
+              </a:extLst>
+            </p:cNvPr>
+            <p:cNvSpPr>
+              <a:spLocks noChangeShapeType="1"/>
+            </p:cNvSpPr>
+            <p:nvPr/>
+          </p:nvSpPr>
+          <p:spPr bwMode="auto">
+            <a:xfrm>
+              <a:off x="4921250" y="3898900"/>
+              <a:ext cx="2238375" cy="0"/>
+            </a:xfrm>
+            <a:prstGeom prst="line">
               <a:avLst/>
-            </a:prstTxWarp>
-          </a:bodyPr>
-          <a:lstStyle/>
-          <a:p>
-            <a:pPr marL="0" marR="0" lvl="0" indent="0" algn="ctr" defTabSz="914400" rtl="0" eaLnBrk="0" fontAlgn="base" latinLnBrk="0" hangingPunct="0">
-              <a:lnSpc>
-                <a:spcPct val="100000"/>
-              </a:lnSpc>
-              <a:spcBef>
-                <a:spcPct val="0"/>
-              </a:spcBef>
-              <a:spcAft>
-                <a:spcPct val="0"/>
-              </a:spcAft>
-              <a:buClrTx/>
-              <a:buSzTx/>
-              <a:buFontTx/>
-              <a:buNone/>
-              <a:tabLst/>
-            </a:pPr>
-            <a:br>
-              <a:rPr kumimoji="0" lang="fr-FR" altLang="en-US" sz="1000" b="0" i="0" u="none" strike="noStrike" cap="none" normalizeH="0" baseline="0">
+            </a:prstGeom>
+            <a:noFill/>
+            <a:ln w="28575">
+              <a:solidFill>
+                <a:srgbClr val="000000"/>
+              </a:solidFill>
+              <a:round/>
+              <a:headEnd/>
+              <a:tailEnd/>
+            </a:ln>
+            <a:extLst>
+              <a:ext uri="{909E8E84-426E-40DD-AFC4-6F175D3DCCD1}">
+                <a14:hiddenFill xmlns:a14="http://schemas.microsoft.com/office/drawing/2010/main">
+                  <a:noFill/>
+                </a14:hiddenFill>
+              </a:ext>
+            </a:extLst>
+          </p:spPr>
+          <p:txBody>
+            <a:bodyPr vert="horz" wrap="square" lIns="91440" tIns="45720" rIns="91440" bIns="45720" numCol="1" anchor="t" anchorCtr="0" compatLnSpc="1">
+              <a:prstTxWarp prst="textNoShape">
+                <a:avLst/>
+              </a:prstTxWarp>
+            </a:bodyPr>
+            <a:lstStyle/>
+            <a:p>
+              <a:endParaRPr lang="en-US"/>
+            </a:p>
+          </p:txBody>
+        </p:sp>
+        <p:sp>
+          <p:nvSpPr>
+            <p:cNvPr id="17" name="Line 21">
+              <a:extLst>
+                <a:ext uri="{FF2B5EF4-FFF2-40B4-BE49-F238E27FC236}">
+                  <a16:creationId xmlns:a16="http://schemas.microsoft.com/office/drawing/2014/main" id="{3D77E6CF-2369-1C40-8C23-1BE15FCACA67}"/>
+                </a:ext>
+              </a:extLst>
+            </p:cNvPr>
+            <p:cNvSpPr>
+              <a:spLocks noChangeShapeType="1"/>
+            </p:cNvSpPr>
+            <p:nvPr/>
+          </p:nvSpPr>
+          <p:spPr bwMode="auto">
+            <a:xfrm>
+              <a:off x="7264400" y="2755900"/>
+              <a:ext cx="0" cy="1028700"/>
+            </a:xfrm>
+            <a:prstGeom prst="line">
+              <a:avLst/>
+            </a:prstGeom>
+            <a:noFill/>
+            <a:ln w="28575">
+              <a:solidFill>
+                <a:srgbClr val="000000"/>
+              </a:solidFill>
+              <a:round/>
+              <a:headEnd/>
+              <a:tailEnd/>
+            </a:ln>
+            <a:extLst>
+              <a:ext uri="{909E8E84-426E-40DD-AFC4-6F175D3DCCD1}">
+                <a14:hiddenFill xmlns:a14="http://schemas.microsoft.com/office/drawing/2010/main">
+                  <a:noFill/>
+                </a14:hiddenFill>
+              </a:ext>
+            </a:extLst>
+          </p:spPr>
+          <p:txBody>
+            <a:bodyPr vert="horz" wrap="square" lIns="91440" tIns="45720" rIns="91440" bIns="45720" numCol="1" anchor="t" anchorCtr="0" compatLnSpc="1">
+              <a:prstTxWarp prst="textNoShape">
+                <a:avLst/>
+              </a:prstTxWarp>
+            </a:bodyPr>
+            <a:lstStyle/>
+            <a:p>
+              <a:endParaRPr lang="en-US"/>
+            </a:p>
+          </p:txBody>
+        </p:sp>
+        <p:sp>
+          <p:nvSpPr>
+            <p:cNvPr id="18" name="Arc 20">
+              <a:extLst>
+                <a:ext uri="{FF2B5EF4-FFF2-40B4-BE49-F238E27FC236}">
+                  <a16:creationId xmlns:a16="http://schemas.microsoft.com/office/drawing/2014/main" id="{0ADCD79B-ABFC-2847-9A6A-9D6B7DDF6096}"/>
+                </a:ext>
+              </a:extLst>
+            </p:cNvPr>
+            <p:cNvSpPr>
+              <a:spLocks/>
+            </p:cNvSpPr>
+            <p:nvPr/>
+          </p:nvSpPr>
+          <p:spPr bwMode="auto">
+            <a:xfrm flipV="1">
+              <a:off x="7150100" y="3784600"/>
+              <a:ext cx="114300" cy="114300"/>
+            </a:xfrm>
+            <a:custGeom>
+              <a:avLst/>
+              <a:gdLst>
+                <a:gd name="G0" fmla="+- 0 0 0"/>
+                <a:gd name="G1" fmla="+- 21600 0 0"/>
+                <a:gd name="G2" fmla="+- 21600 0 0"/>
+                <a:gd name="T0" fmla="*/ 0 w 21600"/>
+                <a:gd name="T1" fmla="*/ 0 h 21600"/>
+                <a:gd name="T2" fmla="*/ 114300 w 21600"/>
+                <a:gd name="T3" fmla="*/ 114300 h 21600"/>
+                <a:gd name="T4" fmla="*/ 0 w 21600"/>
+                <a:gd name="T5" fmla="*/ 114300 h 21600"/>
+                <a:gd name="T6" fmla="*/ 0 60000 65536"/>
+                <a:gd name="T7" fmla="*/ 0 60000 65536"/>
+                <a:gd name="T8" fmla="*/ 0 60000 65536"/>
+              </a:gdLst>
+              <a:ahLst/>
+              <a:cxnLst>
+                <a:cxn ang="T6">
+                  <a:pos x="T0" y="T1"/>
+                </a:cxn>
+                <a:cxn ang="T7">
+                  <a:pos x="T2" y="T3"/>
+                </a:cxn>
+                <a:cxn ang="T8">
+                  <a:pos x="T4" y="T5"/>
+                </a:cxn>
+              </a:cxnLst>
+              <a:rect l="0" t="0" r="r" b="b"/>
+              <a:pathLst>
+                <a:path w="21600" h="21600" fill="none" extrusionOk="0">
+                  <a:moveTo>
+                    <a:pt x="0" y="0"/>
+                  </a:moveTo>
+                  <a:cubicBezTo>
+                    <a:pt x="11929" y="0"/>
+                    <a:pt x="21600" y="9670"/>
+                    <a:pt x="21600" y="21600"/>
+                  </a:cubicBezTo>
+                </a:path>
+                <a:path w="21600" h="21600" stroke="0" extrusionOk="0">
+                  <a:moveTo>
+                    <a:pt x="0" y="0"/>
+                  </a:moveTo>
+                  <a:cubicBezTo>
+                    <a:pt x="11929" y="0"/>
+                    <a:pt x="21600" y="9670"/>
+                    <a:pt x="21600" y="21600"/>
+                  </a:cubicBezTo>
+                  <a:lnTo>
+                    <a:pt x="0" y="21600"/>
+                  </a:lnTo>
+                  <a:lnTo>
+                    <a:pt x="0" y="0"/>
+                  </a:lnTo>
+                  <a:close/>
+                </a:path>
+              </a:pathLst>
+            </a:custGeom>
+            <a:noFill/>
+            <a:ln w="28575">
+              <a:solidFill>
+                <a:srgbClr val="000000"/>
+              </a:solidFill>
+              <a:round/>
+              <a:headEnd/>
+              <a:tailEnd/>
+            </a:ln>
+            <a:extLst>
+              <a:ext uri="{909E8E84-426E-40DD-AFC4-6F175D3DCCD1}">
+                <a14:hiddenFill xmlns:a14="http://schemas.microsoft.com/office/drawing/2010/main">
+                  <a:solidFill>
+                    <a:srgbClr val="FFFFFF"/>
+                  </a:solidFill>
+                </a14:hiddenFill>
+              </a:ext>
+            </a:extLst>
+          </p:spPr>
+          <p:txBody>
+            <a:bodyPr vert="horz" wrap="square" lIns="91440" tIns="45720" rIns="91440" bIns="45720" numCol="1" anchor="t" anchorCtr="0" compatLnSpc="1">
+              <a:prstTxWarp prst="textNoShape">
+                <a:avLst/>
+              </a:prstTxWarp>
+            </a:bodyPr>
+            <a:lstStyle/>
+            <a:p>
+              <a:endParaRPr lang="en-US"/>
+            </a:p>
+          </p:txBody>
+        </p:sp>
+        <p:sp>
+          <p:nvSpPr>
+            <p:cNvPr id="19" name="Text Box 19">
+              <a:extLst>
+                <a:ext uri="{FF2B5EF4-FFF2-40B4-BE49-F238E27FC236}">
+                  <a16:creationId xmlns:a16="http://schemas.microsoft.com/office/drawing/2014/main" id="{4D8C203A-E410-1D4F-B481-928BA6E49501}"/>
+                </a:ext>
+              </a:extLst>
+            </p:cNvPr>
+            <p:cNvSpPr txBox="1">
+              <a:spLocks noChangeArrowheads="1"/>
+            </p:cNvSpPr>
+            <p:nvPr/>
+          </p:nvSpPr>
+          <p:spPr bwMode="auto">
+            <a:xfrm>
+              <a:off x="1670050" y="3305175"/>
+              <a:ext cx="1765300" cy="708025"/>
+            </a:xfrm>
+            <a:prstGeom prst="rect">
+              <a:avLst/>
+            </a:prstGeom>
+            <a:noFill/>
+            <a:ln>
+              <a:noFill/>
+            </a:ln>
+            <a:extLst>
+              <a:ext uri="{909E8E84-426E-40DD-AFC4-6F175D3DCCD1}">
+                <a14:hiddenFill xmlns:a14="http://schemas.microsoft.com/office/drawing/2010/main">
+                  <a:solidFill>
+                    <a:srgbClr val="FFFFFF"/>
+                  </a:solidFill>
+                </a14:hiddenFill>
+              </a:ext>
+              <a:ext uri="{91240B29-F687-4F45-9708-019B960494DF}">
+                <a14:hiddenLine xmlns:a14="http://schemas.microsoft.com/office/drawing/2010/main" w="9525">
+                  <a:solidFill>
+                    <a:srgbClr val="000000"/>
+                  </a:solidFill>
+                  <a:miter lim="800000"/>
+                  <a:headEnd/>
+                  <a:tailEnd/>
+                </a14:hiddenLine>
+              </a:ext>
+            </a:extLst>
+          </p:spPr>
+          <p:txBody>
+            <a:bodyPr vert="horz" wrap="square" lIns="91440" tIns="45720" rIns="91440" bIns="45720" numCol="1" anchor="t" anchorCtr="0" compatLnSpc="1">
+              <a:prstTxWarp prst="textNoShape">
+                <a:avLst/>
+              </a:prstTxWarp>
+            </a:bodyPr>
+            <a:lstStyle/>
+            <a:p>
+              <a:pPr marL="0" marR="0" lvl="0" indent="0" algn="ctr" defTabSz="914400" rtl="0" eaLnBrk="0" fontAlgn="base" latinLnBrk="0" hangingPunct="0">
+                <a:lnSpc>
+                  <a:spcPct val="100000"/>
+                </a:lnSpc>
+                <a:spcBef>
+                  <a:spcPct val="0"/>
+                </a:spcBef>
+                <a:spcAft>
+                  <a:spcPct val="0"/>
+                </a:spcAft>
+                <a:buClrTx/>
+                <a:buSzTx/>
+                <a:buFontTx/>
+                <a:buNone/>
+                <a:tabLst/>
+              </a:pPr>
+              <a:br>
+                <a:rPr kumimoji="0" lang="fr-FR" altLang="en-US" sz="1000" b="0" i="0" u="none" strike="noStrike" cap="none" normalizeH="0" baseline="0">
+                  <a:ln>
+                    <a:noFill/>
+                  </a:ln>
+                  <a:solidFill>
+                    <a:schemeClr val="tx1"/>
+                  </a:solidFill>
+                  <a:effectLst/>
+                  <a:latin typeface="Arial" panose="020B0604020202020204" pitchFamily="34" charset="0"/>
+                  <a:ea typeface="Times New Roman" panose="02020603050405020304" pitchFamily="18" charset="0"/>
+                </a:rPr>
+              </a:br>
+              <a:r>
+                <a:rPr kumimoji="0" lang="fr-FR" altLang="en-US" sz="1000" b="0" i="0" u="none" strike="noStrike" cap="none" normalizeH="0" baseline="0">
+                  <a:ln>
+                    <a:noFill/>
+                  </a:ln>
+                  <a:solidFill>
+                    <a:schemeClr val="tx1"/>
+                  </a:solidFill>
+                  <a:effectLst/>
+                  <a:latin typeface="Arial" panose="020B0604020202020204" pitchFamily="34" charset="0"/>
+                  <a:ea typeface="Times New Roman" panose="02020603050405020304" pitchFamily="18" charset="0"/>
+                </a:rPr>
+                <a:t>Provide&amp;Register</a:t>
+              </a:r>
+              <a:br>
+                <a:rPr kumimoji="0" lang="fr-FR" altLang="en-US" sz="1000" b="0" i="0" u="none" strike="noStrike" cap="none" normalizeH="0" baseline="0">
+                  <a:ln>
+                    <a:noFill/>
+                  </a:ln>
+                  <a:solidFill>
+                    <a:schemeClr val="tx1"/>
+                  </a:solidFill>
+                  <a:effectLst/>
+                  <a:latin typeface="Arial" panose="020B0604020202020204" pitchFamily="34" charset="0"/>
+                  <a:ea typeface="Times New Roman" panose="02020603050405020304" pitchFamily="18" charset="0"/>
+                </a:rPr>
+              </a:br>
+              <a:r>
+                <a:rPr kumimoji="0" lang="fr-FR" altLang="en-US" sz="1000" b="0" i="0" u="none" strike="noStrike" cap="none" normalizeH="0" baseline="0">
+                  <a:ln>
+                    <a:noFill/>
+                  </a:ln>
+                  <a:solidFill>
+                    <a:schemeClr val="tx1"/>
+                  </a:solidFill>
+                  <a:effectLst/>
+                  <a:latin typeface="Arial" panose="020B0604020202020204" pitchFamily="34" charset="0"/>
+                  <a:ea typeface="Times New Roman" panose="02020603050405020304" pitchFamily="18" charset="0"/>
+                </a:rPr>
+                <a:t>Document Set – b [ITI-41] </a:t>
+              </a:r>
+              <a:br>
+                <a:rPr kumimoji="0" lang="fr-FR" altLang="en-US" sz="1000" b="0" i="0" u="none" strike="noStrike" cap="none" normalizeH="0" baseline="0">
+                  <a:ln>
+                    <a:noFill/>
+                  </a:ln>
+                  <a:solidFill>
+                    <a:schemeClr val="tx1"/>
+                  </a:solidFill>
+                  <a:effectLst/>
+                  <a:latin typeface="Arial" panose="020B0604020202020204" pitchFamily="34" charset="0"/>
+                  <a:ea typeface="Times New Roman" panose="02020603050405020304" pitchFamily="18" charset="0"/>
+                </a:rPr>
+              </a:br>
+              <a:r>
+                <a:rPr kumimoji="0" lang="fr-FR" altLang="en-US" sz="1000" b="0" i="0" u="none" strike="noStrike" cap="none" normalizeH="0" baseline="0">
+                  <a:ln>
+                    <a:noFill/>
+                  </a:ln>
+                  <a:solidFill>
+                    <a:schemeClr val="tx1"/>
+                  </a:solidFill>
+                  <a:effectLst/>
+                  <a:latin typeface="Arial" panose="020B0604020202020204" pitchFamily="34" charset="0"/>
+                  <a:ea typeface="Times New Roman" panose="02020603050405020304" pitchFamily="18" charset="0"/>
+                  <a:cs typeface="Arial" panose="020B0604020202020204" pitchFamily="34" charset="0"/>
+                  <a:sym typeface="Symbol" pitchFamily="2" charset="2"/>
+                </a:rPr>
+                <a:t></a:t>
+              </a:r>
+            </a:p>
+          </p:txBody>
+        </p:sp>
+        <p:sp>
+          <p:nvSpPr>
+            <p:cNvPr id="20" name="Text Box 18">
+              <a:extLst>
+                <a:ext uri="{FF2B5EF4-FFF2-40B4-BE49-F238E27FC236}">
+                  <a16:creationId xmlns:a16="http://schemas.microsoft.com/office/drawing/2014/main" id="{8F92D1DD-AEEA-C146-9423-032550C8FDCA}"/>
+                </a:ext>
+              </a:extLst>
+            </p:cNvPr>
+            <p:cNvSpPr txBox="1">
+              <a:spLocks noChangeArrowheads="1"/>
+            </p:cNvSpPr>
+            <p:nvPr/>
+          </p:nvSpPr>
+          <p:spPr bwMode="auto">
+            <a:xfrm>
+              <a:off x="4178300" y="2870200"/>
+              <a:ext cx="2209800" cy="571500"/>
+            </a:xfrm>
+            <a:prstGeom prst="rect">
+              <a:avLst/>
+            </a:prstGeom>
+            <a:noFill/>
+            <a:ln>
+              <a:noFill/>
+            </a:ln>
+            <a:extLst>
+              <a:ext uri="{909E8E84-426E-40DD-AFC4-6F175D3DCCD1}">
+                <a14:hiddenFill xmlns:a14="http://schemas.microsoft.com/office/drawing/2010/main">
+                  <a:solidFill>
+                    <a:srgbClr val="FFFFFF"/>
+                  </a:solidFill>
+                </a14:hiddenFill>
+              </a:ext>
+              <a:ext uri="{91240B29-F687-4F45-9708-019B960494DF}">
+                <a14:hiddenLine xmlns:a14="http://schemas.microsoft.com/office/drawing/2010/main" w="9525">
+                  <a:solidFill>
+                    <a:srgbClr val="000000"/>
+                  </a:solidFill>
+                  <a:miter lim="800000"/>
+                  <a:headEnd/>
+                  <a:tailEnd/>
+                </a14:hiddenLine>
+              </a:ext>
+            </a:extLst>
+          </p:spPr>
+          <p:txBody>
+            <a:bodyPr vert="horz" wrap="square" lIns="91440" tIns="45720" rIns="91440" bIns="45720" numCol="1" anchor="t" anchorCtr="0" compatLnSpc="1">
+              <a:prstTxWarp prst="textNoShape">
+                <a:avLst/>
+              </a:prstTxWarp>
+            </a:bodyPr>
+            <a:lstStyle/>
+            <a:p>
+              <a:pPr marL="0" marR="0" lvl="0" indent="0" algn="l" defTabSz="914400" rtl="0" eaLnBrk="0" fontAlgn="base" latinLnBrk="0" hangingPunct="0">
+                <a:lnSpc>
+                  <a:spcPct val="100000"/>
+                </a:lnSpc>
+                <a:spcBef>
+                  <a:spcPct val="0"/>
+                </a:spcBef>
+                <a:spcAft>
+                  <a:spcPct val="0"/>
+                </a:spcAft>
+                <a:buClrTx/>
+                <a:buSzTx/>
+                <a:buFontTx/>
+                <a:buNone/>
+                <a:tabLst/>
+              </a:pPr>
+              <a:br>
+                <a:rPr kumimoji="0" lang="fr-FR" altLang="en-US" sz="1000" b="0" i="0" u="none" strike="noStrike" cap="none" normalizeH="0" baseline="0">
+                  <a:ln>
+                    <a:noFill/>
+                  </a:ln>
+                  <a:solidFill>
+                    <a:schemeClr val="tx1"/>
+                  </a:solidFill>
+                  <a:effectLst/>
+                  <a:ea typeface="Times New Roman" panose="02020603050405020304" pitchFamily="18" charset="0"/>
+                </a:rPr>
+              </a:br>
+              <a:r>
+                <a:rPr kumimoji="0" lang="fr-FR" altLang="en-US" sz="1000" b="0" i="0" u="none" strike="noStrike" cap="none" normalizeH="0" baseline="0">
+                  <a:ln>
+                    <a:noFill/>
+                  </a:ln>
+                  <a:solidFill>
+                    <a:schemeClr val="tx1"/>
+                  </a:solidFill>
+                  <a:effectLst/>
+                  <a:latin typeface="Times New Roman" panose="02020603050405020304" pitchFamily="18" charset="0"/>
+                  <a:ea typeface="Times New Roman" panose="02020603050405020304" pitchFamily="18" charset="0"/>
+                  <a:sym typeface="Symbol" pitchFamily="2" charset="2"/>
+                </a:rPr>
+                <a:t></a:t>
+              </a:r>
+              <a:r>
+                <a:rPr kumimoji="0" lang="fr-FR" altLang="en-US" sz="1000" b="0" i="0" u="none" strike="noStrike" cap="none" normalizeH="0" baseline="0">
+                  <a:ln>
+                    <a:noFill/>
+                  </a:ln>
+                  <a:solidFill>
+                    <a:schemeClr val="tx1"/>
+                  </a:solidFill>
+                  <a:effectLst/>
+                  <a:ea typeface="Times New Roman" panose="02020603050405020304" pitchFamily="18" charset="0"/>
+                </a:rPr>
+                <a:t> Register Document Set – b [ITI-42] </a:t>
+              </a:r>
+              <a:endParaRPr kumimoji="0" lang="fr-FR" altLang="en-US" sz="1000" b="0" i="0" u="none" strike="noStrike" cap="none" normalizeH="0" baseline="0">
                 <a:ln>
                   <a:noFill/>
                 </a:ln>
@@ -3851,658 +4665,281 @@
                   <a:schemeClr val="tx1"/>
                 </a:solidFill>
                 <a:effectLst/>
-                <a:latin typeface="Arial" panose="020B0604020202020204" pitchFamily="34" charset="0"/>
+                <a:latin typeface="Times New Roman" panose="02020603050405020304" pitchFamily="18" charset="0"/>
                 <a:ea typeface="Times New Roman" panose="02020603050405020304" pitchFamily="18" charset="0"/>
-              </a:rPr>
-            </a:br>
-            <a:r>
-              <a:rPr kumimoji="0" lang="fr-FR" altLang="en-US" sz="1000" b="0" i="0" u="none" strike="noStrike" cap="none" normalizeH="0" baseline="0">
-                <a:ln>
-                  <a:noFill/>
-                </a:ln>
-                <a:solidFill>
-                  <a:schemeClr val="tx1"/>
-                </a:solidFill>
-                <a:effectLst/>
-                <a:latin typeface="Arial" panose="020B0604020202020204" pitchFamily="34" charset="0"/>
-                <a:ea typeface="Times New Roman" panose="02020603050405020304" pitchFamily="18" charset="0"/>
-              </a:rPr>
-              <a:t>Document Registry </a:t>
-            </a:r>
-            <a:endParaRPr kumimoji="0" lang="fr-FR" altLang="en-US" sz="1800" b="0" i="0" u="none" strike="noStrike" cap="none" normalizeH="0" baseline="0">
-              <a:ln>
-                <a:noFill/>
-              </a:ln>
-              <a:solidFill>
-                <a:schemeClr val="tx1"/>
-              </a:solidFill>
-              <a:effectLst/>
-              <a:latin typeface="Arial" panose="020B0604020202020204" pitchFamily="34" charset="0"/>
-            </a:endParaRPr>
-          </a:p>
-        </p:txBody>
-      </p:sp>
-      <p:sp>
-        <p:nvSpPr>
-          <p:cNvPr id="12" name="Rectangle 26">
-            <a:extLst>
-              <a:ext uri="{FF2B5EF4-FFF2-40B4-BE49-F238E27FC236}">
-                <a16:creationId xmlns:a16="http://schemas.microsoft.com/office/drawing/2014/main" id="{FBED947A-B8E2-BF4D-A8FE-9419863469D8}"/>
-              </a:ext>
-            </a:extLst>
-          </p:cNvPr>
-          <p:cNvSpPr>
-            <a:spLocks noChangeArrowheads="1"/>
-          </p:cNvSpPr>
-          <p:nvPr/>
-        </p:nvSpPr>
-        <p:spPr bwMode="auto">
-          <a:xfrm>
-            <a:off x="3454400" y="3670300"/>
-            <a:ext cx="1485900" cy="571500"/>
-          </a:xfrm>
-          <a:prstGeom prst="rect">
-            <a:avLst/>
-          </a:prstGeom>
-          <a:solidFill>
-            <a:srgbClr val="FFFFFF"/>
-          </a:solidFill>
-          <a:ln w="38100">
-            <a:solidFill>
-              <a:srgbClr val="000000"/>
-            </a:solidFill>
-            <a:miter lim="800000"/>
-            <a:headEnd/>
-            <a:tailEnd/>
-          </a:ln>
-        </p:spPr>
-        <p:txBody>
-          <a:bodyPr vert="horz" wrap="square" lIns="91440" tIns="45720" rIns="91440" bIns="45720" numCol="1" anchor="t" anchorCtr="0" compatLnSpc="1">
-            <a:prstTxWarp prst="textNoShape">
+                <a:sym typeface="Symbol" pitchFamily="2" charset="2"/>
+              </a:endParaRPr>
+            </a:p>
+          </p:txBody>
+        </p:sp>
+        <p:sp>
+          <p:nvSpPr>
+            <p:cNvPr id="21" name="Text Box 17">
+              <a:extLst>
+                <a:ext uri="{FF2B5EF4-FFF2-40B4-BE49-F238E27FC236}">
+                  <a16:creationId xmlns:a16="http://schemas.microsoft.com/office/drawing/2014/main" id="{5807002E-12AC-8D47-A850-8A3B4A3490B6}"/>
+                </a:ext>
+              </a:extLst>
+            </p:cNvPr>
+            <p:cNvSpPr txBox="1">
+              <a:spLocks noChangeArrowheads="1"/>
+            </p:cNvSpPr>
+            <p:nvPr/>
+          </p:nvSpPr>
+          <p:spPr bwMode="auto">
+            <a:xfrm>
+              <a:off x="5283200" y="3365500"/>
+              <a:ext cx="1820863" cy="571500"/>
+            </a:xfrm>
+            <a:prstGeom prst="rect">
               <a:avLst/>
-            </a:prstTxWarp>
-          </a:bodyPr>
-          <a:lstStyle/>
-          <a:p>
-            <a:endParaRPr lang="en-US"/>
-          </a:p>
-        </p:txBody>
-      </p:sp>
-      <p:sp>
-        <p:nvSpPr>
-          <p:cNvPr id="13" name="Text Box 25">
-            <a:extLst>
-              <a:ext uri="{FF2B5EF4-FFF2-40B4-BE49-F238E27FC236}">
-                <a16:creationId xmlns:a16="http://schemas.microsoft.com/office/drawing/2014/main" id="{A35522E4-F47C-104B-89D4-0F82E4EA7D1F}"/>
-              </a:ext>
-            </a:extLst>
-          </p:cNvPr>
-          <p:cNvSpPr txBox="1">
-            <a:spLocks noChangeArrowheads="1"/>
-          </p:cNvSpPr>
-          <p:nvPr/>
-        </p:nvSpPr>
-        <p:spPr bwMode="auto">
-          <a:xfrm>
-            <a:off x="3502025" y="3803650"/>
-            <a:ext cx="1371600" cy="342900"/>
-          </a:xfrm>
-          <a:prstGeom prst="rect">
-            <a:avLst/>
-          </a:prstGeom>
-          <a:noFill/>
-          <a:ln>
+            </a:prstGeom>
             <a:noFill/>
-          </a:ln>
-          <a:extLst>
-            <a:ext uri="{909E8E84-426E-40DD-AFC4-6F175D3DCCD1}">
-              <a14:hiddenFill xmlns:a14="http://schemas.microsoft.com/office/drawing/2010/main">
-                <a:solidFill>
-                  <a:srgbClr val="FFFFFF"/>
-                </a:solidFill>
-              </a14:hiddenFill>
-            </a:ext>
-            <a:ext uri="{91240B29-F687-4F45-9708-019B960494DF}">
-              <a14:hiddenLine xmlns:a14="http://schemas.microsoft.com/office/drawing/2010/main" w="9525">
-                <a:solidFill>
-                  <a:srgbClr val="000000"/>
-                </a:solidFill>
-                <a:miter lim="800000"/>
-                <a:headEnd/>
-                <a:tailEnd/>
-              </a14:hiddenLine>
-            </a:ext>
-          </a:extLst>
-        </p:spPr>
-        <p:txBody>
-          <a:bodyPr vert="horz" wrap="square" lIns="91440" tIns="45720" rIns="91440" bIns="45720" numCol="1" anchor="t" anchorCtr="0" compatLnSpc="1">
-            <a:prstTxWarp prst="textNoShape">
+            <a:ln>
+              <a:noFill/>
+            </a:ln>
+            <a:extLst>
+              <a:ext uri="{909E8E84-426E-40DD-AFC4-6F175D3DCCD1}">
+                <a14:hiddenFill xmlns:a14="http://schemas.microsoft.com/office/drawing/2010/main">
+                  <a:solidFill>
+                    <a:srgbClr val="FFFFFF"/>
+                  </a:solidFill>
+                </a14:hiddenFill>
+              </a:ext>
+              <a:ext uri="{91240B29-F687-4F45-9708-019B960494DF}">
+                <a14:hiddenLine xmlns:a14="http://schemas.microsoft.com/office/drawing/2010/main" w="9525">
+                  <a:solidFill>
+                    <a:srgbClr val="000000"/>
+                  </a:solidFill>
+                  <a:miter lim="800000"/>
+                  <a:headEnd/>
+                  <a:tailEnd/>
+                </a14:hiddenLine>
+              </a:ext>
+            </a:extLst>
+          </p:spPr>
+          <p:txBody>
+            <a:bodyPr vert="horz" wrap="square" lIns="91440" tIns="45720" rIns="91440" bIns="45720" numCol="1" anchor="t" anchorCtr="0" compatLnSpc="1">
+              <a:prstTxWarp prst="textNoShape">
+                <a:avLst/>
+              </a:prstTxWarp>
+            </a:bodyPr>
+            <a:lstStyle/>
+            <a:p>
+              <a:pPr marL="0" marR="0" lvl="0" indent="0" algn="ctr" defTabSz="914400" rtl="0" eaLnBrk="0" fontAlgn="base" latinLnBrk="0" hangingPunct="0">
+                <a:lnSpc>
+                  <a:spcPct val="100000"/>
+                </a:lnSpc>
+                <a:spcBef>
+                  <a:spcPct val="0"/>
+                </a:spcBef>
+                <a:spcAft>
+                  <a:spcPct val="0"/>
+                </a:spcAft>
+                <a:buClrTx/>
+                <a:buSzTx/>
+                <a:buFontTx/>
+                <a:buNone/>
+                <a:tabLst/>
+              </a:pPr>
+              <a:br>
+                <a:rPr kumimoji="0" lang="en-US" altLang="en-US" sz="1000" b="0" i="0" u="none" strike="noStrike" cap="none" normalizeH="0" baseline="0">
+                  <a:ln>
+                    <a:noFill/>
+                  </a:ln>
+                  <a:solidFill>
+                    <a:schemeClr val="tx1"/>
+                  </a:solidFill>
+                  <a:effectLst/>
+                  <a:latin typeface="Arial" panose="020B0604020202020204" pitchFamily="34" charset="0"/>
+                  <a:ea typeface="Times New Roman" panose="02020603050405020304" pitchFamily="18" charset="0"/>
+                </a:rPr>
+              </a:br>
+              <a:r>
+                <a:rPr kumimoji="0" lang="en-US" altLang="en-US" sz="1000" b="0" i="0" u="none" strike="noStrike" cap="none" normalizeH="0" baseline="0">
+                  <a:ln>
+                    <a:noFill/>
+                  </a:ln>
+                  <a:solidFill>
+                    <a:schemeClr val="tx1"/>
+                  </a:solidFill>
+                  <a:effectLst/>
+                  <a:latin typeface="Arial" panose="020B0604020202020204" pitchFamily="34" charset="0"/>
+                  <a:ea typeface="Times New Roman" panose="02020603050405020304" pitchFamily="18" charset="0"/>
+                </a:rPr>
+                <a:t>Retrieve Document Set [ITI-43]</a:t>
+              </a:r>
+              <a:br>
+                <a:rPr kumimoji="0" lang="en-US" altLang="en-US" sz="1000" b="0" i="0" u="none" strike="noStrike" cap="none" normalizeH="0" baseline="0">
+                  <a:ln>
+                    <a:noFill/>
+                  </a:ln>
+                  <a:solidFill>
+                    <a:schemeClr val="tx1"/>
+                  </a:solidFill>
+                  <a:effectLst/>
+                  <a:latin typeface="Arial" panose="020B0604020202020204" pitchFamily="34" charset="0"/>
+                  <a:ea typeface="Times New Roman" panose="02020603050405020304" pitchFamily="18" charset="0"/>
+                </a:rPr>
+              </a:br>
+              <a:r>
+                <a:rPr kumimoji="0" lang="fr-FR" altLang="en-US" sz="1000" b="0" i="0" u="none" strike="noStrike" cap="none" normalizeH="0" baseline="0">
+                  <a:ln>
+                    <a:noFill/>
+                  </a:ln>
+                  <a:solidFill>
+                    <a:schemeClr val="tx1"/>
+                  </a:solidFill>
+                  <a:effectLst/>
+                  <a:latin typeface="Arial" panose="020B0604020202020204" pitchFamily="34" charset="0"/>
+                  <a:ea typeface="Times New Roman" panose="02020603050405020304" pitchFamily="18" charset="0"/>
+                  <a:cs typeface="Arial" panose="020B0604020202020204" pitchFamily="34" charset="0"/>
+                  <a:sym typeface="Symbol" pitchFamily="2" charset="2"/>
+                </a:rPr>
+                <a:t></a:t>
+              </a:r>
+            </a:p>
+          </p:txBody>
+        </p:sp>
+        <p:sp>
+          <p:nvSpPr>
+            <p:cNvPr id="22" name="Text Box 16">
+              <a:extLst>
+                <a:ext uri="{FF2B5EF4-FFF2-40B4-BE49-F238E27FC236}">
+                  <a16:creationId xmlns:a16="http://schemas.microsoft.com/office/drawing/2014/main" id="{5B5D0235-8D25-E549-8842-CBA9AA308130}"/>
+                </a:ext>
+              </a:extLst>
+            </p:cNvPr>
+            <p:cNvSpPr txBox="1">
+              <a:spLocks noChangeArrowheads="1"/>
+            </p:cNvSpPr>
+            <p:nvPr/>
+          </p:nvSpPr>
+          <p:spPr bwMode="auto">
+            <a:xfrm>
+              <a:off x="5035550" y="1955800"/>
+              <a:ext cx="1352550" cy="457200"/>
+            </a:xfrm>
+            <a:prstGeom prst="rect">
               <a:avLst/>
-            </a:prstTxWarp>
-          </a:bodyPr>
-          <a:lstStyle/>
-          <a:p>
-            <a:pPr marL="0" marR="0" lvl="0" indent="0" algn="ctr" defTabSz="914400" rtl="0" eaLnBrk="0" fontAlgn="base" latinLnBrk="0" hangingPunct="0">
-              <a:lnSpc>
-                <a:spcPct val="100000"/>
-              </a:lnSpc>
-              <a:spcBef>
-                <a:spcPct val="0"/>
-              </a:spcBef>
-              <a:spcAft>
-                <a:spcPct val="0"/>
-              </a:spcAft>
-              <a:buClrTx/>
-              <a:buSzTx/>
-              <a:buFontTx/>
-              <a:buNone/>
-              <a:tabLst/>
-            </a:pPr>
-            <a:r>
-              <a:rPr kumimoji="0" lang="fr-FR" altLang="en-US" sz="1000" b="0" i="0" u="none" strike="noStrike" cap="none" normalizeH="0" baseline="0">
-                <a:ln>
-                  <a:noFill/>
-                </a:ln>
-                <a:solidFill>
-                  <a:schemeClr val="tx1"/>
-                </a:solidFill>
-                <a:effectLst/>
-                <a:latin typeface="Arial" panose="020B0604020202020204" pitchFamily="34" charset="0"/>
-                <a:ea typeface="Times New Roman" panose="02020603050405020304" pitchFamily="18" charset="0"/>
-              </a:rPr>
-              <a:t>Document Repository</a:t>
-            </a:r>
-            <a:br>
-              <a:rPr kumimoji="0" lang="fr-FR" altLang="en-US" sz="1000" b="0" i="0" u="none" strike="noStrike" cap="none" normalizeH="0" baseline="0">
-                <a:ln>
-                  <a:noFill/>
-                </a:ln>
-                <a:solidFill>
-                  <a:schemeClr val="tx1"/>
-                </a:solidFill>
-                <a:effectLst/>
-                <a:latin typeface="Arial" panose="020B0604020202020204" pitchFamily="34" charset="0"/>
-                <a:ea typeface="Times New Roman" panose="02020603050405020304" pitchFamily="18" charset="0"/>
-              </a:rPr>
-            </a:br>
-            <a:br>
-              <a:rPr kumimoji="0" lang="fr-FR" altLang="en-US" sz="1000" b="0" i="0" u="none" strike="noStrike" cap="none" normalizeH="0" baseline="0">
-                <a:ln>
-                  <a:noFill/>
-                </a:ln>
-                <a:solidFill>
-                  <a:schemeClr val="tx1"/>
-                </a:solidFill>
-                <a:effectLst/>
-                <a:latin typeface="Arial" panose="020B0604020202020204" pitchFamily="34" charset="0"/>
-                <a:ea typeface="Times New Roman" panose="02020603050405020304" pitchFamily="18" charset="0"/>
-              </a:rPr>
-            </a:br>
-            <a:endParaRPr kumimoji="0" lang="fr-FR" altLang="en-US" sz="1800" b="0" i="0" u="none" strike="noStrike" cap="none" normalizeH="0" baseline="0">
-              <a:ln>
-                <a:noFill/>
-              </a:ln>
-              <a:solidFill>
-                <a:schemeClr val="tx1"/>
-              </a:solidFill>
-              <a:effectLst/>
-              <a:latin typeface="Arial" panose="020B0604020202020204" pitchFamily="34" charset="0"/>
-            </a:endParaRPr>
-          </a:p>
-        </p:txBody>
-      </p:sp>
-      <p:sp>
-        <p:nvSpPr>
-          <p:cNvPr id="14" name="Line 24">
-            <a:extLst>
-              <a:ext uri="{FF2B5EF4-FFF2-40B4-BE49-F238E27FC236}">
-                <a16:creationId xmlns:a16="http://schemas.microsoft.com/office/drawing/2014/main" id="{827A416C-244C-304C-999A-E9AAA35F854E}"/>
-              </a:ext>
-            </a:extLst>
-          </p:cNvPr>
-          <p:cNvSpPr>
-            <a:spLocks noChangeShapeType="1"/>
-          </p:cNvSpPr>
-          <p:nvPr/>
-        </p:nvSpPr>
-        <p:spPr bwMode="auto">
-          <a:xfrm>
-            <a:off x="1630363" y="3956050"/>
-            <a:ext cx="1804987" cy="0"/>
-          </a:xfrm>
-          <a:prstGeom prst="line">
-            <a:avLst/>
-          </a:prstGeom>
-          <a:noFill/>
-          <a:ln w="28575">
-            <a:solidFill>
-              <a:srgbClr val="000000"/>
-            </a:solidFill>
-            <a:round/>
-            <a:headEnd/>
-            <a:tailEnd/>
-          </a:ln>
-          <a:extLst>
-            <a:ext uri="{909E8E84-426E-40DD-AFC4-6F175D3DCCD1}">
-              <a14:hiddenFill xmlns:a14="http://schemas.microsoft.com/office/drawing/2010/main">
-                <a:noFill/>
-              </a14:hiddenFill>
-            </a:ext>
-          </a:extLst>
-        </p:spPr>
-        <p:txBody>
-          <a:bodyPr vert="horz" wrap="square" lIns="91440" tIns="45720" rIns="91440" bIns="45720" numCol="1" anchor="t" anchorCtr="0" compatLnSpc="1">
-            <a:prstTxWarp prst="textNoShape">
-              <a:avLst/>
-            </a:prstTxWarp>
-          </a:bodyPr>
-          <a:lstStyle/>
-          <a:p>
-            <a:endParaRPr lang="en-US"/>
-          </a:p>
-        </p:txBody>
-      </p:sp>
-      <p:sp>
-        <p:nvSpPr>
-          <p:cNvPr id="15" name="Line 23">
-            <a:extLst>
-              <a:ext uri="{FF2B5EF4-FFF2-40B4-BE49-F238E27FC236}">
-                <a16:creationId xmlns:a16="http://schemas.microsoft.com/office/drawing/2014/main" id="{093A28A0-0EB5-EF4F-999A-B631E9C21460}"/>
-              </a:ext>
-            </a:extLst>
-          </p:cNvPr>
-          <p:cNvSpPr>
-            <a:spLocks noChangeShapeType="1"/>
-          </p:cNvSpPr>
-          <p:nvPr/>
-        </p:nvSpPr>
-        <p:spPr bwMode="auto">
-          <a:xfrm>
-            <a:off x="4178300" y="2755900"/>
-            <a:ext cx="0" cy="914400"/>
-          </a:xfrm>
-          <a:prstGeom prst="line">
-            <a:avLst/>
-          </a:prstGeom>
-          <a:noFill/>
-          <a:ln w="28575">
-            <a:solidFill>
-              <a:srgbClr val="000000"/>
-            </a:solidFill>
-            <a:round/>
-            <a:headEnd/>
-            <a:tailEnd/>
-          </a:ln>
-          <a:extLst>
-            <a:ext uri="{909E8E84-426E-40DD-AFC4-6F175D3DCCD1}">
-              <a14:hiddenFill xmlns:a14="http://schemas.microsoft.com/office/drawing/2010/main">
-                <a:noFill/>
-              </a14:hiddenFill>
-            </a:ext>
-          </a:extLst>
-        </p:spPr>
-        <p:txBody>
-          <a:bodyPr vert="horz" wrap="square" lIns="91440" tIns="45720" rIns="91440" bIns="45720" numCol="1" anchor="t" anchorCtr="0" compatLnSpc="1">
-            <a:prstTxWarp prst="textNoShape">
-              <a:avLst/>
-            </a:prstTxWarp>
-          </a:bodyPr>
-          <a:lstStyle/>
-          <a:p>
-            <a:endParaRPr lang="en-US"/>
-          </a:p>
-        </p:txBody>
-      </p:sp>
-      <p:sp>
-        <p:nvSpPr>
-          <p:cNvPr id="16" name="Line 22">
-            <a:extLst>
-              <a:ext uri="{FF2B5EF4-FFF2-40B4-BE49-F238E27FC236}">
-                <a16:creationId xmlns:a16="http://schemas.microsoft.com/office/drawing/2014/main" id="{6340C40D-5311-574A-B99F-CD0A29BE1D9C}"/>
-              </a:ext>
-            </a:extLst>
-          </p:cNvPr>
-          <p:cNvSpPr>
-            <a:spLocks noChangeShapeType="1"/>
-          </p:cNvSpPr>
-          <p:nvPr/>
-        </p:nvSpPr>
-        <p:spPr bwMode="auto">
-          <a:xfrm>
-            <a:off x="4921250" y="3898900"/>
-            <a:ext cx="2238375" cy="0"/>
-          </a:xfrm>
-          <a:prstGeom prst="line">
-            <a:avLst/>
-          </a:prstGeom>
-          <a:noFill/>
-          <a:ln w="28575">
-            <a:solidFill>
-              <a:srgbClr val="000000"/>
-            </a:solidFill>
-            <a:round/>
-            <a:headEnd/>
-            <a:tailEnd/>
-          </a:ln>
-          <a:extLst>
-            <a:ext uri="{909E8E84-426E-40DD-AFC4-6F175D3DCCD1}">
-              <a14:hiddenFill xmlns:a14="http://schemas.microsoft.com/office/drawing/2010/main">
-                <a:noFill/>
-              </a14:hiddenFill>
-            </a:ext>
-          </a:extLst>
-        </p:spPr>
-        <p:txBody>
-          <a:bodyPr vert="horz" wrap="square" lIns="91440" tIns="45720" rIns="91440" bIns="45720" numCol="1" anchor="t" anchorCtr="0" compatLnSpc="1">
-            <a:prstTxWarp prst="textNoShape">
-              <a:avLst/>
-            </a:prstTxWarp>
-          </a:bodyPr>
-          <a:lstStyle/>
-          <a:p>
-            <a:endParaRPr lang="en-US"/>
-          </a:p>
-        </p:txBody>
-      </p:sp>
-      <p:sp>
-        <p:nvSpPr>
-          <p:cNvPr id="17" name="Line 21">
-            <a:extLst>
-              <a:ext uri="{FF2B5EF4-FFF2-40B4-BE49-F238E27FC236}">
-                <a16:creationId xmlns:a16="http://schemas.microsoft.com/office/drawing/2014/main" id="{3D77E6CF-2369-1C40-8C23-1BE15FCACA67}"/>
-              </a:ext>
-            </a:extLst>
-          </p:cNvPr>
-          <p:cNvSpPr>
-            <a:spLocks noChangeShapeType="1"/>
-          </p:cNvSpPr>
-          <p:nvPr/>
-        </p:nvSpPr>
-        <p:spPr bwMode="auto">
-          <a:xfrm>
-            <a:off x="7264400" y="2755900"/>
-            <a:ext cx="0" cy="1028700"/>
-          </a:xfrm>
-          <a:prstGeom prst="line">
-            <a:avLst/>
-          </a:prstGeom>
-          <a:noFill/>
-          <a:ln w="28575">
-            <a:solidFill>
-              <a:srgbClr val="000000"/>
-            </a:solidFill>
-            <a:round/>
-            <a:headEnd/>
-            <a:tailEnd/>
-          </a:ln>
-          <a:extLst>
-            <a:ext uri="{909E8E84-426E-40DD-AFC4-6F175D3DCCD1}">
-              <a14:hiddenFill xmlns:a14="http://schemas.microsoft.com/office/drawing/2010/main">
-                <a:noFill/>
-              </a14:hiddenFill>
-            </a:ext>
-          </a:extLst>
-        </p:spPr>
-        <p:txBody>
-          <a:bodyPr vert="horz" wrap="square" lIns="91440" tIns="45720" rIns="91440" bIns="45720" numCol="1" anchor="t" anchorCtr="0" compatLnSpc="1">
-            <a:prstTxWarp prst="textNoShape">
-              <a:avLst/>
-            </a:prstTxWarp>
-          </a:bodyPr>
-          <a:lstStyle/>
-          <a:p>
-            <a:endParaRPr lang="en-US"/>
-          </a:p>
-        </p:txBody>
-      </p:sp>
-      <p:sp>
-        <p:nvSpPr>
-          <p:cNvPr id="18" name="Arc 20">
-            <a:extLst>
-              <a:ext uri="{FF2B5EF4-FFF2-40B4-BE49-F238E27FC236}">
-                <a16:creationId xmlns:a16="http://schemas.microsoft.com/office/drawing/2014/main" id="{0ADCD79B-ABFC-2847-9A6A-9D6B7DDF6096}"/>
-              </a:ext>
-            </a:extLst>
-          </p:cNvPr>
-          <p:cNvSpPr>
-            <a:spLocks/>
-          </p:cNvSpPr>
-          <p:nvPr/>
-        </p:nvSpPr>
-        <p:spPr bwMode="auto">
-          <a:xfrm flipV="1">
-            <a:off x="7150100" y="3784600"/>
-            <a:ext cx="114300" cy="114300"/>
-          </a:xfrm>
-          <a:custGeom>
-            <a:avLst/>
-            <a:gdLst>
-              <a:gd name="G0" fmla="+- 0 0 0"/>
-              <a:gd name="G1" fmla="+- 21600 0 0"/>
-              <a:gd name="G2" fmla="+- 21600 0 0"/>
-              <a:gd name="T0" fmla="*/ 0 w 21600"/>
-              <a:gd name="T1" fmla="*/ 0 h 21600"/>
-              <a:gd name="T2" fmla="*/ 114300 w 21600"/>
-              <a:gd name="T3" fmla="*/ 114300 h 21600"/>
-              <a:gd name="T4" fmla="*/ 0 w 21600"/>
-              <a:gd name="T5" fmla="*/ 114300 h 21600"/>
-              <a:gd name="T6" fmla="*/ 0 60000 65536"/>
-              <a:gd name="T7" fmla="*/ 0 60000 65536"/>
-              <a:gd name="T8" fmla="*/ 0 60000 65536"/>
-            </a:gdLst>
-            <a:ahLst/>
-            <a:cxnLst>
-              <a:cxn ang="T6">
-                <a:pos x="T0" y="T1"/>
-              </a:cxn>
-              <a:cxn ang="T7">
-                <a:pos x="T2" y="T3"/>
-              </a:cxn>
-              <a:cxn ang="T8">
-                <a:pos x="T4" y="T5"/>
-              </a:cxn>
-            </a:cxnLst>
-            <a:rect l="0" t="0" r="r" b="b"/>
-            <a:pathLst>
-              <a:path w="21600" h="21600" fill="none" extrusionOk="0">
-                <a:moveTo>
-                  <a:pt x="0" y="0"/>
-                </a:moveTo>
-                <a:cubicBezTo>
-                  <a:pt x="11929" y="0"/>
-                  <a:pt x="21600" y="9670"/>
-                  <a:pt x="21600" y="21600"/>
-                </a:cubicBezTo>
-              </a:path>
-              <a:path w="21600" h="21600" stroke="0" extrusionOk="0">
-                <a:moveTo>
-                  <a:pt x="0" y="0"/>
-                </a:moveTo>
-                <a:cubicBezTo>
-                  <a:pt x="11929" y="0"/>
-                  <a:pt x="21600" y="9670"/>
-                  <a:pt x="21600" y="21600"/>
-                </a:cubicBezTo>
-                <a:lnTo>
-                  <a:pt x="0" y="21600"/>
-                </a:lnTo>
-                <a:lnTo>
-                  <a:pt x="0" y="0"/>
-                </a:lnTo>
-                <a:close/>
-              </a:path>
-            </a:pathLst>
-          </a:custGeom>
-          <a:noFill/>
-          <a:ln w="28575">
-            <a:solidFill>
-              <a:srgbClr val="000000"/>
-            </a:solidFill>
-            <a:round/>
-            <a:headEnd/>
-            <a:tailEnd/>
-          </a:ln>
-          <a:extLst>
-            <a:ext uri="{909E8E84-426E-40DD-AFC4-6F175D3DCCD1}">
-              <a14:hiddenFill xmlns:a14="http://schemas.microsoft.com/office/drawing/2010/main">
-                <a:solidFill>
-                  <a:srgbClr val="FFFFFF"/>
-                </a:solidFill>
-              </a14:hiddenFill>
-            </a:ext>
-          </a:extLst>
-        </p:spPr>
-        <p:txBody>
-          <a:bodyPr vert="horz" wrap="square" lIns="91440" tIns="45720" rIns="91440" bIns="45720" numCol="1" anchor="t" anchorCtr="0" compatLnSpc="1">
-            <a:prstTxWarp prst="textNoShape">
-              <a:avLst/>
-            </a:prstTxWarp>
-          </a:bodyPr>
-          <a:lstStyle/>
-          <a:p>
-            <a:endParaRPr lang="en-US"/>
-          </a:p>
-        </p:txBody>
-      </p:sp>
-      <p:sp>
-        <p:nvSpPr>
-          <p:cNvPr id="19" name="Text Box 19">
-            <a:extLst>
-              <a:ext uri="{FF2B5EF4-FFF2-40B4-BE49-F238E27FC236}">
-                <a16:creationId xmlns:a16="http://schemas.microsoft.com/office/drawing/2014/main" id="{4D8C203A-E410-1D4F-B481-928BA6E49501}"/>
-              </a:ext>
-            </a:extLst>
-          </p:cNvPr>
-          <p:cNvSpPr txBox="1">
-            <a:spLocks noChangeArrowheads="1"/>
-          </p:cNvSpPr>
-          <p:nvPr/>
-        </p:nvSpPr>
-        <p:spPr bwMode="auto">
-          <a:xfrm>
-            <a:off x="1670050" y="3305175"/>
-            <a:ext cx="1765300" cy="708025"/>
-          </a:xfrm>
-          <a:prstGeom prst="rect">
-            <a:avLst/>
-          </a:prstGeom>
-          <a:noFill/>
-          <a:ln>
+            </a:prstGeom>
             <a:noFill/>
-          </a:ln>
-          <a:extLst>
-            <a:ext uri="{909E8E84-426E-40DD-AFC4-6F175D3DCCD1}">
-              <a14:hiddenFill xmlns:a14="http://schemas.microsoft.com/office/drawing/2010/main">
-                <a:solidFill>
-                  <a:srgbClr val="FFFFFF"/>
-                </a:solidFill>
-              </a14:hiddenFill>
-            </a:ext>
-            <a:ext uri="{91240B29-F687-4F45-9708-019B960494DF}">
-              <a14:hiddenLine xmlns:a14="http://schemas.microsoft.com/office/drawing/2010/main" w="9525">
-                <a:solidFill>
-                  <a:srgbClr val="000000"/>
-                </a:solidFill>
-                <a:miter lim="800000"/>
-                <a:headEnd/>
-                <a:tailEnd/>
-              </a14:hiddenLine>
-            </a:ext>
-          </a:extLst>
-        </p:spPr>
-        <p:txBody>
-          <a:bodyPr vert="horz" wrap="square" lIns="91440" tIns="45720" rIns="91440" bIns="45720" numCol="1" anchor="t" anchorCtr="0" compatLnSpc="1">
-            <a:prstTxWarp prst="textNoShape">
-              <a:avLst/>
-            </a:prstTxWarp>
-          </a:bodyPr>
-          <a:lstStyle/>
-          <a:p>
-            <a:pPr marL="0" marR="0" lvl="0" indent="0" algn="ctr" defTabSz="914400" rtl="0" eaLnBrk="0" fontAlgn="base" latinLnBrk="0" hangingPunct="0">
-              <a:lnSpc>
-                <a:spcPct val="100000"/>
-              </a:lnSpc>
-              <a:spcBef>
-                <a:spcPct val="0"/>
-              </a:spcBef>
-              <a:spcAft>
-                <a:spcPct val="0"/>
-              </a:spcAft>
-              <a:buClrTx/>
-              <a:buSzTx/>
-              <a:buFontTx/>
-              <a:buNone/>
-              <a:tabLst/>
-            </a:pPr>
-            <a:br>
-              <a:rPr kumimoji="0" lang="fr-FR" altLang="en-US" sz="1000" b="0" i="0" u="none" strike="noStrike" cap="none" normalizeH="0" baseline="0">
-                <a:ln>
-                  <a:noFill/>
-                </a:ln>
-                <a:solidFill>
-                  <a:schemeClr val="tx1"/>
-                </a:solidFill>
-                <a:effectLst/>
-                <a:latin typeface="Arial" panose="020B0604020202020204" pitchFamily="34" charset="0"/>
-                <a:ea typeface="Times New Roman" panose="02020603050405020304" pitchFamily="18" charset="0"/>
-              </a:rPr>
-            </a:br>
-            <a:r>
-              <a:rPr kumimoji="0" lang="fr-FR" altLang="en-US" sz="1000" b="0" i="0" u="none" strike="noStrike" cap="none" normalizeH="0" baseline="0">
-                <a:ln>
-                  <a:noFill/>
-                </a:ln>
-                <a:solidFill>
-                  <a:schemeClr val="tx1"/>
-                </a:solidFill>
-                <a:effectLst/>
-                <a:latin typeface="Arial" panose="020B0604020202020204" pitchFamily="34" charset="0"/>
-                <a:ea typeface="Times New Roman" panose="02020603050405020304" pitchFamily="18" charset="0"/>
-              </a:rPr>
-              <a:t>Provide&amp;Register</a:t>
-            </a:r>
-            <a:br>
-              <a:rPr kumimoji="0" lang="fr-FR" altLang="en-US" sz="1000" b="0" i="0" u="none" strike="noStrike" cap="none" normalizeH="0" baseline="0">
-                <a:ln>
-                  <a:noFill/>
-                </a:ln>
-                <a:solidFill>
-                  <a:schemeClr val="tx1"/>
-                </a:solidFill>
-                <a:effectLst/>
-                <a:latin typeface="Arial" panose="020B0604020202020204" pitchFamily="34" charset="0"/>
-                <a:ea typeface="Times New Roman" panose="02020603050405020304" pitchFamily="18" charset="0"/>
-              </a:rPr>
-            </a:br>
-            <a:r>
-              <a:rPr kumimoji="0" lang="fr-FR" altLang="en-US" sz="1000" b="0" i="0" u="none" strike="noStrike" cap="none" normalizeH="0" baseline="0">
-                <a:ln>
-                  <a:noFill/>
-                </a:ln>
-                <a:solidFill>
-                  <a:schemeClr val="tx1"/>
-                </a:solidFill>
-                <a:effectLst/>
-                <a:latin typeface="Arial" panose="020B0604020202020204" pitchFamily="34" charset="0"/>
-                <a:ea typeface="Times New Roman" panose="02020603050405020304" pitchFamily="18" charset="0"/>
-              </a:rPr>
-              <a:t>Document Set – b [ITI-41] </a:t>
-            </a:r>
-            <a:br>
-              <a:rPr kumimoji="0" lang="fr-FR" altLang="en-US" sz="1000" b="0" i="0" u="none" strike="noStrike" cap="none" normalizeH="0" baseline="0">
-                <a:ln>
-                  <a:noFill/>
-                </a:ln>
-                <a:solidFill>
-                  <a:schemeClr val="tx1"/>
-                </a:solidFill>
-                <a:effectLst/>
-                <a:latin typeface="Arial" panose="020B0604020202020204" pitchFamily="34" charset="0"/>
-                <a:ea typeface="Times New Roman" panose="02020603050405020304" pitchFamily="18" charset="0"/>
-              </a:rPr>
-            </a:br>
-            <a:r>
-              <a:rPr kumimoji="0" lang="fr-FR" altLang="en-US" sz="1000" b="0" i="0" u="none" strike="noStrike" cap="none" normalizeH="0" baseline="0">
+            <a:ln>
+              <a:noFill/>
+            </a:ln>
+            <a:extLst>
+              <a:ext uri="{909E8E84-426E-40DD-AFC4-6F175D3DCCD1}">
+                <a14:hiddenFill xmlns:a14="http://schemas.microsoft.com/office/drawing/2010/main">
+                  <a:solidFill>
+                    <a:srgbClr val="FFFFFF"/>
+                  </a:solidFill>
+                </a14:hiddenFill>
+              </a:ext>
+              <a:ext uri="{91240B29-F687-4F45-9708-019B960494DF}">
+                <a14:hiddenLine xmlns:a14="http://schemas.microsoft.com/office/drawing/2010/main" w="9525">
+                  <a:solidFill>
+                    <a:srgbClr val="000000"/>
+                  </a:solidFill>
+                  <a:miter lim="800000"/>
+                  <a:headEnd/>
+                  <a:tailEnd/>
+                </a14:hiddenLine>
+              </a:ext>
+            </a:extLst>
+          </p:spPr>
+          <p:txBody>
+            <a:bodyPr vert="horz" wrap="square" lIns="91440" tIns="45720" rIns="91440" bIns="45720" numCol="1" anchor="t" anchorCtr="0" compatLnSpc="1">
+              <a:prstTxWarp prst="textNoShape">
+                <a:avLst/>
+              </a:prstTxWarp>
+            </a:bodyPr>
+            <a:lstStyle/>
+            <a:p>
+              <a:pPr marL="0" marR="0" lvl="0" indent="0" algn="ctr" defTabSz="914400" rtl="0" eaLnBrk="0" fontAlgn="base" latinLnBrk="0" hangingPunct="0">
+                <a:lnSpc>
+                  <a:spcPct val="100000"/>
+                </a:lnSpc>
+                <a:spcBef>
+                  <a:spcPct val="0"/>
+                </a:spcBef>
+                <a:spcAft>
+                  <a:spcPct val="0"/>
+                </a:spcAft>
+                <a:buClrTx/>
+                <a:buSzTx/>
+                <a:buFontTx/>
+                <a:buNone/>
+                <a:tabLst/>
+              </a:pPr>
+              <a:r>
+                <a:rPr kumimoji="0" lang="fr-FR" altLang="en-US" sz="1000" b="0" i="0" u="none" strike="noStrike" cap="none" normalizeH="0" baseline="0">
+                  <a:ln>
+                    <a:noFill/>
+                  </a:ln>
+                  <a:solidFill>
+                    <a:schemeClr val="tx1"/>
+                  </a:solidFill>
+                  <a:effectLst/>
+                  <a:ea typeface="Times New Roman" panose="02020603050405020304" pitchFamily="18" charset="0"/>
+                </a:rPr>
+                <a:t>Registry Stored Query</a:t>
+              </a:r>
+              <a:br>
+                <a:rPr kumimoji="0" lang="fr-FR" altLang="en-US" sz="1000" b="0" i="0" u="none" strike="noStrike" cap="none" normalizeH="0" baseline="0">
+                  <a:ln>
+                    <a:noFill/>
+                  </a:ln>
+                  <a:solidFill>
+                    <a:schemeClr val="tx1"/>
+                  </a:solidFill>
+                  <a:effectLst/>
+                  <a:ea typeface="Times New Roman" panose="02020603050405020304" pitchFamily="18" charset="0"/>
+                </a:rPr>
+              </a:br>
+              <a:r>
+                <a:rPr kumimoji="0" lang="fr-FR" altLang="en-US" sz="1000" b="0" i="0" u="none" strike="noStrike" cap="none" normalizeH="0" baseline="0">
+                  <a:ln>
+                    <a:noFill/>
+                  </a:ln>
+                  <a:solidFill>
+                    <a:schemeClr val="tx1"/>
+                  </a:solidFill>
+                  <a:effectLst/>
+                  <a:latin typeface="Arial" panose="020B0604020202020204" pitchFamily="34" charset="0"/>
+                  <a:ea typeface="Times New Roman" panose="02020603050405020304" pitchFamily="18" charset="0"/>
+                </a:rPr>
+                <a:t> [ITI-18] </a:t>
+              </a:r>
+              <a:r>
+                <a:rPr kumimoji="0" lang="fr-FR" altLang="en-US" sz="1000" b="0" i="0" u="none" strike="noStrike" cap="none" normalizeH="0" baseline="0">
+                  <a:ln>
+                    <a:noFill/>
+                  </a:ln>
+                  <a:solidFill>
+                    <a:schemeClr val="tx1"/>
+                  </a:solidFill>
+                  <a:effectLst/>
+                  <a:latin typeface="Arial" panose="020B0604020202020204" pitchFamily="34" charset="0"/>
+                  <a:ea typeface="Times New Roman" panose="02020603050405020304" pitchFamily="18" charset="0"/>
+                  <a:cs typeface="Arial" panose="020B0604020202020204" pitchFamily="34" charset="0"/>
+                  <a:sym typeface="Symbol" pitchFamily="2" charset="2"/>
+                </a:rPr>
+                <a:t></a:t>
+              </a:r>
+              <a:r>
+                <a:rPr kumimoji="0" lang="fr-FR" altLang="en-US" sz="1000" b="0" i="0" u="none" strike="noStrike" cap="none" normalizeH="0" baseline="0">
+                  <a:ln>
+                    <a:noFill/>
+                  </a:ln>
+                  <a:solidFill>
+                    <a:schemeClr val="tx1"/>
+                  </a:solidFill>
+                  <a:effectLst/>
+                  <a:ea typeface="Times New Roman" panose="02020603050405020304" pitchFamily="18" charset="0"/>
+                </a:rPr>
+                <a:t> </a:t>
+              </a:r>
+              <a:endParaRPr kumimoji="0" lang="fr-FR" altLang="en-US" sz="1000" b="0" i="0" u="none" strike="noStrike" cap="none" normalizeH="0" baseline="0">
                 <a:ln>
                   <a:noFill/>
                 </a:ln>
@@ -4514,209 +4951,205 @@
                 <a:ea typeface="Times New Roman" panose="02020603050405020304" pitchFamily="18" charset="0"/>
                 <a:cs typeface="Arial" panose="020B0604020202020204" pitchFamily="34" charset="0"/>
                 <a:sym typeface="Symbol" pitchFamily="2" charset="2"/>
-              </a:rPr>
-              <a:t></a:t>
-            </a:r>
-          </a:p>
-        </p:txBody>
-      </p:sp>
-      <p:sp>
-        <p:nvSpPr>
-          <p:cNvPr id="20" name="Text Box 18">
-            <a:extLst>
-              <a:ext uri="{FF2B5EF4-FFF2-40B4-BE49-F238E27FC236}">
-                <a16:creationId xmlns:a16="http://schemas.microsoft.com/office/drawing/2014/main" id="{8F92D1DD-AEEA-C146-9423-032550C8FDCA}"/>
-              </a:ext>
-            </a:extLst>
-          </p:cNvPr>
-          <p:cNvSpPr txBox="1">
-            <a:spLocks noChangeArrowheads="1"/>
-          </p:cNvSpPr>
-          <p:nvPr/>
-        </p:nvSpPr>
-        <p:spPr bwMode="auto">
-          <a:xfrm>
-            <a:off x="4178300" y="2870200"/>
-            <a:ext cx="2209800" cy="571500"/>
-          </a:xfrm>
-          <a:prstGeom prst="rect">
-            <a:avLst/>
-          </a:prstGeom>
-          <a:noFill/>
-          <a:ln>
+              </a:endParaRPr>
+            </a:p>
+          </p:txBody>
+        </p:sp>
+        <p:sp>
+          <p:nvSpPr>
+            <p:cNvPr id="23" name="Line 15">
+              <a:extLst>
+                <a:ext uri="{FF2B5EF4-FFF2-40B4-BE49-F238E27FC236}">
+                  <a16:creationId xmlns:a16="http://schemas.microsoft.com/office/drawing/2014/main" id="{B76FEDA0-D10F-224E-A7AE-67C38E369120}"/>
+                </a:ext>
+              </a:extLst>
+            </p:cNvPr>
+            <p:cNvSpPr>
+              <a:spLocks noChangeShapeType="1"/>
+            </p:cNvSpPr>
+            <p:nvPr/>
+          </p:nvSpPr>
+          <p:spPr bwMode="auto">
+            <a:xfrm>
+              <a:off x="4821238" y="2413000"/>
+              <a:ext cx="1804987" cy="0"/>
+            </a:xfrm>
+            <a:prstGeom prst="line">
+              <a:avLst/>
+            </a:prstGeom>
             <a:noFill/>
-          </a:ln>
-          <a:extLst>
-            <a:ext uri="{909E8E84-426E-40DD-AFC4-6F175D3DCCD1}">
-              <a14:hiddenFill xmlns:a14="http://schemas.microsoft.com/office/drawing/2010/main">
-                <a:solidFill>
-                  <a:srgbClr val="FFFFFF"/>
-                </a:solidFill>
-              </a14:hiddenFill>
-            </a:ext>
-            <a:ext uri="{91240B29-F687-4F45-9708-019B960494DF}">
-              <a14:hiddenLine xmlns:a14="http://schemas.microsoft.com/office/drawing/2010/main" w="9525">
-                <a:solidFill>
-                  <a:srgbClr val="000000"/>
-                </a:solidFill>
-                <a:miter lim="800000"/>
-                <a:headEnd/>
-                <a:tailEnd/>
-              </a14:hiddenLine>
-            </a:ext>
-          </a:extLst>
-        </p:spPr>
-        <p:txBody>
-          <a:bodyPr vert="horz" wrap="square" lIns="91440" tIns="45720" rIns="91440" bIns="45720" numCol="1" anchor="t" anchorCtr="0" compatLnSpc="1">
-            <a:prstTxWarp prst="textNoShape">
+            <a:ln w="28575">
+              <a:solidFill>
+                <a:srgbClr val="000000"/>
+              </a:solidFill>
+              <a:round/>
+              <a:headEnd/>
+              <a:tailEnd/>
+            </a:ln>
+            <a:extLst>
+              <a:ext uri="{909E8E84-426E-40DD-AFC4-6F175D3DCCD1}">
+                <a14:hiddenFill xmlns:a14="http://schemas.microsoft.com/office/drawing/2010/main">
+                  <a:noFill/>
+                </a14:hiddenFill>
+              </a:ext>
+            </a:extLst>
+          </p:spPr>
+          <p:txBody>
+            <a:bodyPr vert="horz" wrap="square" lIns="91440" tIns="45720" rIns="91440" bIns="45720" numCol="1" anchor="t" anchorCtr="0" compatLnSpc="1">
+              <a:prstTxWarp prst="textNoShape">
+                <a:avLst/>
+              </a:prstTxWarp>
+            </a:bodyPr>
+            <a:lstStyle/>
+            <a:p>
+              <a:endParaRPr lang="en-US"/>
+            </a:p>
+          </p:txBody>
+        </p:sp>
+        <p:sp>
+          <p:nvSpPr>
+            <p:cNvPr id="24" name="Rectangle 14">
+              <a:extLst>
+                <a:ext uri="{FF2B5EF4-FFF2-40B4-BE49-F238E27FC236}">
+                  <a16:creationId xmlns:a16="http://schemas.microsoft.com/office/drawing/2014/main" id="{D81B2265-6D92-8244-88E5-C46E31116D64}"/>
+                </a:ext>
+              </a:extLst>
+            </p:cNvPr>
+            <p:cNvSpPr>
+              <a:spLocks noChangeArrowheads="1"/>
+            </p:cNvSpPr>
+            <p:nvPr/>
+          </p:nvSpPr>
+          <p:spPr bwMode="auto">
+            <a:xfrm>
+              <a:off x="3454400" y="708025"/>
+              <a:ext cx="1371600" cy="571500"/>
+            </a:xfrm>
+            <a:prstGeom prst="rect">
               <a:avLst/>
-            </a:prstTxWarp>
-          </a:bodyPr>
-          <a:lstStyle/>
-          <a:p>
-            <a:pPr marL="0" marR="0" lvl="0" indent="0" algn="l" defTabSz="914400" rtl="0" eaLnBrk="0" fontAlgn="base" latinLnBrk="0" hangingPunct="0">
-              <a:lnSpc>
-                <a:spcPct val="100000"/>
-              </a:lnSpc>
-              <a:spcBef>
-                <a:spcPct val="0"/>
-              </a:spcBef>
-              <a:spcAft>
-                <a:spcPct val="0"/>
-              </a:spcAft>
-              <a:buClrTx/>
-              <a:buSzTx/>
-              <a:buFontTx/>
-              <a:buNone/>
-              <a:tabLst/>
-            </a:pPr>
-            <a:br>
-              <a:rPr kumimoji="0" lang="fr-FR" altLang="en-US" sz="1000" b="0" i="0" u="none" strike="noStrike" cap="none" normalizeH="0" baseline="0">
-                <a:ln>
-                  <a:noFill/>
-                </a:ln>
-                <a:solidFill>
-                  <a:schemeClr val="tx1"/>
-                </a:solidFill>
-                <a:effectLst/>
-                <a:ea typeface="Times New Roman" panose="02020603050405020304" pitchFamily="18" charset="0"/>
-              </a:rPr>
-            </a:br>
-            <a:r>
-              <a:rPr kumimoji="0" lang="fr-FR" altLang="en-US" sz="1000" b="0" i="0" u="none" strike="noStrike" cap="none" normalizeH="0" baseline="0">
-                <a:ln>
-                  <a:noFill/>
-                </a:ln>
-                <a:solidFill>
-                  <a:schemeClr val="tx1"/>
-                </a:solidFill>
-                <a:effectLst/>
-                <a:latin typeface="Times New Roman" panose="02020603050405020304" pitchFamily="18" charset="0"/>
-                <a:ea typeface="Times New Roman" panose="02020603050405020304" pitchFamily="18" charset="0"/>
-                <a:sym typeface="Symbol" pitchFamily="2" charset="2"/>
-              </a:rPr>
-              <a:t></a:t>
-            </a:r>
-            <a:r>
-              <a:rPr kumimoji="0" lang="fr-FR" altLang="en-US" sz="1000" b="0" i="0" u="none" strike="noStrike" cap="none" normalizeH="0" baseline="0">
-                <a:ln>
-                  <a:noFill/>
-                </a:ln>
-                <a:solidFill>
-                  <a:schemeClr val="tx1"/>
-                </a:solidFill>
-                <a:effectLst/>
-                <a:ea typeface="Times New Roman" panose="02020603050405020304" pitchFamily="18" charset="0"/>
-              </a:rPr>
-              <a:t> Register Document Set – b [ITI-42] </a:t>
-            </a:r>
-            <a:endParaRPr kumimoji="0" lang="fr-FR" altLang="en-US" sz="1000" b="0" i="0" u="none" strike="noStrike" cap="none" normalizeH="0" baseline="0">
-              <a:ln>
-                <a:noFill/>
-              </a:ln>
+            </a:prstGeom>
+            <a:solidFill>
+              <a:srgbClr val="FFFFFF"/>
+            </a:solidFill>
+            <a:ln w="38100">
               <a:solidFill>
-                <a:schemeClr val="tx1"/>
+                <a:srgbClr val="000000"/>
               </a:solidFill>
-              <a:effectLst/>
-              <a:latin typeface="Times New Roman" panose="02020603050405020304" pitchFamily="18" charset="0"/>
-              <a:ea typeface="Times New Roman" panose="02020603050405020304" pitchFamily="18" charset="0"/>
-              <a:sym typeface="Symbol" pitchFamily="2" charset="2"/>
-            </a:endParaRPr>
-          </a:p>
-        </p:txBody>
-      </p:sp>
-      <p:sp>
-        <p:nvSpPr>
-          <p:cNvPr id="21" name="Text Box 17">
-            <a:extLst>
-              <a:ext uri="{FF2B5EF4-FFF2-40B4-BE49-F238E27FC236}">
-                <a16:creationId xmlns:a16="http://schemas.microsoft.com/office/drawing/2014/main" id="{5807002E-12AC-8D47-A850-8A3B4A3490B6}"/>
-              </a:ext>
-            </a:extLst>
-          </p:cNvPr>
-          <p:cNvSpPr txBox="1">
-            <a:spLocks noChangeArrowheads="1"/>
-          </p:cNvSpPr>
-          <p:nvPr/>
-        </p:nvSpPr>
-        <p:spPr bwMode="auto">
-          <a:xfrm>
-            <a:off x="5283200" y="3365500"/>
-            <a:ext cx="1820863" cy="571500"/>
-          </a:xfrm>
-          <a:prstGeom prst="rect">
-            <a:avLst/>
-          </a:prstGeom>
-          <a:noFill/>
-          <a:ln>
+              <a:miter lim="800000"/>
+              <a:headEnd/>
+              <a:tailEnd/>
+            </a:ln>
+          </p:spPr>
+          <p:txBody>
+            <a:bodyPr vert="horz" wrap="square" lIns="91440" tIns="45720" rIns="91440" bIns="45720" numCol="1" anchor="t" anchorCtr="0" compatLnSpc="1">
+              <a:prstTxWarp prst="textNoShape">
+                <a:avLst/>
+              </a:prstTxWarp>
+            </a:bodyPr>
+            <a:lstStyle/>
+            <a:p>
+              <a:endParaRPr lang="en-US"/>
+            </a:p>
+          </p:txBody>
+        </p:sp>
+        <p:sp>
+          <p:nvSpPr>
+            <p:cNvPr id="25" name="Text Box 13">
+              <a:extLst>
+                <a:ext uri="{FF2B5EF4-FFF2-40B4-BE49-F238E27FC236}">
+                  <a16:creationId xmlns:a16="http://schemas.microsoft.com/office/drawing/2014/main" id="{48A4ADC7-F3A2-D34A-97A8-C61D3121CD06}"/>
+                </a:ext>
+              </a:extLst>
+            </p:cNvPr>
+            <p:cNvSpPr txBox="1">
+              <a:spLocks noChangeArrowheads="1"/>
+            </p:cNvSpPr>
+            <p:nvPr/>
+          </p:nvSpPr>
+          <p:spPr bwMode="auto">
+            <a:xfrm>
+              <a:off x="3454400" y="755650"/>
+              <a:ext cx="1371600" cy="571500"/>
+            </a:xfrm>
+            <a:prstGeom prst="rect">
+              <a:avLst/>
+            </a:prstGeom>
             <a:noFill/>
-          </a:ln>
-          <a:extLst>
-            <a:ext uri="{909E8E84-426E-40DD-AFC4-6F175D3DCCD1}">
-              <a14:hiddenFill xmlns:a14="http://schemas.microsoft.com/office/drawing/2010/main">
-                <a:solidFill>
-                  <a:srgbClr val="FFFFFF"/>
-                </a:solidFill>
-              </a14:hiddenFill>
-            </a:ext>
-            <a:ext uri="{91240B29-F687-4F45-9708-019B960494DF}">
-              <a14:hiddenLine xmlns:a14="http://schemas.microsoft.com/office/drawing/2010/main" w="9525">
-                <a:solidFill>
-                  <a:srgbClr val="000000"/>
-                </a:solidFill>
-                <a:miter lim="800000"/>
-                <a:headEnd/>
-                <a:tailEnd/>
-              </a14:hiddenLine>
-            </a:ext>
-          </a:extLst>
-        </p:spPr>
-        <p:txBody>
-          <a:bodyPr vert="horz" wrap="square" lIns="91440" tIns="45720" rIns="91440" bIns="45720" numCol="1" anchor="t" anchorCtr="0" compatLnSpc="1">
-            <a:prstTxWarp prst="textNoShape">
-              <a:avLst/>
-            </a:prstTxWarp>
-          </a:bodyPr>
-          <a:lstStyle/>
-          <a:p>
-            <a:pPr marL="0" marR="0" lvl="0" indent="0" algn="ctr" defTabSz="914400" rtl="0" eaLnBrk="0" fontAlgn="base" latinLnBrk="0" hangingPunct="0">
-              <a:lnSpc>
-                <a:spcPct val="100000"/>
-              </a:lnSpc>
-              <a:spcBef>
-                <a:spcPct val="0"/>
-              </a:spcBef>
-              <a:spcAft>
-                <a:spcPct val="0"/>
-              </a:spcAft>
-              <a:buClrTx/>
-              <a:buSzTx/>
-              <a:buFontTx/>
-              <a:buNone/>
-              <a:tabLst/>
-            </a:pPr>
-            <a:br>
-              <a:rPr kumimoji="0" lang="en-US" altLang="en-US" sz="1000" b="0" i="0" u="none" strike="noStrike" cap="none" normalizeH="0" baseline="0">
+            <a:ln>
+              <a:noFill/>
+            </a:ln>
+            <a:extLst>
+              <a:ext uri="{909E8E84-426E-40DD-AFC4-6F175D3DCCD1}">
+                <a14:hiddenFill xmlns:a14="http://schemas.microsoft.com/office/drawing/2010/main">
+                  <a:solidFill>
+                    <a:srgbClr val="FFFFFF"/>
+                  </a:solidFill>
+                </a14:hiddenFill>
+              </a:ext>
+              <a:ext uri="{91240B29-F687-4F45-9708-019B960494DF}">
+                <a14:hiddenLine xmlns:a14="http://schemas.microsoft.com/office/drawing/2010/main" w="9525">
+                  <a:solidFill>
+                    <a:srgbClr val="000000"/>
+                  </a:solidFill>
+                  <a:miter lim="800000"/>
+                  <a:headEnd/>
+                  <a:tailEnd/>
+                </a14:hiddenLine>
+              </a:ext>
+            </a:extLst>
+          </p:spPr>
+          <p:txBody>
+            <a:bodyPr vert="horz" wrap="square" lIns="91440" tIns="45720" rIns="91440" bIns="45720" numCol="1" anchor="t" anchorCtr="0" compatLnSpc="1">
+              <a:prstTxWarp prst="textNoShape">
+                <a:avLst/>
+              </a:prstTxWarp>
+            </a:bodyPr>
+            <a:lstStyle/>
+            <a:p>
+              <a:pPr marL="0" marR="0" lvl="0" indent="0" algn="ctr" defTabSz="914400" rtl="0" eaLnBrk="0" fontAlgn="base" latinLnBrk="0" hangingPunct="0">
+                <a:lnSpc>
+                  <a:spcPct val="100000"/>
+                </a:lnSpc>
+                <a:spcBef>
+                  <a:spcPct val="0"/>
+                </a:spcBef>
+                <a:spcAft>
+                  <a:spcPct val="0"/>
+                </a:spcAft>
+                <a:buClrTx/>
+                <a:buSzTx/>
+                <a:buFontTx/>
+                <a:buNone/>
+                <a:tabLst/>
+              </a:pPr>
+              <a:br>
+                <a:rPr kumimoji="0" lang="fr-FR" altLang="en-US" sz="1000" b="0" i="0" u="none" strike="noStrike" cap="none" normalizeH="0" baseline="0">
+                  <a:ln>
+                    <a:noFill/>
+                  </a:ln>
+                  <a:solidFill>
+                    <a:schemeClr val="tx1"/>
+                  </a:solidFill>
+                  <a:effectLst/>
+                  <a:latin typeface="Arial" panose="020B0604020202020204" pitchFamily="34" charset="0"/>
+                  <a:ea typeface="Times New Roman" panose="02020603050405020304" pitchFamily="18" charset="0"/>
+                </a:rPr>
+              </a:br>
+              <a:r>
+                <a:rPr kumimoji="0" lang="fr-FR" altLang="en-US" sz="1000" b="0" i="0" u="none" strike="noStrike" cap="none" normalizeH="0" baseline="0">
+                  <a:ln>
+                    <a:noFill/>
+                  </a:ln>
+                  <a:solidFill>
+                    <a:schemeClr val="tx1"/>
+                  </a:solidFill>
+                  <a:effectLst/>
+                  <a:latin typeface="Arial" panose="020B0604020202020204" pitchFamily="34" charset="0"/>
+                  <a:ea typeface="Times New Roman" panose="02020603050405020304" pitchFamily="18" charset="0"/>
+                </a:rPr>
+                <a:t>Patient Identity Source </a:t>
+              </a:r>
+              <a:endParaRPr kumimoji="0" lang="fr-FR" altLang="en-US" sz="1800" b="0" i="0" u="none" strike="noStrike" cap="none" normalizeH="0" baseline="0">
                 <a:ln>
                   <a:noFill/>
                 </a:ln>
@@ -4725,11 +5158,315 @@
                 </a:solidFill>
                 <a:effectLst/>
                 <a:latin typeface="Arial" panose="020B0604020202020204" pitchFamily="34" charset="0"/>
-                <a:ea typeface="Times New Roman" panose="02020603050405020304" pitchFamily="18" charset="0"/>
-              </a:rPr>
-            </a:br>
-            <a:r>
-              <a:rPr kumimoji="0" lang="en-US" altLang="en-US" sz="1000" b="0" i="0" u="none" strike="noStrike" cap="none" normalizeH="0" baseline="0">
+              </a:endParaRPr>
+            </a:p>
+          </p:txBody>
+        </p:sp>
+        <p:sp>
+          <p:nvSpPr>
+            <p:cNvPr id="26" name="Line 12">
+              <a:extLst>
+                <a:ext uri="{FF2B5EF4-FFF2-40B4-BE49-F238E27FC236}">
+                  <a16:creationId xmlns:a16="http://schemas.microsoft.com/office/drawing/2014/main" id="{202665D9-D1EF-4842-984F-3766980C1BBC}"/>
+                </a:ext>
+              </a:extLst>
+            </p:cNvPr>
+            <p:cNvSpPr>
+              <a:spLocks noChangeShapeType="1"/>
+            </p:cNvSpPr>
+            <p:nvPr/>
+          </p:nvSpPr>
+          <p:spPr bwMode="auto">
+            <a:xfrm>
+              <a:off x="4094163" y="1279525"/>
+              <a:ext cx="0" cy="914400"/>
+            </a:xfrm>
+            <a:prstGeom prst="line">
+              <a:avLst/>
+            </a:prstGeom>
+            <a:noFill/>
+            <a:ln w="28575">
+              <a:solidFill>
+                <a:srgbClr val="000000"/>
+              </a:solidFill>
+              <a:round/>
+              <a:headEnd/>
+              <a:tailEnd/>
+            </a:ln>
+            <a:extLst>
+              <a:ext uri="{909E8E84-426E-40DD-AFC4-6F175D3DCCD1}">
+                <a14:hiddenFill xmlns:a14="http://schemas.microsoft.com/office/drawing/2010/main">
+                  <a:noFill/>
+                </a14:hiddenFill>
+              </a:ext>
+            </a:extLst>
+          </p:spPr>
+          <p:txBody>
+            <a:bodyPr vert="horz" wrap="square" lIns="91440" tIns="45720" rIns="91440" bIns="45720" numCol="1" anchor="t" anchorCtr="0" compatLnSpc="1">
+              <a:prstTxWarp prst="textNoShape">
+                <a:avLst/>
+              </a:prstTxWarp>
+            </a:bodyPr>
+            <a:lstStyle/>
+            <a:p>
+              <a:endParaRPr lang="en-US"/>
+            </a:p>
+          </p:txBody>
+        </p:sp>
+        <p:sp>
+          <p:nvSpPr>
+            <p:cNvPr id="27" name="Text Box 11">
+              <a:extLst>
+                <a:ext uri="{FF2B5EF4-FFF2-40B4-BE49-F238E27FC236}">
+                  <a16:creationId xmlns:a16="http://schemas.microsoft.com/office/drawing/2014/main" id="{586728E8-A024-2E45-A99F-51394978C8A2}"/>
+                </a:ext>
+              </a:extLst>
+            </p:cNvPr>
+            <p:cNvSpPr txBox="1">
+              <a:spLocks noChangeArrowheads="1"/>
+            </p:cNvSpPr>
+            <p:nvPr/>
+          </p:nvSpPr>
+          <p:spPr bwMode="auto">
+            <a:xfrm>
+              <a:off x="1943100" y="1257300"/>
+              <a:ext cx="2263775" cy="701675"/>
+            </a:xfrm>
+            <a:prstGeom prst="rect">
+              <a:avLst/>
+            </a:prstGeom>
+            <a:noFill/>
+            <a:ln>
+              <a:noFill/>
+            </a:ln>
+            <a:extLst>
+              <a:ext uri="{909E8E84-426E-40DD-AFC4-6F175D3DCCD1}">
+                <a14:hiddenFill xmlns:a14="http://schemas.microsoft.com/office/drawing/2010/main">
+                  <a:solidFill>
+                    <a:srgbClr val="FFFFFF"/>
+                  </a:solidFill>
+                </a14:hiddenFill>
+              </a:ext>
+              <a:ext uri="{91240B29-F687-4F45-9708-019B960494DF}">
+                <a14:hiddenLine xmlns:a14="http://schemas.microsoft.com/office/drawing/2010/main" w="9525">
+                  <a:solidFill>
+                    <a:srgbClr val="000000"/>
+                  </a:solidFill>
+                  <a:miter lim="800000"/>
+                  <a:headEnd/>
+                  <a:tailEnd/>
+                </a14:hiddenLine>
+              </a:ext>
+            </a:extLst>
+          </p:spPr>
+          <p:txBody>
+            <a:bodyPr vert="horz" wrap="square" lIns="91440" tIns="45720" rIns="91440" bIns="45720" numCol="1" anchor="t" anchorCtr="0" compatLnSpc="1">
+              <a:prstTxWarp prst="textNoShape">
+                <a:avLst/>
+              </a:prstTxWarp>
+            </a:bodyPr>
+            <a:lstStyle>
+              <a:lvl1pPr eaLnBrk="0" fontAlgn="base" hangingPunct="0">
+                <a:spcBef>
+                  <a:spcPct val="0"/>
+                </a:spcBef>
+                <a:spcAft>
+                  <a:spcPct val="0"/>
+                </a:spcAft>
+                <a:tabLst>
+                  <a:tab pos="2286000" algn="r"/>
+                </a:tabLst>
+                <a:defRPr>
+                  <a:solidFill>
+                    <a:schemeClr val="tx1"/>
+                  </a:solidFill>
+                  <a:latin typeface="Arial" panose="020B0604020202020204" pitchFamily="34" charset="0"/>
+                </a:defRPr>
+              </a:lvl1pPr>
+              <a:lvl2pPr eaLnBrk="0" fontAlgn="base" hangingPunct="0">
+                <a:spcBef>
+                  <a:spcPct val="0"/>
+                </a:spcBef>
+                <a:spcAft>
+                  <a:spcPct val="0"/>
+                </a:spcAft>
+                <a:tabLst>
+                  <a:tab pos="2286000" algn="r"/>
+                </a:tabLst>
+                <a:defRPr>
+                  <a:solidFill>
+                    <a:schemeClr val="tx1"/>
+                  </a:solidFill>
+                  <a:latin typeface="Arial" panose="020B0604020202020204" pitchFamily="34" charset="0"/>
+                </a:defRPr>
+              </a:lvl2pPr>
+              <a:lvl3pPr eaLnBrk="0" fontAlgn="base" hangingPunct="0">
+                <a:spcBef>
+                  <a:spcPct val="0"/>
+                </a:spcBef>
+                <a:spcAft>
+                  <a:spcPct val="0"/>
+                </a:spcAft>
+                <a:tabLst>
+                  <a:tab pos="2286000" algn="r"/>
+                </a:tabLst>
+                <a:defRPr>
+                  <a:solidFill>
+                    <a:schemeClr val="tx1"/>
+                  </a:solidFill>
+                  <a:latin typeface="Arial" panose="020B0604020202020204" pitchFamily="34" charset="0"/>
+                </a:defRPr>
+              </a:lvl3pPr>
+              <a:lvl4pPr eaLnBrk="0" fontAlgn="base" hangingPunct="0">
+                <a:spcBef>
+                  <a:spcPct val="0"/>
+                </a:spcBef>
+                <a:spcAft>
+                  <a:spcPct val="0"/>
+                </a:spcAft>
+                <a:tabLst>
+                  <a:tab pos="2286000" algn="r"/>
+                </a:tabLst>
+                <a:defRPr>
+                  <a:solidFill>
+                    <a:schemeClr val="tx1"/>
+                  </a:solidFill>
+                  <a:latin typeface="Arial" panose="020B0604020202020204" pitchFamily="34" charset="0"/>
+                </a:defRPr>
+              </a:lvl4pPr>
+              <a:lvl5pPr eaLnBrk="0" fontAlgn="base" hangingPunct="0">
+                <a:spcBef>
+                  <a:spcPct val="0"/>
+                </a:spcBef>
+                <a:spcAft>
+                  <a:spcPct val="0"/>
+                </a:spcAft>
+                <a:tabLst>
+                  <a:tab pos="2286000" algn="r"/>
+                </a:tabLst>
+                <a:defRPr>
+                  <a:solidFill>
+                    <a:schemeClr val="tx1"/>
+                  </a:solidFill>
+                  <a:latin typeface="Arial" panose="020B0604020202020204" pitchFamily="34" charset="0"/>
+                </a:defRPr>
+              </a:lvl5pPr>
+              <a:lvl6pPr eaLnBrk="0" fontAlgn="base" hangingPunct="0">
+                <a:spcBef>
+                  <a:spcPct val="0"/>
+                </a:spcBef>
+                <a:spcAft>
+                  <a:spcPct val="0"/>
+                </a:spcAft>
+                <a:tabLst>
+                  <a:tab pos="2286000" algn="r"/>
+                </a:tabLst>
+                <a:defRPr>
+                  <a:solidFill>
+                    <a:schemeClr val="tx1"/>
+                  </a:solidFill>
+                  <a:latin typeface="Arial" panose="020B0604020202020204" pitchFamily="34" charset="0"/>
+                </a:defRPr>
+              </a:lvl6pPr>
+              <a:lvl7pPr eaLnBrk="0" fontAlgn="base" hangingPunct="0">
+                <a:spcBef>
+                  <a:spcPct val="0"/>
+                </a:spcBef>
+                <a:spcAft>
+                  <a:spcPct val="0"/>
+                </a:spcAft>
+                <a:tabLst>
+                  <a:tab pos="2286000" algn="r"/>
+                </a:tabLst>
+                <a:defRPr>
+                  <a:solidFill>
+                    <a:schemeClr val="tx1"/>
+                  </a:solidFill>
+                  <a:latin typeface="Arial" panose="020B0604020202020204" pitchFamily="34" charset="0"/>
+                </a:defRPr>
+              </a:lvl7pPr>
+              <a:lvl8pPr eaLnBrk="0" fontAlgn="base" hangingPunct="0">
+                <a:spcBef>
+                  <a:spcPct val="0"/>
+                </a:spcBef>
+                <a:spcAft>
+                  <a:spcPct val="0"/>
+                </a:spcAft>
+                <a:tabLst>
+                  <a:tab pos="2286000" algn="r"/>
+                </a:tabLst>
+                <a:defRPr>
+                  <a:solidFill>
+                    <a:schemeClr val="tx1"/>
+                  </a:solidFill>
+                  <a:latin typeface="Arial" panose="020B0604020202020204" pitchFamily="34" charset="0"/>
+                </a:defRPr>
+              </a:lvl8pPr>
+              <a:lvl9pPr eaLnBrk="0" fontAlgn="base" hangingPunct="0">
+                <a:spcBef>
+                  <a:spcPct val="0"/>
+                </a:spcBef>
+                <a:spcAft>
+                  <a:spcPct val="0"/>
+                </a:spcAft>
+                <a:tabLst>
+                  <a:tab pos="2286000" algn="r"/>
+                </a:tabLst>
+                <a:defRPr>
+                  <a:solidFill>
+                    <a:schemeClr val="tx1"/>
+                  </a:solidFill>
+                  <a:latin typeface="Arial" panose="020B0604020202020204" pitchFamily="34" charset="0"/>
+                </a:defRPr>
+              </a:lvl9pPr>
+            </a:lstStyle>
+            <a:p>
+              <a:pPr marL="0" marR="0" lvl="0" indent="0" algn="l" defTabSz="914400" rtl="0" eaLnBrk="0" fontAlgn="base" latinLnBrk="0" hangingPunct="0">
+                <a:lnSpc>
+                  <a:spcPct val="100000"/>
+                </a:lnSpc>
+                <a:spcBef>
+                  <a:spcPct val="0"/>
+                </a:spcBef>
+                <a:spcAft>
+                  <a:spcPct val="0"/>
+                </a:spcAft>
+                <a:buClrTx/>
+                <a:buSzTx/>
+                <a:buFontTx/>
+                <a:buNone/>
+                <a:tabLst>
+                  <a:tab pos="2286000" algn="r"/>
+                </a:tabLst>
+              </a:pPr>
+              <a:br>
+                <a:rPr kumimoji="0" lang="fr-FR" altLang="en-US" sz="1000" b="0" i="0" u="none" strike="noStrike" cap="none" normalizeH="0" baseline="0">
+                  <a:ln>
+                    <a:noFill/>
+                  </a:ln>
+                  <a:solidFill>
+                    <a:schemeClr val="tx1"/>
+                  </a:solidFill>
+                  <a:effectLst/>
+                  <a:latin typeface="Arial" panose="020B0604020202020204" pitchFamily="34" charset="0"/>
+                  <a:ea typeface="Times New Roman" panose="02020603050405020304" pitchFamily="18" charset="0"/>
+                </a:rPr>
+              </a:br>
+              <a:r>
+                <a:rPr kumimoji="0" lang="fr-FR" altLang="en-US" sz="1000" b="0" i="0" u="none" strike="noStrike" cap="none" normalizeH="0" baseline="0">
+                  <a:ln>
+                    <a:noFill/>
+                  </a:ln>
+                  <a:solidFill>
+                    <a:schemeClr val="tx1"/>
+                  </a:solidFill>
+                  <a:effectLst/>
+                  <a:latin typeface="Arial" panose="020B0604020202020204" pitchFamily="34" charset="0"/>
+                  <a:ea typeface="Times New Roman" panose="02020603050405020304" pitchFamily="18" charset="0"/>
+                </a:rPr>
+                <a:t>Patient Identity Feed [ITI-8]</a:t>
+              </a:r>
+              <a:endParaRPr kumimoji="0" lang="fr-FR" altLang="en-US" sz="1000" b="0" i="0" u="none" strike="noStrike" cap="none" normalizeH="0" baseline="0">
                 <a:ln>
                   <a:noFill/>
                 </a:ln>
@@ -4738,12 +5475,138 @@
                 </a:solidFill>
                 <a:effectLst/>
                 <a:latin typeface="Arial" panose="020B0604020202020204" pitchFamily="34" charset="0"/>
-                <a:ea typeface="Times New Roman" panose="02020603050405020304" pitchFamily="18" charset="0"/>
-              </a:rPr>
-              <a:t>Retrieve Document Set [ITI-43]</a:t>
-            </a:r>
-            <a:br>
-              <a:rPr kumimoji="0" lang="en-US" altLang="en-US" sz="1000" b="0" i="0" u="none" strike="noStrike" cap="none" normalizeH="0" baseline="0">
+              </a:endParaRPr>
+            </a:p>
+            <a:p>
+              <a:pPr marL="0" marR="0" lvl="0" indent="0" algn="l" defTabSz="914400" rtl="0" eaLnBrk="0" fontAlgn="base" latinLnBrk="0" hangingPunct="0">
+                <a:lnSpc>
+                  <a:spcPct val="100000"/>
+                </a:lnSpc>
+                <a:spcBef>
+                  <a:spcPct val="0"/>
+                </a:spcBef>
+                <a:spcAft>
+                  <a:spcPct val="0"/>
+                </a:spcAft>
+                <a:buClrTx/>
+                <a:buSzTx/>
+                <a:buFontTx/>
+                <a:buNone/>
+                <a:tabLst>
+                  <a:tab pos="2286000" algn="r"/>
+                </a:tabLst>
+              </a:pPr>
+              <a:r>
+                <a:rPr kumimoji="0" lang="fr-FR" altLang="en-US" sz="1000" b="0" i="0" u="none" strike="noStrike" cap="none" normalizeH="0" baseline="0">
+                  <a:ln>
+                    <a:noFill/>
+                  </a:ln>
+                  <a:solidFill>
+                    <a:schemeClr val="tx1"/>
+                  </a:solidFill>
+                  <a:effectLst/>
+                  <a:latin typeface="Arial" panose="020B0604020202020204" pitchFamily="34" charset="0"/>
+                  <a:ea typeface="Times New Roman" panose="02020603050405020304" pitchFamily="18" charset="0"/>
+                </a:rPr>
+                <a:t>Patient Identity Feed HL7v3 [ITI-44] </a:t>
+              </a:r>
+              <a:r>
+                <a:rPr kumimoji="0" lang="fr-FR" altLang="en-US" sz="1000" b="0" i="0" u="none" strike="noStrike" cap="none" normalizeH="0" baseline="0">
+                  <a:ln>
+                    <a:noFill/>
+                  </a:ln>
+                  <a:solidFill>
+                    <a:schemeClr val="tx1"/>
+                  </a:solidFill>
+                  <a:effectLst/>
+                  <a:latin typeface="Times New Roman" panose="02020603050405020304" pitchFamily="18" charset="0"/>
+                  <a:ea typeface="Times New Roman" panose="02020603050405020304" pitchFamily="18" charset="0"/>
+                  <a:sym typeface="Symbol" pitchFamily="2" charset="2"/>
+                </a:rPr>
+                <a:t></a:t>
+              </a:r>
+            </a:p>
+          </p:txBody>
+        </p:sp>
+        <p:sp>
+          <p:nvSpPr>
+            <p:cNvPr id="28" name="Text Box 10">
+              <a:extLst>
+                <a:ext uri="{FF2B5EF4-FFF2-40B4-BE49-F238E27FC236}">
+                  <a16:creationId xmlns:a16="http://schemas.microsoft.com/office/drawing/2014/main" id="{7E1A239F-AA69-0E4A-ADD1-2B78A9CA3022}"/>
+                </a:ext>
+              </a:extLst>
+            </p:cNvPr>
+            <p:cNvSpPr txBox="1">
+              <a:spLocks noChangeArrowheads="1"/>
+            </p:cNvSpPr>
+            <p:nvPr/>
+          </p:nvSpPr>
+          <p:spPr bwMode="auto">
+            <a:xfrm>
+              <a:off x="577850" y="4356100"/>
+              <a:ext cx="2743200" cy="342900"/>
+            </a:xfrm>
+            <a:prstGeom prst="rect">
+              <a:avLst/>
+            </a:prstGeom>
+            <a:solidFill>
+              <a:srgbClr val="FFFFFF"/>
+            </a:solidFill>
+            <a:ln>
+              <a:noFill/>
+            </a:ln>
+            <a:extLst>
+              <a:ext uri="{91240B29-F687-4F45-9708-019B960494DF}">
+                <a14:hiddenLine xmlns:a14="http://schemas.microsoft.com/office/drawing/2010/main" w="9525">
+                  <a:solidFill>
+                    <a:srgbClr val="000000"/>
+                  </a:solidFill>
+                  <a:miter lim="800000"/>
+                  <a:headEnd/>
+                  <a:tailEnd/>
+                </a14:hiddenLine>
+              </a:ext>
+            </a:extLst>
+          </p:spPr>
+          <p:txBody>
+            <a:bodyPr vert="horz" wrap="square" lIns="91440" tIns="45720" rIns="91440" bIns="45720" numCol="1" anchor="t" anchorCtr="0" compatLnSpc="1">
+              <a:prstTxWarp prst="textNoShape">
+                <a:avLst/>
+              </a:prstTxWarp>
+            </a:bodyPr>
+            <a:lstStyle/>
+            <a:p>
+              <a:pPr marL="0" marR="0" lvl="0" indent="0" algn="l" defTabSz="914400" rtl="0" eaLnBrk="0" fontAlgn="base" latinLnBrk="0" hangingPunct="0">
+                <a:lnSpc>
+                  <a:spcPct val="100000"/>
+                </a:lnSpc>
+                <a:spcBef>
+                  <a:spcPct val="0"/>
+                </a:spcBef>
+                <a:spcAft>
+                  <a:spcPct val="0"/>
+                </a:spcAft>
+                <a:buClrTx/>
+                <a:buSzTx/>
+                <a:buFontTx/>
+                <a:buNone/>
+                <a:tabLst/>
+              </a:pPr>
+              <a:r>
+                <a:rPr kumimoji="0" lang="en-GB" altLang="en-US" sz="1000" b="0" i="0" u="none" strike="noStrike" cap="none" normalizeH="0" baseline="0">
+                  <a:ln>
+                    <a:noFill/>
+                  </a:ln>
+                  <a:solidFill>
+                    <a:schemeClr val="tx1"/>
+                  </a:solidFill>
+                  <a:effectLst/>
+                  <a:ea typeface="Times New Roman" panose="02020603050405020304" pitchFamily="18" charset="0"/>
+                </a:rPr>
+                <a:t>Integrated Document Source/Repository</a:t>
+              </a:r>
+              <a:endParaRPr kumimoji="0" lang="en-GB" altLang="en-US" sz="1800" b="0" i="0" u="none" strike="noStrike" cap="none" normalizeH="0" baseline="0">
                 <a:ln>
                   <a:noFill/>
                 </a:ln>
@@ -4752,11 +5615,433 @@
                 </a:solidFill>
                 <a:effectLst/>
                 <a:latin typeface="Arial" panose="020B0604020202020204" pitchFamily="34" charset="0"/>
-                <a:ea typeface="Times New Roman" panose="02020603050405020304" pitchFamily="18" charset="0"/>
-              </a:rPr>
-            </a:br>
-            <a:r>
-              <a:rPr kumimoji="0" lang="fr-FR" altLang="en-US" sz="1000" b="0" i="0" u="none" strike="noStrike" cap="none" normalizeH="0" baseline="0">
+              </a:endParaRPr>
+            </a:p>
+          </p:txBody>
+        </p:sp>
+        <p:sp>
+          <p:nvSpPr>
+            <p:cNvPr id="29" name="Line 9">
+              <a:extLst>
+                <a:ext uri="{FF2B5EF4-FFF2-40B4-BE49-F238E27FC236}">
+                  <a16:creationId xmlns:a16="http://schemas.microsoft.com/office/drawing/2014/main" id="{1555E7E3-A07F-FE45-B869-6FFF6BB2BCBB}"/>
+                </a:ext>
+              </a:extLst>
+            </p:cNvPr>
+            <p:cNvSpPr>
+              <a:spLocks noChangeShapeType="1"/>
+            </p:cNvSpPr>
+            <p:nvPr/>
+          </p:nvSpPr>
+          <p:spPr bwMode="auto">
+            <a:xfrm>
+              <a:off x="4246563" y="1279525"/>
+              <a:ext cx="0" cy="914400"/>
+            </a:xfrm>
+            <a:prstGeom prst="line">
+              <a:avLst/>
+            </a:prstGeom>
+            <a:noFill/>
+            <a:ln w="28575">
+              <a:solidFill>
+                <a:srgbClr val="000000"/>
+              </a:solidFill>
+              <a:round/>
+              <a:headEnd/>
+              <a:tailEnd/>
+            </a:ln>
+            <a:extLst>
+              <a:ext uri="{909E8E84-426E-40DD-AFC4-6F175D3DCCD1}">
+                <a14:hiddenFill xmlns:a14="http://schemas.microsoft.com/office/drawing/2010/main">
+                  <a:noFill/>
+                </a14:hiddenFill>
+              </a:ext>
+            </a:extLst>
+          </p:spPr>
+          <p:txBody>
+            <a:bodyPr vert="horz" wrap="square" lIns="91440" tIns="45720" rIns="91440" bIns="45720" numCol="1" anchor="t" anchorCtr="0" compatLnSpc="1">
+              <a:prstTxWarp prst="textNoShape">
+                <a:avLst/>
+              </a:prstTxWarp>
+            </a:bodyPr>
+            <a:lstStyle/>
+            <a:p>
+              <a:endParaRPr lang="en-US"/>
+            </a:p>
+          </p:txBody>
+        </p:sp>
+        <p:sp>
+          <p:nvSpPr>
+            <p:cNvPr id="30" name="Rectangle 8">
+              <a:extLst>
+                <a:ext uri="{FF2B5EF4-FFF2-40B4-BE49-F238E27FC236}">
+                  <a16:creationId xmlns:a16="http://schemas.microsoft.com/office/drawing/2014/main" id="{674513CC-462F-FB4D-8620-B0F2C5ADE8EE}"/>
+                </a:ext>
+              </a:extLst>
+            </p:cNvPr>
+            <p:cNvSpPr>
+              <a:spLocks noChangeArrowheads="1"/>
+            </p:cNvSpPr>
+            <p:nvPr/>
+          </p:nvSpPr>
+          <p:spPr bwMode="auto">
+            <a:xfrm>
+              <a:off x="228600" y="2171700"/>
+              <a:ext cx="1371600" cy="571500"/>
+            </a:xfrm>
+            <a:prstGeom prst="rect">
+              <a:avLst/>
+            </a:prstGeom>
+            <a:solidFill>
+              <a:srgbClr val="FFFFFF"/>
+            </a:solidFill>
+            <a:ln w="38100">
+              <a:solidFill>
+                <a:srgbClr val="000000"/>
+              </a:solidFill>
+              <a:miter lim="800000"/>
+              <a:headEnd/>
+              <a:tailEnd/>
+            </a:ln>
+          </p:spPr>
+          <p:txBody>
+            <a:bodyPr vert="horz" wrap="square" lIns="91440" tIns="45720" rIns="91440" bIns="45720" numCol="1" anchor="t" anchorCtr="0" compatLnSpc="1">
+              <a:prstTxWarp prst="textNoShape">
+                <a:avLst/>
+              </a:prstTxWarp>
+            </a:bodyPr>
+            <a:lstStyle/>
+            <a:p>
+              <a:endParaRPr lang="en-US"/>
+            </a:p>
+          </p:txBody>
+        </p:sp>
+        <p:sp>
+          <p:nvSpPr>
+            <p:cNvPr id="31" name="Text Box 7">
+              <a:extLst>
+                <a:ext uri="{FF2B5EF4-FFF2-40B4-BE49-F238E27FC236}">
+                  <a16:creationId xmlns:a16="http://schemas.microsoft.com/office/drawing/2014/main" id="{252AD6F6-B815-F347-AE57-8F1F858378B3}"/>
+                </a:ext>
+              </a:extLst>
+            </p:cNvPr>
+            <p:cNvSpPr txBox="1">
+              <a:spLocks noChangeArrowheads="1"/>
+            </p:cNvSpPr>
+            <p:nvPr/>
+          </p:nvSpPr>
+          <p:spPr bwMode="auto">
+            <a:xfrm>
+              <a:off x="228600" y="2171700"/>
+              <a:ext cx="1371600" cy="571500"/>
+            </a:xfrm>
+            <a:prstGeom prst="rect">
+              <a:avLst/>
+            </a:prstGeom>
+            <a:noFill/>
+            <a:ln>
+              <a:noFill/>
+            </a:ln>
+            <a:extLst>
+              <a:ext uri="{909E8E84-426E-40DD-AFC4-6F175D3DCCD1}">
+                <a14:hiddenFill xmlns:a14="http://schemas.microsoft.com/office/drawing/2010/main">
+                  <a:solidFill>
+                    <a:srgbClr val="FFFFFF"/>
+                  </a:solidFill>
+                </a14:hiddenFill>
+              </a:ext>
+              <a:ext uri="{91240B29-F687-4F45-9708-019B960494DF}">
+                <a14:hiddenLine xmlns:a14="http://schemas.microsoft.com/office/drawing/2010/main" w="9525">
+                  <a:solidFill>
+                    <a:srgbClr val="000000"/>
+                  </a:solidFill>
+                  <a:miter lim="800000"/>
+                  <a:headEnd/>
+                  <a:tailEnd/>
+                </a14:hiddenLine>
+              </a:ext>
+            </a:extLst>
+          </p:spPr>
+          <p:txBody>
+            <a:bodyPr vert="horz" wrap="square" lIns="91440" tIns="45720" rIns="91440" bIns="45720" numCol="1" anchor="t" anchorCtr="0" compatLnSpc="1">
+              <a:prstTxWarp prst="textNoShape">
+                <a:avLst/>
+              </a:prstTxWarp>
+            </a:bodyPr>
+            <a:lstStyle/>
+            <a:p>
+              <a:pPr marL="0" marR="0" lvl="0" indent="0" algn="ctr" defTabSz="914400" rtl="0" eaLnBrk="0" fontAlgn="base" latinLnBrk="0" hangingPunct="0">
+                <a:lnSpc>
+                  <a:spcPct val="100000"/>
+                </a:lnSpc>
+                <a:spcBef>
+                  <a:spcPct val="0"/>
+                </a:spcBef>
+                <a:spcAft>
+                  <a:spcPct val="0"/>
+                </a:spcAft>
+                <a:buClrTx/>
+                <a:buSzTx/>
+                <a:buFontTx/>
+                <a:buNone/>
+                <a:tabLst/>
+              </a:pPr>
+              <a:br>
+                <a:rPr kumimoji="0" lang="fr-FR" altLang="en-US" sz="1000" b="0" i="0" u="none" strike="noStrike" cap="none" normalizeH="0" baseline="0">
+                  <a:ln>
+                    <a:noFill/>
+                  </a:ln>
+                  <a:solidFill>
+                    <a:schemeClr val="tx1"/>
+                  </a:solidFill>
+                  <a:effectLst/>
+                  <a:latin typeface="Arial" panose="020B0604020202020204" pitchFamily="34" charset="0"/>
+                  <a:ea typeface="Times New Roman" panose="02020603050405020304" pitchFamily="18" charset="0"/>
+                </a:rPr>
+              </a:br>
+              <a:r>
+                <a:rPr kumimoji="0" lang="fr-FR" altLang="en-US" sz="1000" b="0" i="0" u="none" strike="noStrike" cap="none" normalizeH="0" baseline="0">
+                  <a:ln>
+                    <a:noFill/>
+                  </a:ln>
+                  <a:solidFill>
+                    <a:schemeClr val="tx1"/>
+                  </a:solidFill>
+                  <a:effectLst/>
+                  <a:latin typeface="Arial" panose="020B0604020202020204" pitchFamily="34" charset="0"/>
+                  <a:ea typeface="Times New Roman" panose="02020603050405020304" pitchFamily="18" charset="0"/>
+                </a:rPr>
+                <a:t>On-Demand Document Source</a:t>
+              </a:r>
+              <a:endParaRPr kumimoji="0" lang="fr-FR" altLang="en-US" sz="1800" b="0" i="0" u="none" strike="noStrike" cap="none" normalizeH="0" baseline="0">
+                <a:ln>
+                  <a:noFill/>
+                </a:ln>
+                <a:solidFill>
+                  <a:schemeClr val="tx1"/>
+                </a:solidFill>
+                <a:effectLst/>
+                <a:latin typeface="Arial" panose="020B0604020202020204" pitchFamily="34" charset="0"/>
+              </a:endParaRPr>
+            </a:p>
+          </p:txBody>
+        </p:sp>
+        <p:sp>
+          <p:nvSpPr>
+            <p:cNvPr id="32" name="Line 6">
+              <a:extLst>
+                <a:ext uri="{FF2B5EF4-FFF2-40B4-BE49-F238E27FC236}">
+                  <a16:creationId xmlns:a16="http://schemas.microsoft.com/office/drawing/2014/main" id="{0868321E-F4CB-3B4D-BC10-395EA23B349D}"/>
+                </a:ext>
+              </a:extLst>
+            </p:cNvPr>
+            <p:cNvSpPr>
+              <a:spLocks noChangeShapeType="1"/>
+            </p:cNvSpPr>
+            <p:nvPr/>
+          </p:nvSpPr>
+          <p:spPr bwMode="auto">
+            <a:xfrm>
+              <a:off x="7315200" y="457200"/>
+              <a:ext cx="0" cy="1714500"/>
+            </a:xfrm>
+            <a:prstGeom prst="line">
+              <a:avLst/>
+            </a:prstGeom>
+            <a:noFill/>
+            <a:ln w="28575">
+              <a:solidFill>
+                <a:srgbClr val="000000"/>
+              </a:solidFill>
+              <a:round/>
+              <a:headEnd/>
+              <a:tailEnd/>
+            </a:ln>
+            <a:extLst>
+              <a:ext uri="{909E8E84-426E-40DD-AFC4-6F175D3DCCD1}">
+                <a14:hiddenFill xmlns:a14="http://schemas.microsoft.com/office/drawing/2010/main">
+                  <a:noFill/>
+                </a14:hiddenFill>
+              </a:ext>
+            </a:extLst>
+          </p:spPr>
+          <p:txBody>
+            <a:bodyPr vert="horz" wrap="square" lIns="91440" tIns="45720" rIns="91440" bIns="45720" numCol="1" anchor="t" anchorCtr="0" compatLnSpc="1">
+              <a:prstTxWarp prst="textNoShape">
+                <a:avLst/>
+              </a:prstTxWarp>
+            </a:bodyPr>
+            <a:lstStyle/>
+            <a:p>
+              <a:endParaRPr lang="en-US"/>
+            </a:p>
+          </p:txBody>
+        </p:sp>
+        <p:sp>
+          <p:nvSpPr>
+            <p:cNvPr id="33" name="Line 5">
+              <a:extLst>
+                <a:ext uri="{FF2B5EF4-FFF2-40B4-BE49-F238E27FC236}">
+                  <a16:creationId xmlns:a16="http://schemas.microsoft.com/office/drawing/2014/main" id="{E9EF014D-C53E-7842-8C43-22E381332F23}"/>
+                </a:ext>
+              </a:extLst>
+            </p:cNvPr>
+            <p:cNvSpPr>
+              <a:spLocks noChangeShapeType="1"/>
+            </p:cNvSpPr>
+            <p:nvPr/>
+          </p:nvSpPr>
+          <p:spPr bwMode="auto">
+            <a:xfrm>
+              <a:off x="1600200" y="2514600"/>
+              <a:ext cx="1828800" cy="0"/>
+            </a:xfrm>
+            <a:prstGeom prst="line">
+              <a:avLst/>
+            </a:prstGeom>
+            <a:noFill/>
+            <a:ln w="28575">
+              <a:solidFill>
+                <a:srgbClr val="000000"/>
+              </a:solidFill>
+              <a:round/>
+              <a:headEnd/>
+              <a:tailEnd/>
+            </a:ln>
+            <a:extLst>
+              <a:ext uri="{909E8E84-426E-40DD-AFC4-6F175D3DCCD1}">
+                <a14:hiddenFill xmlns:a14="http://schemas.microsoft.com/office/drawing/2010/main">
+                  <a:noFill/>
+                </a14:hiddenFill>
+              </a:ext>
+            </a:extLst>
+          </p:spPr>
+          <p:txBody>
+            <a:bodyPr vert="horz" wrap="square" lIns="91440" tIns="45720" rIns="91440" bIns="45720" numCol="1" anchor="t" anchorCtr="0" compatLnSpc="1">
+              <a:prstTxWarp prst="textNoShape">
+                <a:avLst/>
+              </a:prstTxWarp>
+            </a:bodyPr>
+            <a:lstStyle/>
+            <a:p>
+              <a:endParaRPr lang="en-US"/>
+            </a:p>
+          </p:txBody>
+        </p:sp>
+        <p:sp>
+          <p:nvSpPr>
+            <p:cNvPr id="34" name="Text Box 4">
+              <a:extLst>
+                <a:ext uri="{FF2B5EF4-FFF2-40B4-BE49-F238E27FC236}">
+                  <a16:creationId xmlns:a16="http://schemas.microsoft.com/office/drawing/2014/main" id="{9A0C4D22-1584-6F4D-92C3-1C03804A6520}"/>
+                </a:ext>
+              </a:extLst>
+            </p:cNvPr>
+            <p:cNvSpPr txBox="1">
+              <a:spLocks noChangeArrowheads="1"/>
+            </p:cNvSpPr>
+            <p:nvPr/>
+          </p:nvSpPr>
+          <p:spPr bwMode="auto">
+            <a:xfrm>
+              <a:off x="1600200" y="2057400"/>
+              <a:ext cx="1714500" cy="457200"/>
+            </a:xfrm>
+            <a:prstGeom prst="rect">
+              <a:avLst/>
+            </a:prstGeom>
+            <a:noFill/>
+            <a:ln>
+              <a:noFill/>
+            </a:ln>
+            <a:extLst>
+              <a:ext uri="{909E8E84-426E-40DD-AFC4-6F175D3DCCD1}">
+                <a14:hiddenFill xmlns:a14="http://schemas.microsoft.com/office/drawing/2010/main">
+                  <a:solidFill>
+                    <a:srgbClr val="FFFFFF"/>
+                  </a:solidFill>
+                </a14:hiddenFill>
+              </a:ext>
+              <a:ext uri="{91240B29-F687-4F45-9708-019B960494DF}">
+                <a14:hiddenLine xmlns:a14="http://schemas.microsoft.com/office/drawing/2010/main" w="9525">
+                  <a:solidFill>
+                    <a:srgbClr val="000000"/>
+                  </a:solidFill>
+                  <a:miter lim="800000"/>
+                  <a:headEnd/>
+                  <a:tailEnd/>
+                </a14:hiddenLine>
+              </a:ext>
+            </a:extLst>
+          </p:spPr>
+          <p:txBody>
+            <a:bodyPr vert="horz" wrap="square" lIns="91440" tIns="45720" rIns="91440" bIns="45720" numCol="1" anchor="t" anchorCtr="0" compatLnSpc="1">
+              <a:prstTxWarp prst="textNoShape">
+                <a:avLst/>
+              </a:prstTxWarp>
+            </a:bodyPr>
+            <a:lstStyle/>
+            <a:p>
+              <a:pPr marL="0" marR="0" lvl="0" indent="0" algn="ctr" defTabSz="914400" rtl="0" eaLnBrk="0" fontAlgn="base" latinLnBrk="0" hangingPunct="0">
+                <a:lnSpc>
+                  <a:spcPct val="100000"/>
+                </a:lnSpc>
+                <a:spcBef>
+                  <a:spcPct val="0"/>
+                </a:spcBef>
+                <a:spcAft>
+                  <a:spcPct val="0"/>
+                </a:spcAft>
+                <a:buClrTx/>
+                <a:buSzTx/>
+                <a:buFontTx/>
+                <a:buNone/>
+                <a:tabLst/>
+              </a:pPr>
+              <a:r>
+                <a:rPr kumimoji="0" lang="fr-FR" altLang="en-US" sz="1000" b="0" i="0" u="none" strike="noStrike" cap="none" normalizeH="0" baseline="0">
+                  <a:ln>
+                    <a:noFill/>
+                  </a:ln>
+                  <a:solidFill>
+                    <a:schemeClr val="tx1"/>
+                  </a:solidFill>
+                  <a:effectLst/>
+                  <a:latin typeface="Arial" panose="020B0604020202020204" pitchFamily="34" charset="0"/>
+                  <a:ea typeface="Times New Roman" panose="02020603050405020304" pitchFamily="18" charset="0"/>
+                </a:rPr>
+                <a:t>Register On-Demand Document Entry [ITI-61] </a:t>
+              </a:r>
+              <a:r>
+                <a:rPr kumimoji="0" lang="fr-FR" altLang="en-US" sz="1000" b="0" i="0" u="none" strike="noStrike" cap="none" normalizeH="0" baseline="0">
+                  <a:ln>
+                    <a:noFill/>
+                  </a:ln>
+                  <a:solidFill>
+                    <a:schemeClr val="tx1"/>
+                  </a:solidFill>
+                  <a:effectLst/>
+                  <a:latin typeface="Arial" panose="020B0604020202020204" pitchFamily="34" charset="0"/>
+                  <a:ea typeface="Times New Roman" panose="02020603050405020304" pitchFamily="18" charset="0"/>
+                  <a:cs typeface="Arial" panose="020B0604020202020204" pitchFamily="34" charset="0"/>
+                  <a:sym typeface="Symbol" pitchFamily="2" charset="2"/>
+                </a:rPr>
+                <a:t></a:t>
+              </a:r>
+              <a:r>
+                <a:rPr kumimoji="0" lang="fr-FR" altLang="en-US" sz="1000" b="0" i="0" u="none" strike="noStrike" cap="none" normalizeH="0" baseline="0">
+                  <a:ln>
+                    <a:noFill/>
+                  </a:ln>
+                  <a:solidFill>
+                    <a:schemeClr val="tx1"/>
+                  </a:solidFill>
+                  <a:effectLst/>
+                  <a:ea typeface="Times New Roman" panose="02020603050405020304" pitchFamily="18" charset="0"/>
+                </a:rPr>
+                <a:t> </a:t>
+              </a:r>
+              <a:endParaRPr kumimoji="0" lang="fr-FR" altLang="en-US" sz="1000" b="0" i="0" u="none" strike="noStrike" cap="none" normalizeH="0" baseline="0">
                 <a:ln>
                   <a:noFill/>
                 </a:ln>
@@ -4768,1486 +6053,229 @@
                 <a:ea typeface="Times New Roman" panose="02020603050405020304" pitchFamily="18" charset="0"/>
                 <a:cs typeface="Arial" panose="020B0604020202020204" pitchFamily="34" charset="0"/>
                 <a:sym typeface="Symbol" pitchFamily="2" charset="2"/>
-              </a:rPr>
-              <a:t></a:t>
-            </a:r>
-          </a:p>
-        </p:txBody>
-      </p:sp>
-      <p:sp>
-        <p:nvSpPr>
-          <p:cNvPr id="22" name="Text Box 16">
-            <a:extLst>
-              <a:ext uri="{FF2B5EF4-FFF2-40B4-BE49-F238E27FC236}">
-                <a16:creationId xmlns:a16="http://schemas.microsoft.com/office/drawing/2014/main" id="{5B5D0235-8D25-E549-8842-CBA9AA308130}"/>
-              </a:ext>
-            </a:extLst>
-          </p:cNvPr>
-          <p:cNvSpPr txBox="1">
-            <a:spLocks noChangeArrowheads="1"/>
-          </p:cNvSpPr>
-          <p:nvPr/>
-        </p:nvSpPr>
-        <p:spPr bwMode="auto">
-          <a:xfrm>
-            <a:off x="5035550" y="1955800"/>
-            <a:ext cx="1352550" cy="457200"/>
-          </a:xfrm>
-          <a:prstGeom prst="rect">
-            <a:avLst/>
-          </a:prstGeom>
-          <a:noFill/>
-          <a:ln>
+              </a:endParaRPr>
+            </a:p>
+          </p:txBody>
+        </p:sp>
+        <p:sp>
+          <p:nvSpPr>
+            <p:cNvPr id="35" name="Text Box 3">
+              <a:extLst>
+                <a:ext uri="{FF2B5EF4-FFF2-40B4-BE49-F238E27FC236}">
+                  <a16:creationId xmlns:a16="http://schemas.microsoft.com/office/drawing/2014/main" id="{31A38428-33A0-0346-BBAC-07DD5ADFDC9C}"/>
+                </a:ext>
+              </a:extLst>
+            </p:cNvPr>
+            <p:cNvSpPr txBox="1">
+              <a:spLocks noChangeArrowheads="1"/>
+            </p:cNvSpPr>
+            <p:nvPr/>
+          </p:nvSpPr>
+          <p:spPr bwMode="auto">
+            <a:xfrm>
+              <a:off x="6400800" y="914400"/>
+              <a:ext cx="914400" cy="571500"/>
+            </a:xfrm>
+            <a:prstGeom prst="rect">
+              <a:avLst/>
+            </a:prstGeom>
             <a:noFill/>
-          </a:ln>
-          <a:extLst>
-            <a:ext uri="{909E8E84-426E-40DD-AFC4-6F175D3DCCD1}">
-              <a14:hiddenFill xmlns:a14="http://schemas.microsoft.com/office/drawing/2010/main">
-                <a:solidFill>
-                  <a:srgbClr val="FFFFFF"/>
-                </a:solidFill>
-              </a14:hiddenFill>
-            </a:ext>
-            <a:ext uri="{91240B29-F687-4F45-9708-019B960494DF}">
-              <a14:hiddenLine xmlns:a14="http://schemas.microsoft.com/office/drawing/2010/main" w="9525">
-                <a:solidFill>
-                  <a:srgbClr val="000000"/>
-                </a:solidFill>
-                <a:miter lim="800000"/>
-                <a:headEnd/>
-                <a:tailEnd/>
-              </a14:hiddenLine>
-            </a:ext>
-          </a:extLst>
-        </p:spPr>
-        <p:txBody>
-          <a:bodyPr vert="horz" wrap="square" lIns="91440" tIns="45720" rIns="91440" bIns="45720" numCol="1" anchor="t" anchorCtr="0" compatLnSpc="1">
-            <a:prstTxWarp prst="textNoShape">
+            <a:ln>
+              <a:noFill/>
+            </a:ln>
+            <a:extLst>
+              <a:ext uri="{909E8E84-426E-40DD-AFC4-6F175D3DCCD1}">
+                <a14:hiddenFill xmlns:a14="http://schemas.microsoft.com/office/drawing/2010/main">
+                  <a:solidFill>
+                    <a:srgbClr val="FFFFFF"/>
+                  </a:solidFill>
+                </a14:hiddenFill>
+              </a:ext>
+              <a:ext uri="{91240B29-F687-4F45-9708-019B960494DF}">
+                <a14:hiddenLine xmlns:a14="http://schemas.microsoft.com/office/drawing/2010/main" w="9525">
+                  <a:solidFill>
+                    <a:srgbClr val="000000"/>
+                  </a:solidFill>
+                  <a:miter lim="800000"/>
+                  <a:headEnd/>
+                  <a:tailEnd/>
+                </a14:hiddenLine>
+              </a:ext>
+            </a:extLst>
+          </p:spPr>
+          <p:txBody>
+            <a:bodyPr vert="horz" wrap="square" lIns="91440" tIns="45720" rIns="91440" bIns="45720" numCol="1" anchor="t" anchorCtr="0" compatLnSpc="1">
+              <a:prstTxWarp prst="textNoShape">
+                <a:avLst/>
+              </a:prstTxWarp>
+            </a:bodyPr>
+            <a:lstStyle/>
+            <a:p>
+              <a:pPr marL="0" marR="0" lvl="0" indent="0" algn="ctr" defTabSz="914400" rtl="0" eaLnBrk="0" fontAlgn="base" latinLnBrk="0" hangingPunct="0">
+                <a:lnSpc>
+                  <a:spcPct val="100000"/>
+                </a:lnSpc>
+                <a:spcBef>
+                  <a:spcPct val="0"/>
+                </a:spcBef>
+                <a:spcAft>
+                  <a:spcPct val="0"/>
+                </a:spcAft>
+                <a:buClrTx/>
+                <a:buSzTx/>
+                <a:buFontTx/>
+                <a:buNone/>
+                <a:tabLst/>
+              </a:pPr>
+              <a:r>
+                <a:rPr kumimoji="0" lang="en-US" altLang="en-US" sz="1000" b="0" i="0" u="none" strike="noStrike" cap="none" normalizeH="0" baseline="0">
+                  <a:ln>
+                    <a:noFill/>
+                  </a:ln>
+                  <a:solidFill>
+                    <a:schemeClr val="tx1"/>
+                  </a:solidFill>
+                  <a:effectLst/>
+                  <a:latin typeface="Arial" panose="020B0604020202020204" pitchFamily="34" charset="0"/>
+                  <a:ea typeface="Times New Roman" panose="02020603050405020304" pitchFamily="18" charset="0"/>
+                </a:rPr>
+                <a:t>Retrieve Document Set [ITI-43]</a:t>
+              </a:r>
+              <a:r>
+                <a:rPr kumimoji="0" lang="fr-FR" altLang="en-US" sz="1000" b="0" i="0" u="none" strike="noStrike" cap="none" normalizeH="0" baseline="0">
+                  <a:ln>
+                    <a:noFill/>
+                  </a:ln>
+                  <a:solidFill>
+                    <a:schemeClr val="tx1"/>
+                  </a:solidFill>
+                  <a:effectLst/>
+                  <a:latin typeface="Arial" panose="020B0604020202020204" pitchFamily="34" charset="0"/>
+                  <a:ea typeface="Times New Roman" panose="02020603050405020304" pitchFamily="18" charset="0"/>
+                </a:rPr>
+                <a:t> </a:t>
+              </a:r>
+              <a:r>
+                <a:rPr kumimoji="0" lang="fr-FR" altLang="en-US" sz="1000" b="0" i="0" u="none" strike="noStrike" cap="none" normalizeH="0" baseline="0">
+                  <a:ln>
+                    <a:noFill/>
+                  </a:ln>
+                  <a:solidFill>
+                    <a:schemeClr val="tx1"/>
+                  </a:solidFill>
+                  <a:effectLst/>
+                  <a:latin typeface="Times New Roman" panose="02020603050405020304" pitchFamily="18" charset="0"/>
+                  <a:ea typeface="Times New Roman" panose="02020603050405020304" pitchFamily="18" charset="0"/>
+                  <a:sym typeface="Symbol" pitchFamily="2" charset="2"/>
+                </a:rPr>
+                <a:t></a:t>
+              </a:r>
+            </a:p>
+          </p:txBody>
+        </p:sp>
+        <p:sp>
+          <p:nvSpPr>
+            <p:cNvPr id="36" name="Line 2">
+              <a:extLst>
+                <a:ext uri="{FF2B5EF4-FFF2-40B4-BE49-F238E27FC236}">
+                  <a16:creationId xmlns:a16="http://schemas.microsoft.com/office/drawing/2014/main" id="{7D0A5B0B-B94D-C643-8FC6-80768EECF8D7}"/>
+                </a:ext>
+              </a:extLst>
+            </p:cNvPr>
+            <p:cNvSpPr>
+              <a:spLocks noChangeShapeType="1"/>
+            </p:cNvSpPr>
+            <p:nvPr/>
+          </p:nvSpPr>
+          <p:spPr bwMode="auto">
+            <a:xfrm flipH="1" flipV="1">
+              <a:off x="800100" y="457200"/>
+              <a:ext cx="6515100" cy="0"/>
+            </a:xfrm>
+            <a:prstGeom prst="line">
               <a:avLst/>
-            </a:prstTxWarp>
-          </a:bodyPr>
-          <a:lstStyle/>
-          <a:p>
-            <a:pPr marL="0" marR="0" lvl="0" indent="0" algn="ctr" defTabSz="914400" rtl="0" eaLnBrk="0" fontAlgn="base" latinLnBrk="0" hangingPunct="0">
-              <a:lnSpc>
-                <a:spcPct val="100000"/>
-              </a:lnSpc>
-              <a:spcBef>
-                <a:spcPct val="0"/>
-              </a:spcBef>
-              <a:spcAft>
-                <a:spcPct val="0"/>
-              </a:spcAft>
-              <a:buClrTx/>
-              <a:buSzTx/>
-              <a:buFontTx/>
-              <a:buNone/>
-              <a:tabLst/>
-            </a:pPr>
-            <a:r>
-              <a:rPr kumimoji="0" lang="fr-FR" altLang="en-US" sz="1000" b="0" i="0" u="none" strike="noStrike" cap="none" normalizeH="0" baseline="0">
-                <a:ln>
+            </a:prstGeom>
+            <a:noFill/>
+            <a:ln w="28575">
+              <a:solidFill>
+                <a:srgbClr val="000000"/>
+              </a:solidFill>
+              <a:round/>
+              <a:headEnd/>
+              <a:tailEnd/>
+            </a:ln>
+            <a:extLst>
+              <a:ext uri="{909E8E84-426E-40DD-AFC4-6F175D3DCCD1}">
+                <a14:hiddenFill xmlns:a14="http://schemas.microsoft.com/office/drawing/2010/main">
                   <a:noFill/>
-                </a:ln>
-                <a:solidFill>
-                  <a:schemeClr val="tx1"/>
-                </a:solidFill>
-                <a:effectLst/>
-                <a:ea typeface="Times New Roman" panose="02020603050405020304" pitchFamily="18" charset="0"/>
-              </a:rPr>
-              <a:t>Registry Stored Query</a:t>
-            </a:r>
-            <a:br>
-              <a:rPr kumimoji="0" lang="fr-FR" altLang="en-US" sz="1000" b="0" i="0" u="none" strike="noStrike" cap="none" normalizeH="0" baseline="0">
-                <a:ln>
+                </a14:hiddenFill>
+              </a:ext>
+            </a:extLst>
+          </p:spPr>
+          <p:txBody>
+            <a:bodyPr vert="horz" wrap="square" lIns="91440" tIns="45720" rIns="91440" bIns="45720" numCol="1" anchor="t" anchorCtr="0" compatLnSpc="1">
+              <a:prstTxWarp prst="textNoShape">
+                <a:avLst/>
+              </a:prstTxWarp>
+            </a:bodyPr>
+            <a:lstStyle/>
+            <a:p>
+              <a:endParaRPr lang="en-US"/>
+            </a:p>
+          </p:txBody>
+        </p:sp>
+        <p:sp>
+          <p:nvSpPr>
+            <p:cNvPr id="37" name="Line 1">
+              <a:extLst>
+                <a:ext uri="{FF2B5EF4-FFF2-40B4-BE49-F238E27FC236}">
+                  <a16:creationId xmlns:a16="http://schemas.microsoft.com/office/drawing/2014/main" id="{329D23F6-45DF-D344-96E1-E4B19D0C65DF}"/>
+                </a:ext>
+              </a:extLst>
+            </p:cNvPr>
+            <p:cNvSpPr>
+              <a:spLocks noChangeShapeType="1"/>
+            </p:cNvSpPr>
+            <p:nvPr/>
+          </p:nvSpPr>
+          <p:spPr bwMode="auto">
+            <a:xfrm>
+              <a:off x="800100" y="457200"/>
+              <a:ext cx="0" cy="1714500"/>
+            </a:xfrm>
+            <a:prstGeom prst="line">
+              <a:avLst/>
+            </a:prstGeom>
+            <a:noFill/>
+            <a:ln w="28575">
+              <a:solidFill>
+                <a:srgbClr val="000000"/>
+              </a:solidFill>
+              <a:round/>
+              <a:headEnd/>
+              <a:tailEnd/>
+            </a:ln>
+            <a:extLst>
+              <a:ext uri="{909E8E84-426E-40DD-AFC4-6F175D3DCCD1}">
+                <a14:hiddenFill xmlns:a14="http://schemas.microsoft.com/office/drawing/2010/main">
                   <a:noFill/>
-                </a:ln>
-                <a:solidFill>
-                  <a:schemeClr val="tx1"/>
-                </a:solidFill>
-                <a:effectLst/>
-                <a:ea typeface="Times New Roman" panose="02020603050405020304" pitchFamily="18" charset="0"/>
-              </a:rPr>
-            </a:br>
-            <a:r>
-              <a:rPr kumimoji="0" lang="fr-FR" altLang="en-US" sz="1000" b="0" i="0" u="none" strike="noStrike" cap="none" normalizeH="0" baseline="0">
-                <a:ln>
-                  <a:noFill/>
-                </a:ln>
-                <a:solidFill>
-                  <a:schemeClr val="tx1"/>
-                </a:solidFill>
-                <a:effectLst/>
-                <a:latin typeface="Arial" panose="020B0604020202020204" pitchFamily="34" charset="0"/>
-                <a:ea typeface="Times New Roman" panose="02020603050405020304" pitchFamily="18" charset="0"/>
-              </a:rPr>
-              <a:t> [ITI-18] </a:t>
-            </a:r>
-            <a:r>
-              <a:rPr kumimoji="0" lang="fr-FR" altLang="en-US" sz="1000" b="0" i="0" u="none" strike="noStrike" cap="none" normalizeH="0" baseline="0">
-                <a:ln>
-                  <a:noFill/>
-                </a:ln>
-                <a:solidFill>
-                  <a:schemeClr val="tx1"/>
-                </a:solidFill>
-                <a:effectLst/>
-                <a:latin typeface="Arial" panose="020B0604020202020204" pitchFamily="34" charset="0"/>
-                <a:ea typeface="Times New Roman" panose="02020603050405020304" pitchFamily="18" charset="0"/>
-                <a:cs typeface="Arial" panose="020B0604020202020204" pitchFamily="34" charset="0"/>
-                <a:sym typeface="Symbol" pitchFamily="2" charset="2"/>
-              </a:rPr>
-              <a:t></a:t>
-            </a:r>
-            <a:r>
-              <a:rPr kumimoji="0" lang="fr-FR" altLang="en-US" sz="1000" b="0" i="0" u="none" strike="noStrike" cap="none" normalizeH="0" baseline="0">
-                <a:ln>
-                  <a:noFill/>
-                </a:ln>
-                <a:solidFill>
-                  <a:schemeClr val="tx1"/>
-                </a:solidFill>
-                <a:effectLst/>
-                <a:ea typeface="Times New Roman" panose="02020603050405020304" pitchFamily="18" charset="0"/>
-              </a:rPr>
-              <a:t> </a:t>
-            </a:r>
-            <a:endParaRPr kumimoji="0" lang="fr-FR" altLang="en-US" sz="1000" b="0" i="0" u="none" strike="noStrike" cap="none" normalizeH="0" baseline="0">
-              <a:ln>
-                <a:noFill/>
-              </a:ln>
-              <a:solidFill>
-                <a:schemeClr val="tx1"/>
-              </a:solidFill>
-              <a:effectLst/>
-              <a:latin typeface="Arial" panose="020B0604020202020204" pitchFamily="34" charset="0"/>
-              <a:ea typeface="Times New Roman" panose="02020603050405020304" pitchFamily="18" charset="0"/>
-              <a:cs typeface="Arial" panose="020B0604020202020204" pitchFamily="34" charset="0"/>
-              <a:sym typeface="Symbol" pitchFamily="2" charset="2"/>
-            </a:endParaRPr>
-          </a:p>
-        </p:txBody>
-      </p:sp>
-      <p:sp>
-        <p:nvSpPr>
-          <p:cNvPr id="23" name="Line 15">
-            <a:extLst>
-              <a:ext uri="{FF2B5EF4-FFF2-40B4-BE49-F238E27FC236}">
-                <a16:creationId xmlns:a16="http://schemas.microsoft.com/office/drawing/2014/main" id="{B76FEDA0-D10F-224E-A7AE-67C38E369120}"/>
-              </a:ext>
-            </a:extLst>
-          </p:cNvPr>
-          <p:cNvSpPr>
-            <a:spLocks noChangeShapeType="1"/>
-          </p:cNvSpPr>
-          <p:nvPr/>
-        </p:nvSpPr>
-        <p:spPr bwMode="auto">
-          <a:xfrm>
-            <a:off x="4821238" y="2413000"/>
-            <a:ext cx="1804987" cy="0"/>
-          </a:xfrm>
-          <a:prstGeom prst="line">
-            <a:avLst/>
-          </a:prstGeom>
-          <a:noFill/>
-          <a:ln w="28575">
-            <a:solidFill>
-              <a:srgbClr val="000000"/>
-            </a:solidFill>
-            <a:round/>
-            <a:headEnd/>
-            <a:tailEnd/>
-          </a:ln>
-          <a:extLst>
-            <a:ext uri="{909E8E84-426E-40DD-AFC4-6F175D3DCCD1}">
-              <a14:hiddenFill xmlns:a14="http://schemas.microsoft.com/office/drawing/2010/main">
-                <a:noFill/>
-              </a14:hiddenFill>
-            </a:ext>
-          </a:extLst>
-        </p:spPr>
-        <p:txBody>
-          <a:bodyPr vert="horz" wrap="square" lIns="91440" tIns="45720" rIns="91440" bIns="45720" numCol="1" anchor="t" anchorCtr="0" compatLnSpc="1">
-            <a:prstTxWarp prst="textNoShape">
-              <a:avLst/>
-            </a:prstTxWarp>
-          </a:bodyPr>
-          <a:lstStyle/>
-          <a:p>
-            <a:endParaRPr lang="en-US"/>
-          </a:p>
-        </p:txBody>
-      </p:sp>
-      <p:sp>
-        <p:nvSpPr>
-          <p:cNvPr id="24" name="Rectangle 14">
-            <a:extLst>
-              <a:ext uri="{FF2B5EF4-FFF2-40B4-BE49-F238E27FC236}">
-                <a16:creationId xmlns:a16="http://schemas.microsoft.com/office/drawing/2014/main" id="{D81B2265-6D92-8244-88E5-C46E31116D64}"/>
-              </a:ext>
-            </a:extLst>
-          </p:cNvPr>
-          <p:cNvSpPr>
-            <a:spLocks noChangeArrowheads="1"/>
-          </p:cNvSpPr>
-          <p:nvPr/>
-        </p:nvSpPr>
-        <p:spPr bwMode="auto">
-          <a:xfrm>
-            <a:off x="3454400" y="708025"/>
-            <a:ext cx="1371600" cy="571500"/>
-          </a:xfrm>
-          <a:prstGeom prst="rect">
-            <a:avLst/>
-          </a:prstGeom>
-          <a:solidFill>
-            <a:srgbClr val="FFFFFF"/>
-          </a:solidFill>
-          <a:ln w="38100">
-            <a:solidFill>
-              <a:srgbClr val="000000"/>
-            </a:solidFill>
-            <a:miter lim="800000"/>
-            <a:headEnd/>
-            <a:tailEnd/>
-          </a:ln>
-        </p:spPr>
-        <p:txBody>
-          <a:bodyPr vert="horz" wrap="square" lIns="91440" tIns="45720" rIns="91440" bIns="45720" numCol="1" anchor="t" anchorCtr="0" compatLnSpc="1">
-            <a:prstTxWarp prst="textNoShape">
-              <a:avLst/>
-            </a:prstTxWarp>
-          </a:bodyPr>
-          <a:lstStyle/>
-          <a:p>
-            <a:endParaRPr lang="en-US"/>
-          </a:p>
-        </p:txBody>
-      </p:sp>
-      <p:sp>
-        <p:nvSpPr>
-          <p:cNvPr id="25" name="Text Box 13">
-            <a:extLst>
-              <a:ext uri="{FF2B5EF4-FFF2-40B4-BE49-F238E27FC236}">
-                <a16:creationId xmlns:a16="http://schemas.microsoft.com/office/drawing/2014/main" id="{48A4ADC7-F3A2-D34A-97A8-C61D3121CD06}"/>
-              </a:ext>
-            </a:extLst>
-          </p:cNvPr>
-          <p:cNvSpPr txBox="1">
-            <a:spLocks noChangeArrowheads="1"/>
-          </p:cNvSpPr>
-          <p:nvPr/>
-        </p:nvSpPr>
-        <p:spPr bwMode="auto">
-          <a:xfrm>
-            <a:off x="3454400" y="755650"/>
-            <a:ext cx="1371600" cy="571500"/>
-          </a:xfrm>
-          <a:prstGeom prst="rect">
-            <a:avLst/>
-          </a:prstGeom>
-          <a:noFill/>
-          <a:ln>
-            <a:noFill/>
-          </a:ln>
-          <a:extLst>
-            <a:ext uri="{909E8E84-426E-40DD-AFC4-6F175D3DCCD1}">
-              <a14:hiddenFill xmlns:a14="http://schemas.microsoft.com/office/drawing/2010/main">
-                <a:solidFill>
-                  <a:srgbClr val="FFFFFF"/>
-                </a:solidFill>
-              </a14:hiddenFill>
-            </a:ext>
-            <a:ext uri="{91240B29-F687-4F45-9708-019B960494DF}">
-              <a14:hiddenLine xmlns:a14="http://schemas.microsoft.com/office/drawing/2010/main" w="9525">
-                <a:solidFill>
-                  <a:srgbClr val="000000"/>
-                </a:solidFill>
-                <a:miter lim="800000"/>
-                <a:headEnd/>
-                <a:tailEnd/>
-              </a14:hiddenLine>
-            </a:ext>
-          </a:extLst>
-        </p:spPr>
-        <p:txBody>
-          <a:bodyPr vert="horz" wrap="square" lIns="91440" tIns="45720" rIns="91440" bIns="45720" numCol="1" anchor="t" anchorCtr="0" compatLnSpc="1">
-            <a:prstTxWarp prst="textNoShape">
-              <a:avLst/>
-            </a:prstTxWarp>
-          </a:bodyPr>
-          <a:lstStyle/>
-          <a:p>
-            <a:pPr marL="0" marR="0" lvl="0" indent="0" algn="ctr" defTabSz="914400" rtl="0" eaLnBrk="0" fontAlgn="base" latinLnBrk="0" hangingPunct="0">
-              <a:lnSpc>
-                <a:spcPct val="100000"/>
-              </a:lnSpc>
-              <a:spcBef>
-                <a:spcPct val="0"/>
-              </a:spcBef>
-              <a:spcAft>
-                <a:spcPct val="0"/>
-              </a:spcAft>
-              <a:buClrTx/>
-              <a:buSzTx/>
-              <a:buFontTx/>
-              <a:buNone/>
-              <a:tabLst/>
-            </a:pPr>
-            <a:br>
-              <a:rPr kumimoji="0" lang="fr-FR" altLang="en-US" sz="1000" b="0" i="0" u="none" strike="noStrike" cap="none" normalizeH="0" baseline="0">
-                <a:ln>
-                  <a:noFill/>
-                </a:ln>
-                <a:solidFill>
-                  <a:schemeClr val="tx1"/>
-                </a:solidFill>
-                <a:effectLst/>
-                <a:latin typeface="Arial" panose="020B0604020202020204" pitchFamily="34" charset="0"/>
-                <a:ea typeface="Times New Roman" panose="02020603050405020304" pitchFamily="18" charset="0"/>
-              </a:rPr>
-            </a:br>
-            <a:r>
-              <a:rPr kumimoji="0" lang="fr-FR" altLang="en-US" sz="1000" b="0" i="0" u="none" strike="noStrike" cap="none" normalizeH="0" baseline="0">
-                <a:ln>
-                  <a:noFill/>
-                </a:ln>
-                <a:solidFill>
-                  <a:schemeClr val="tx1"/>
-                </a:solidFill>
-                <a:effectLst/>
-                <a:latin typeface="Arial" panose="020B0604020202020204" pitchFamily="34" charset="0"/>
-                <a:ea typeface="Times New Roman" panose="02020603050405020304" pitchFamily="18" charset="0"/>
-              </a:rPr>
-              <a:t>Patient Identity Source </a:t>
-            </a:r>
-            <a:endParaRPr kumimoji="0" lang="fr-FR" altLang="en-US" sz="1800" b="0" i="0" u="none" strike="noStrike" cap="none" normalizeH="0" baseline="0">
-              <a:ln>
-                <a:noFill/>
-              </a:ln>
-              <a:solidFill>
-                <a:schemeClr val="tx1"/>
-              </a:solidFill>
-              <a:effectLst/>
-              <a:latin typeface="Arial" panose="020B0604020202020204" pitchFamily="34" charset="0"/>
-            </a:endParaRPr>
-          </a:p>
-        </p:txBody>
-      </p:sp>
-      <p:sp>
-        <p:nvSpPr>
-          <p:cNvPr id="26" name="Line 12">
-            <a:extLst>
-              <a:ext uri="{FF2B5EF4-FFF2-40B4-BE49-F238E27FC236}">
-                <a16:creationId xmlns:a16="http://schemas.microsoft.com/office/drawing/2014/main" id="{202665D9-D1EF-4842-984F-3766980C1BBC}"/>
-              </a:ext>
-            </a:extLst>
-          </p:cNvPr>
-          <p:cNvSpPr>
-            <a:spLocks noChangeShapeType="1"/>
-          </p:cNvSpPr>
-          <p:nvPr/>
-        </p:nvSpPr>
-        <p:spPr bwMode="auto">
-          <a:xfrm>
-            <a:off x="4094163" y="1279525"/>
-            <a:ext cx="0" cy="914400"/>
-          </a:xfrm>
-          <a:prstGeom prst="line">
-            <a:avLst/>
-          </a:prstGeom>
-          <a:noFill/>
-          <a:ln w="28575">
-            <a:solidFill>
-              <a:srgbClr val="000000"/>
-            </a:solidFill>
-            <a:round/>
-            <a:headEnd/>
-            <a:tailEnd/>
-          </a:ln>
-          <a:extLst>
-            <a:ext uri="{909E8E84-426E-40DD-AFC4-6F175D3DCCD1}">
-              <a14:hiddenFill xmlns:a14="http://schemas.microsoft.com/office/drawing/2010/main">
-                <a:noFill/>
-              </a14:hiddenFill>
-            </a:ext>
-          </a:extLst>
-        </p:spPr>
-        <p:txBody>
-          <a:bodyPr vert="horz" wrap="square" lIns="91440" tIns="45720" rIns="91440" bIns="45720" numCol="1" anchor="t" anchorCtr="0" compatLnSpc="1">
-            <a:prstTxWarp prst="textNoShape">
-              <a:avLst/>
-            </a:prstTxWarp>
-          </a:bodyPr>
-          <a:lstStyle/>
-          <a:p>
-            <a:endParaRPr lang="en-US"/>
-          </a:p>
-        </p:txBody>
-      </p:sp>
-      <p:sp>
-        <p:nvSpPr>
-          <p:cNvPr id="27" name="Text Box 11">
-            <a:extLst>
-              <a:ext uri="{FF2B5EF4-FFF2-40B4-BE49-F238E27FC236}">
-                <a16:creationId xmlns:a16="http://schemas.microsoft.com/office/drawing/2014/main" id="{586728E8-A024-2E45-A99F-51394978C8A2}"/>
-              </a:ext>
-            </a:extLst>
-          </p:cNvPr>
-          <p:cNvSpPr txBox="1">
-            <a:spLocks noChangeArrowheads="1"/>
-          </p:cNvSpPr>
-          <p:nvPr/>
-        </p:nvSpPr>
-        <p:spPr bwMode="auto">
-          <a:xfrm>
-            <a:off x="1943100" y="1257300"/>
-            <a:ext cx="2263775" cy="701675"/>
-          </a:xfrm>
-          <a:prstGeom prst="rect">
-            <a:avLst/>
-          </a:prstGeom>
-          <a:noFill/>
-          <a:ln>
-            <a:noFill/>
-          </a:ln>
-          <a:extLst>
-            <a:ext uri="{909E8E84-426E-40DD-AFC4-6F175D3DCCD1}">
-              <a14:hiddenFill xmlns:a14="http://schemas.microsoft.com/office/drawing/2010/main">
-                <a:solidFill>
-                  <a:srgbClr val="FFFFFF"/>
-                </a:solidFill>
-              </a14:hiddenFill>
-            </a:ext>
-            <a:ext uri="{91240B29-F687-4F45-9708-019B960494DF}">
-              <a14:hiddenLine xmlns:a14="http://schemas.microsoft.com/office/drawing/2010/main" w="9525">
-                <a:solidFill>
-                  <a:srgbClr val="000000"/>
-                </a:solidFill>
-                <a:miter lim="800000"/>
-                <a:headEnd/>
-                <a:tailEnd/>
-              </a14:hiddenLine>
-            </a:ext>
-          </a:extLst>
-        </p:spPr>
-        <p:txBody>
-          <a:bodyPr vert="horz" wrap="square" lIns="91440" tIns="45720" rIns="91440" bIns="45720" numCol="1" anchor="t" anchorCtr="0" compatLnSpc="1">
-            <a:prstTxWarp prst="textNoShape">
-              <a:avLst/>
-            </a:prstTxWarp>
-          </a:bodyPr>
-          <a:lstStyle>
-            <a:lvl1pPr eaLnBrk="0" fontAlgn="base" hangingPunct="0">
-              <a:spcBef>
-                <a:spcPct val="0"/>
-              </a:spcBef>
-              <a:spcAft>
-                <a:spcPct val="0"/>
-              </a:spcAft>
-              <a:tabLst>
-                <a:tab pos="2286000" algn="r"/>
-              </a:tabLst>
-              <a:defRPr>
-                <a:solidFill>
-                  <a:schemeClr val="tx1"/>
-                </a:solidFill>
-                <a:latin typeface="Arial" panose="020B0604020202020204" pitchFamily="34" charset="0"/>
-              </a:defRPr>
-            </a:lvl1pPr>
-            <a:lvl2pPr eaLnBrk="0" fontAlgn="base" hangingPunct="0">
-              <a:spcBef>
-                <a:spcPct val="0"/>
-              </a:spcBef>
-              <a:spcAft>
-                <a:spcPct val="0"/>
-              </a:spcAft>
-              <a:tabLst>
-                <a:tab pos="2286000" algn="r"/>
-              </a:tabLst>
-              <a:defRPr>
-                <a:solidFill>
-                  <a:schemeClr val="tx1"/>
-                </a:solidFill>
-                <a:latin typeface="Arial" panose="020B0604020202020204" pitchFamily="34" charset="0"/>
-              </a:defRPr>
-            </a:lvl2pPr>
-            <a:lvl3pPr eaLnBrk="0" fontAlgn="base" hangingPunct="0">
-              <a:spcBef>
-                <a:spcPct val="0"/>
-              </a:spcBef>
-              <a:spcAft>
-                <a:spcPct val="0"/>
-              </a:spcAft>
-              <a:tabLst>
-                <a:tab pos="2286000" algn="r"/>
-              </a:tabLst>
-              <a:defRPr>
-                <a:solidFill>
-                  <a:schemeClr val="tx1"/>
-                </a:solidFill>
-                <a:latin typeface="Arial" panose="020B0604020202020204" pitchFamily="34" charset="0"/>
-              </a:defRPr>
-            </a:lvl3pPr>
-            <a:lvl4pPr eaLnBrk="0" fontAlgn="base" hangingPunct="0">
-              <a:spcBef>
-                <a:spcPct val="0"/>
-              </a:spcBef>
-              <a:spcAft>
-                <a:spcPct val="0"/>
-              </a:spcAft>
-              <a:tabLst>
-                <a:tab pos="2286000" algn="r"/>
-              </a:tabLst>
-              <a:defRPr>
-                <a:solidFill>
-                  <a:schemeClr val="tx1"/>
-                </a:solidFill>
-                <a:latin typeface="Arial" panose="020B0604020202020204" pitchFamily="34" charset="0"/>
-              </a:defRPr>
-            </a:lvl4pPr>
-            <a:lvl5pPr eaLnBrk="0" fontAlgn="base" hangingPunct="0">
-              <a:spcBef>
-                <a:spcPct val="0"/>
-              </a:spcBef>
-              <a:spcAft>
-                <a:spcPct val="0"/>
-              </a:spcAft>
-              <a:tabLst>
-                <a:tab pos="2286000" algn="r"/>
-              </a:tabLst>
-              <a:defRPr>
-                <a:solidFill>
-                  <a:schemeClr val="tx1"/>
-                </a:solidFill>
-                <a:latin typeface="Arial" panose="020B0604020202020204" pitchFamily="34" charset="0"/>
-              </a:defRPr>
-            </a:lvl5pPr>
-            <a:lvl6pPr eaLnBrk="0" fontAlgn="base" hangingPunct="0">
-              <a:spcBef>
-                <a:spcPct val="0"/>
-              </a:spcBef>
-              <a:spcAft>
-                <a:spcPct val="0"/>
-              </a:spcAft>
-              <a:tabLst>
-                <a:tab pos="2286000" algn="r"/>
-              </a:tabLst>
-              <a:defRPr>
-                <a:solidFill>
-                  <a:schemeClr val="tx1"/>
-                </a:solidFill>
-                <a:latin typeface="Arial" panose="020B0604020202020204" pitchFamily="34" charset="0"/>
-              </a:defRPr>
-            </a:lvl6pPr>
-            <a:lvl7pPr eaLnBrk="0" fontAlgn="base" hangingPunct="0">
-              <a:spcBef>
-                <a:spcPct val="0"/>
-              </a:spcBef>
-              <a:spcAft>
-                <a:spcPct val="0"/>
-              </a:spcAft>
-              <a:tabLst>
-                <a:tab pos="2286000" algn="r"/>
-              </a:tabLst>
-              <a:defRPr>
-                <a:solidFill>
-                  <a:schemeClr val="tx1"/>
-                </a:solidFill>
-                <a:latin typeface="Arial" panose="020B0604020202020204" pitchFamily="34" charset="0"/>
-              </a:defRPr>
-            </a:lvl7pPr>
-            <a:lvl8pPr eaLnBrk="0" fontAlgn="base" hangingPunct="0">
-              <a:spcBef>
-                <a:spcPct val="0"/>
-              </a:spcBef>
-              <a:spcAft>
-                <a:spcPct val="0"/>
-              </a:spcAft>
-              <a:tabLst>
-                <a:tab pos="2286000" algn="r"/>
-              </a:tabLst>
-              <a:defRPr>
-                <a:solidFill>
-                  <a:schemeClr val="tx1"/>
-                </a:solidFill>
-                <a:latin typeface="Arial" panose="020B0604020202020204" pitchFamily="34" charset="0"/>
-              </a:defRPr>
-            </a:lvl8pPr>
-            <a:lvl9pPr eaLnBrk="0" fontAlgn="base" hangingPunct="0">
-              <a:spcBef>
-                <a:spcPct val="0"/>
-              </a:spcBef>
-              <a:spcAft>
-                <a:spcPct val="0"/>
-              </a:spcAft>
-              <a:tabLst>
-                <a:tab pos="2286000" algn="r"/>
-              </a:tabLst>
-              <a:defRPr>
-                <a:solidFill>
-                  <a:schemeClr val="tx1"/>
-                </a:solidFill>
-                <a:latin typeface="Arial" panose="020B0604020202020204" pitchFamily="34" charset="0"/>
-              </a:defRPr>
-            </a:lvl9pPr>
-          </a:lstStyle>
-          <a:p>
-            <a:pPr marL="0" marR="0" lvl="0" indent="0" algn="l" defTabSz="914400" rtl="0" eaLnBrk="0" fontAlgn="base" latinLnBrk="0" hangingPunct="0">
-              <a:lnSpc>
-                <a:spcPct val="100000"/>
-              </a:lnSpc>
-              <a:spcBef>
-                <a:spcPct val="0"/>
-              </a:spcBef>
-              <a:spcAft>
-                <a:spcPct val="0"/>
-              </a:spcAft>
-              <a:buClrTx/>
-              <a:buSzTx/>
-              <a:buFontTx/>
-              <a:buNone/>
-              <a:tabLst>
-                <a:tab pos="2286000" algn="r"/>
-              </a:tabLst>
-            </a:pPr>
-            <a:br>
-              <a:rPr kumimoji="0" lang="fr-FR" altLang="en-US" sz="1000" b="0" i="0" u="none" strike="noStrike" cap="none" normalizeH="0" baseline="0">
-                <a:ln>
-                  <a:noFill/>
-                </a:ln>
-                <a:solidFill>
-                  <a:schemeClr val="tx1"/>
-                </a:solidFill>
-                <a:effectLst/>
-                <a:latin typeface="Arial" panose="020B0604020202020204" pitchFamily="34" charset="0"/>
-                <a:ea typeface="Times New Roman" panose="02020603050405020304" pitchFamily="18" charset="0"/>
-              </a:rPr>
-            </a:br>
-            <a:r>
-              <a:rPr kumimoji="0" lang="fr-FR" altLang="en-US" sz="1000" b="0" i="0" u="none" strike="noStrike" cap="none" normalizeH="0" baseline="0">
-                <a:ln>
-                  <a:noFill/>
-                </a:ln>
-                <a:solidFill>
-                  <a:schemeClr val="tx1"/>
-                </a:solidFill>
-                <a:effectLst/>
-                <a:latin typeface="Arial" panose="020B0604020202020204" pitchFamily="34" charset="0"/>
-                <a:ea typeface="Times New Roman" panose="02020603050405020304" pitchFamily="18" charset="0"/>
-              </a:rPr>
-              <a:t>Patient Identity Feed [ITI-8]</a:t>
-            </a:r>
-            <a:endParaRPr kumimoji="0" lang="fr-FR" altLang="en-US" sz="1000" b="0" i="0" u="none" strike="noStrike" cap="none" normalizeH="0" baseline="0">
-              <a:ln>
-                <a:noFill/>
-              </a:ln>
-              <a:solidFill>
-                <a:schemeClr val="tx1"/>
-              </a:solidFill>
-              <a:effectLst/>
-              <a:latin typeface="Arial" panose="020B0604020202020204" pitchFamily="34" charset="0"/>
-            </a:endParaRPr>
-          </a:p>
-          <a:p>
-            <a:pPr marL="0" marR="0" lvl="0" indent="0" algn="l" defTabSz="914400" rtl="0" eaLnBrk="0" fontAlgn="base" latinLnBrk="0" hangingPunct="0">
-              <a:lnSpc>
-                <a:spcPct val="100000"/>
-              </a:lnSpc>
-              <a:spcBef>
-                <a:spcPct val="0"/>
-              </a:spcBef>
-              <a:spcAft>
-                <a:spcPct val="0"/>
-              </a:spcAft>
-              <a:buClrTx/>
-              <a:buSzTx/>
-              <a:buFontTx/>
-              <a:buNone/>
-              <a:tabLst>
-                <a:tab pos="2286000" algn="r"/>
-              </a:tabLst>
-            </a:pPr>
-            <a:r>
-              <a:rPr kumimoji="0" lang="fr-FR" altLang="en-US" sz="1000" b="0" i="0" u="none" strike="noStrike" cap="none" normalizeH="0" baseline="0">
-                <a:ln>
-                  <a:noFill/>
-                </a:ln>
-                <a:solidFill>
-                  <a:schemeClr val="tx1"/>
-                </a:solidFill>
-                <a:effectLst/>
-                <a:latin typeface="Arial" panose="020B0604020202020204" pitchFamily="34" charset="0"/>
-                <a:ea typeface="Times New Roman" panose="02020603050405020304" pitchFamily="18" charset="0"/>
-              </a:rPr>
-              <a:t>Patient Identity Feed HL7v3 [ITI-44] </a:t>
-            </a:r>
-            <a:r>
-              <a:rPr kumimoji="0" lang="fr-FR" altLang="en-US" sz="1000" b="0" i="0" u="none" strike="noStrike" cap="none" normalizeH="0" baseline="0">
-                <a:ln>
-                  <a:noFill/>
-                </a:ln>
-                <a:solidFill>
-                  <a:schemeClr val="tx1"/>
-                </a:solidFill>
-                <a:effectLst/>
-                <a:latin typeface="Times New Roman" panose="02020603050405020304" pitchFamily="18" charset="0"/>
-                <a:ea typeface="Times New Roman" panose="02020603050405020304" pitchFamily="18" charset="0"/>
-                <a:sym typeface="Symbol" pitchFamily="2" charset="2"/>
-              </a:rPr>
-              <a:t></a:t>
-            </a:r>
-          </a:p>
-        </p:txBody>
-      </p:sp>
-      <p:sp>
-        <p:nvSpPr>
-          <p:cNvPr id="28" name="Text Box 10">
-            <a:extLst>
-              <a:ext uri="{FF2B5EF4-FFF2-40B4-BE49-F238E27FC236}">
-                <a16:creationId xmlns:a16="http://schemas.microsoft.com/office/drawing/2014/main" id="{7E1A239F-AA69-0E4A-ADD1-2B78A9CA3022}"/>
-              </a:ext>
-            </a:extLst>
-          </p:cNvPr>
-          <p:cNvSpPr txBox="1">
-            <a:spLocks noChangeArrowheads="1"/>
-          </p:cNvSpPr>
-          <p:nvPr/>
-        </p:nvSpPr>
-        <p:spPr bwMode="auto">
-          <a:xfrm>
-            <a:off x="577850" y="4356100"/>
-            <a:ext cx="2743200" cy="342900"/>
-          </a:xfrm>
-          <a:prstGeom prst="rect">
-            <a:avLst/>
-          </a:prstGeom>
-          <a:solidFill>
-            <a:srgbClr val="FFFFFF"/>
-          </a:solidFill>
-          <a:ln>
-            <a:noFill/>
-          </a:ln>
-          <a:extLst>
-            <a:ext uri="{91240B29-F687-4F45-9708-019B960494DF}">
-              <a14:hiddenLine xmlns:a14="http://schemas.microsoft.com/office/drawing/2010/main" w="9525">
-                <a:solidFill>
-                  <a:srgbClr val="000000"/>
-                </a:solidFill>
-                <a:miter lim="800000"/>
-                <a:headEnd/>
-                <a:tailEnd/>
-              </a14:hiddenLine>
-            </a:ext>
-          </a:extLst>
-        </p:spPr>
-        <p:txBody>
-          <a:bodyPr vert="horz" wrap="square" lIns="91440" tIns="45720" rIns="91440" bIns="45720" numCol="1" anchor="t" anchorCtr="0" compatLnSpc="1">
-            <a:prstTxWarp prst="textNoShape">
-              <a:avLst/>
-            </a:prstTxWarp>
-          </a:bodyPr>
-          <a:lstStyle/>
-          <a:p>
-            <a:pPr marL="0" marR="0" lvl="0" indent="0" algn="l" defTabSz="914400" rtl="0" eaLnBrk="0" fontAlgn="base" latinLnBrk="0" hangingPunct="0">
-              <a:lnSpc>
-                <a:spcPct val="100000"/>
-              </a:lnSpc>
-              <a:spcBef>
-                <a:spcPct val="0"/>
-              </a:spcBef>
-              <a:spcAft>
-                <a:spcPct val="0"/>
-              </a:spcAft>
-              <a:buClrTx/>
-              <a:buSzTx/>
-              <a:buFontTx/>
-              <a:buNone/>
-              <a:tabLst/>
-            </a:pPr>
-            <a:r>
-              <a:rPr kumimoji="0" lang="en-GB" altLang="en-US" sz="1000" b="0" i="0" u="none" strike="noStrike" cap="none" normalizeH="0" baseline="0">
-                <a:ln>
-                  <a:noFill/>
-                </a:ln>
-                <a:solidFill>
-                  <a:schemeClr val="tx1"/>
-                </a:solidFill>
-                <a:effectLst/>
-                <a:ea typeface="Times New Roman" panose="02020603050405020304" pitchFamily="18" charset="0"/>
-              </a:rPr>
-              <a:t>Integrated Document Source/Repository</a:t>
-            </a:r>
-            <a:endParaRPr kumimoji="0" lang="en-GB" altLang="en-US" sz="1800" b="0" i="0" u="none" strike="noStrike" cap="none" normalizeH="0" baseline="0">
-              <a:ln>
-                <a:noFill/>
-              </a:ln>
-              <a:solidFill>
-                <a:schemeClr val="tx1"/>
-              </a:solidFill>
-              <a:effectLst/>
-              <a:latin typeface="Arial" panose="020B0604020202020204" pitchFamily="34" charset="0"/>
-            </a:endParaRPr>
-          </a:p>
-        </p:txBody>
-      </p:sp>
-      <p:sp>
-        <p:nvSpPr>
-          <p:cNvPr id="29" name="Line 9">
-            <a:extLst>
-              <a:ext uri="{FF2B5EF4-FFF2-40B4-BE49-F238E27FC236}">
-                <a16:creationId xmlns:a16="http://schemas.microsoft.com/office/drawing/2014/main" id="{1555E7E3-A07F-FE45-B869-6FFF6BB2BCBB}"/>
-              </a:ext>
-            </a:extLst>
-          </p:cNvPr>
-          <p:cNvSpPr>
-            <a:spLocks noChangeShapeType="1"/>
-          </p:cNvSpPr>
-          <p:nvPr/>
-        </p:nvSpPr>
-        <p:spPr bwMode="auto">
-          <a:xfrm>
-            <a:off x="4246563" y="1279525"/>
-            <a:ext cx="0" cy="914400"/>
-          </a:xfrm>
-          <a:prstGeom prst="line">
-            <a:avLst/>
-          </a:prstGeom>
-          <a:noFill/>
-          <a:ln w="28575">
-            <a:solidFill>
-              <a:srgbClr val="000000"/>
-            </a:solidFill>
-            <a:round/>
-            <a:headEnd/>
-            <a:tailEnd/>
-          </a:ln>
-          <a:extLst>
-            <a:ext uri="{909E8E84-426E-40DD-AFC4-6F175D3DCCD1}">
-              <a14:hiddenFill xmlns:a14="http://schemas.microsoft.com/office/drawing/2010/main">
-                <a:noFill/>
-              </a14:hiddenFill>
-            </a:ext>
-          </a:extLst>
-        </p:spPr>
-        <p:txBody>
-          <a:bodyPr vert="horz" wrap="square" lIns="91440" tIns="45720" rIns="91440" bIns="45720" numCol="1" anchor="t" anchorCtr="0" compatLnSpc="1">
-            <a:prstTxWarp prst="textNoShape">
-              <a:avLst/>
-            </a:prstTxWarp>
-          </a:bodyPr>
-          <a:lstStyle/>
-          <a:p>
-            <a:endParaRPr lang="en-US"/>
-          </a:p>
-        </p:txBody>
-      </p:sp>
-      <p:sp>
-        <p:nvSpPr>
-          <p:cNvPr id="30" name="Rectangle 8">
-            <a:extLst>
-              <a:ext uri="{FF2B5EF4-FFF2-40B4-BE49-F238E27FC236}">
-                <a16:creationId xmlns:a16="http://schemas.microsoft.com/office/drawing/2014/main" id="{674513CC-462F-FB4D-8620-B0F2C5ADE8EE}"/>
-              </a:ext>
-            </a:extLst>
-          </p:cNvPr>
-          <p:cNvSpPr>
-            <a:spLocks noChangeArrowheads="1"/>
-          </p:cNvSpPr>
-          <p:nvPr/>
-        </p:nvSpPr>
-        <p:spPr bwMode="auto">
-          <a:xfrm>
-            <a:off x="228600" y="2171700"/>
-            <a:ext cx="1371600" cy="571500"/>
-          </a:xfrm>
-          <a:prstGeom prst="rect">
-            <a:avLst/>
-          </a:prstGeom>
-          <a:solidFill>
-            <a:srgbClr val="FFFFFF"/>
-          </a:solidFill>
-          <a:ln w="38100">
-            <a:solidFill>
-              <a:srgbClr val="000000"/>
-            </a:solidFill>
-            <a:miter lim="800000"/>
-            <a:headEnd/>
-            <a:tailEnd/>
-          </a:ln>
-        </p:spPr>
-        <p:txBody>
-          <a:bodyPr vert="horz" wrap="square" lIns="91440" tIns="45720" rIns="91440" bIns="45720" numCol="1" anchor="t" anchorCtr="0" compatLnSpc="1">
-            <a:prstTxWarp prst="textNoShape">
-              <a:avLst/>
-            </a:prstTxWarp>
-          </a:bodyPr>
-          <a:lstStyle/>
-          <a:p>
-            <a:endParaRPr lang="en-US"/>
-          </a:p>
-        </p:txBody>
-      </p:sp>
-      <p:sp>
-        <p:nvSpPr>
-          <p:cNvPr id="31" name="Text Box 7">
-            <a:extLst>
-              <a:ext uri="{FF2B5EF4-FFF2-40B4-BE49-F238E27FC236}">
-                <a16:creationId xmlns:a16="http://schemas.microsoft.com/office/drawing/2014/main" id="{252AD6F6-B815-F347-AE57-8F1F858378B3}"/>
-              </a:ext>
-            </a:extLst>
-          </p:cNvPr>
-          <p:cNvSpPr txBox="1">
-            <a:spLocks noChangeArrowheads="1"/>
-          </p:cNvSpPr>
-          <p:nvPr/>
-        </p:nvSpPr>
-        <p:spPr bwMode="auto">
-          <a:xfrm>
-            <a:off x="228600" y="2171700"/>
-            <a:ext cx="1371600" cy="571500"/>
-          </a:xfrm>
-          <a:prstGeom prst="rect">
-            <a:avLst/>
-          </a:prstGeom>
-          <a:noFill/>
-          <a:ln>
-            <a:noFill/>
-          </a:ln>
-          <a:extLst>
-            <a:ext uri="{909E8E84-426E-40DD-AFC4-6F175D3DCCD1}">
-              <a14:hiddenFill xmlns:a14="http://schemas.microsoft.com/office/drawing/2010/main">
-                <a:solidFill>
-                  <a:srgbClr val="FFFFFF"/>
-                </a:solidFill>
-              </a14:hiddenFill>
-            </a:ext>
-            <a:ext uri="{91240B29-F687-4F45-9708-019B960494DF}">
-              <a14:hiddenLine xmlns:a14="http://schemas.microsoft.com/office/drawing/2010/main" w="9525">
-                <a:solidFill>
-                  <a:srgbClr val="000000"/>
-                </a:solidFill>
-                <a:miter lim="800000"/>
-                <a:headEnd/>
-                <a:tailEnd/>
-              </a14:hiddenLine>
-            </a:ext>
-          </a:extLst>
-        </p:spPr>
-        <p:txBody>
-          <a:bodyPr vert="horz" wrap="square" lIns="91440" tIns="45720" rIns="91440" bIns="45720" numCol="1" anchor="t" anchorCtr="0" compatLnSpc="1">
-            <a:prstTxWarp prst="textNoShape">
-              <a:avLst/>
-            </a:prstTxWarp>
-          </a:bodyPr>
-          <a:lstStyle/>
-          <a:p>
-            <a:pPr marL="0" marR="0" lvl="0" indent="0" algn="ctr" defTabSz="914400" rtl="0" eaLnBrk="0" fontAlgn="base" latinLnBrk="0" hangingPunct="0">
-              <a:lnSpc>
-                <a:spcPct val="100000"/>
-              </a:lnSpc>
-              <a:spcBef>
-                <a:spcPct val="0"/>
-              </a:spcBef>
-              <a:spcAft>
-                <a:spcPct val="0"/>
-              </a:spcAft>
-              <a:buClrTx/>
-              <a:buSzTx/>
-              <a:buFontTx/>
-              <a:buNone/>
-              <a:tabLst/>
-            </a:pPr>
-            <a:br>
-              <a:rPr kumimoji="0" lang="fr-FR" altLang="en-US" sz="1000" b="0" i="0" u="none" strike="noStrike" cap="none" normalizeH="0" baseline="0">
-                <a:ln>
-                  <a:noFill/>
-                </a:ln>
-                <a:solidFill>
-                  <a:schemeClr val="tx1"/>
-                </a:solidFill>
-                <a:effectLst/>
-                <a:latin typeface="Arial" panose="020B0604020202020204" pitchFamily="34" charset="0"/>
-                <a:ea typeface="Times New Roman" panose="02020603050405020304" pitchFamily="18" charset="0"/>
-              </a:rPr>
-            </a:br>
-            <a:r>
-              <a:rPr kumimoji="0" lang="fr-FR" altLang="en-US" sz="1000" b="0" i="0" u="none" strike="noStrike" cap="none" normalizeH="0" baseline="0">
-                <a:ln>
-                  <a:noFill/>
-                </a:ln>
-                <a:solidFill>
-                  <a:schemeClr val="tx1"/>
-                </a:solidFill>
-                <a:effectLst/>
-                <a:latin typeface="Arial" panose="020B0604020202020204" pitchFamily="34" charset="0"/>
-                <a:ea typeface="Times New Roman" panose="02020603050405020304" pitchFamily="18" charset="0"/>
-              </a:rPr>
-              <a:t>On-Demand Document Source</a:t>
-            </a:r>
-            <a:endParaRPr kumimoji="0" lang="fr-FR" altLang="en-US" sz="1800" b="0" i="0" u="none" strike="noStrike" cap="none" normalizeH="0" baseline="0">
-              <a:ln>
-                <a:noFill/>
-              </a:ln>
-              <a:solidFill>
-                <a:schemeClr val="tx1"/>
-              </a:solidFill>
-              <a:effectLst/>
-              <a:latin typeface="Arial" panose="020B0604020202020204" pitchFamily="34" charset="0"/>
-            </a:endParaRPr>
-          </a:p>
-        </p:txBody>
-      </p:sp>
-      <p:sp>
-        <p:nvSpPr>
-          <p:cNvPr id="32" name="Line 6">
-            <a:extLst>
-              <a:ext uri="{FF2B5EF4-FFF2-40B4-BE49-F238E27FC236}">
-                <a16:creationId xmlns:a16="http://schemas.microsoft.com/office/drawing/2014/main" id="{0868321E-F4CB-3B4D-BC10-395EA23B349D}"/>
-              </a:ext>
-            </a:extLst>
-          </p:cNvPr>
-          <p:cNvSpPr>
-            <a:spLocks noChangeShapeType="1"/>
-          </p:cNvSpPr>
-          <p:nvPr/>
-        </p:nvSpPr>
-        <p:spPr bwMode="auto">
-          <a:xfrm>
-            <a:off x="7315200" y="457200"/>
-            <a:ext cx="0" cy="1714500"/>
-          </a:xfrm>
-          <a:prstGeom prst="line">
-            <a:avLst/>
-          </a:prstGeom>
-          <a:noFill/>
-          <a:ln w="28575">
-            <a:solidFill>
-              <a:srgbClr val="000000"/>
-            </a:solidFill>
-            <a:round/>
-            <a:headEnd/>
-            <a:tailEnd/>
-          </a:ln>
-          <a:extLst>
-            <a:ext uri="{909E8E84-426E-40DD-AFC4-6F175D3DCCD1}">
-              <a14:hiddenFill xmlns:a14="http://schemas.microsoft.com/office/drawing/2010/main">
-                <a:noFill/>
-              </a14:hiddenFill>
-            </a:ext>
-          </a:extLst>
-        </p:spPr>
-        <p:txBody>
-          <a:bodyPr vert="horz" wrap="square" lIns="91440" tIns="45720" rIns="91440" bIns="45720" numCol="1" anchor="t" anchorCtr="0" compatLnSpc="1">
-            <a:prstTxWarp prst="textNoShape">
-              <a:avLst/>
-            </a:prstTxWarp>
-          </a:bodyPr>
-          <a:lstStyle/>
-          <a:p>
-            <a:endParaRPr lang="en-US"/>
-          </a:p>
-        </p:txBody>
-      </p:sp>
-      <p:sp>
-        <p:nvSpPr>
-          <p:cNvPr id="33" name="Line 5">
-            <a:extLst>
-              <a:ext uri="{FF2B5EF4-FFF2-40B4-BE49-F238E27FC236}">
-                <a16:creationId xmlns:a16="http://schemas.microsoft.com/office/drawing/2014/main" id="{E9EF014D-C53E-7842-8C43-22E381332F23}"/>
-              </a:ext>
-            </a:extLst>
-          </p:cNvPr>
-          <p:cNvSpPr>
-            <a:spLocks noChangeShapeType="1"/>
-          </p:cNvSpPr>
-          <p:nvPr/>
-        </p:nvSpPr>
-        <p:spPr bwMode="auto">
-          <a:xfrm>
-            <a:off x="1600200" y="2514600"/>
-            <a:ext cx="1828800" cy="0"/>
-          </a:xfrm>
-          <a:prstGeom prst="line">
-            <a:avLst/>
-          </a:prstGeom>
-          <a:noFill/>
-          <a:ln w="28575">
-            <a:solidFill>
-              <a:srgbClr val="000000"/>
-            </a:solidFill>
-            <a:round/>
-            <a:headEnd/>
-            <a:tailEnd/>
-          </a:ln>
-          <a:extLst>
-            <a:ext uri="{909E8E84-426E-40DD-AFC4-6F175D3DCCD1}">
-              <a14:hiddenFill xmlns:a14="http://schemas.microsoft.com/office/drawing/2010/main">
-                <a:noFill/>
-              </a14:hiddenFill>
-            </a:ext>
-          </a:extLst>
-        </p:spPr>
-        <p:txBody>
-          <a:bodyPr vert="horz" wrap="square" lIns="91440" tIns="45720" rIns="91440" bIns="45720" numCol="1" anchor="t" anchorCtr="0" compatLnSpc="1">
-            <a:prstTxWarp prst="textNoShape">
-              <a:avLst/>
-            </a:prstTxWarp>
-          </a:bodyPr>
-          <a:lstStyle/>
-          <a:p>
-            <a:endParaRPr lang="en-US"/>
-          </a:p>
-        </p:txBody>
-      </p:sp>
-      <p:sp>
-        <p:nvSpPr>
-          <p:cNvPr id="34" name="Text Box 4">
-            <a:extLst>
-              <a:ext uri="{FF2B5EF4-FFF2-40B4-BE49-F238E27FC236}">
-                <a16:creationId xmlns:a16="http://schemas.microsoft.com/office/drawing/2014/main" id="{9A0C4D22-1584-6F4D-92C3-1C03804A6520}"/>
-              </a:ext>
-            </a:extLst>
-          </p:cNvPr>
-          <p:cNvSpPr txBox="1">
-            <a:spLocks noChangeArrowheads="1"/>
-          </p:cNvSpPr>
-          <p:nvPr/>
-        </p:nvSpPr>
-        <p:spPr bwMode="auto">
-          <a:xfrm>
-            <a:off x="1600200" y="2057400"/>
-            <a:ext cx="1714500" cy="457200"/>
-          </a:xfrm>
-          <a:prstGeom prst="rect">
-            <a:avLst/>
-          </a:prstGeom>
-          <a:noFill/>
-          <a:ln>
-            <a:noFill/>
-          </a:ln>
-          <a:extLst>
-            <a:ext uri="{909E8E84-426E-40DD-AFC4-6F175D3DCCD1}">
-              <a14:hiddenFill xmlns:a14="http://schemas.microsoft.com/office/drawing/2010/main">
-                <a:solidFill>
-                  <a:srgbClr val="FFFFFF"/>
-                </a:solidFill>
-              </a14:hiddenFill>
-            </a:ext>
-            <a:ext uri="{91240B29-F687-4F45-9708-019B960494DF}">
-              <a14:hiddenLine xmlns:a14="http://schemas.microsoft.com/office/drawing/2010/main" w="9525">
-                <a:solidFill>
-                  <a:srgbClr val="000000"/>
-                </a:solidFill>
-                <a:miter lim="800000"/>
-                <a:headEnd/>
-                <a:tailEnd/>
-              </a14:hiddenLine>
-            </a:ext>
-          </a:extLst>
-        </p:spPr>
-        <p:txBody>
-          <a:bodyPr vert="horz" wrap="square" lIns="91440" tIns="45720" rIns="91440" bIns="45720" numCol="1" anchor="t" anchorCtr="0" compatLnSpc="1">
-            <a:prstTxWarp prst="textNoShape">
-              <a:avLst/>
-            </a:prstTxWarp>
-          </a:bodyPr>
-          <a:lstStyle/>
-          <a:p>
-            <a:pPr marL="0" marR="0" lvl="0" indent="0" algn="ctr" defTabSz="914400" rtl="0" eaLnBrk="0" fontAlgn="base" latinLnBrk="0" hangingPunct="0">
-              <a:lnSpc>
-                <a:spcPct val="100000"/>
-              </a:lnSpc>
-              <a:spcBef>
-                <a:spcPct val="0"/>
-              </a:spcBef>
-              <a:spcAft>
-                <a:spcPct val="0"/>
-              </a:spcAft>
-              <a:buClrTx/>
-              <a:buSzTx/>
-              <a:buFontTx/>
-              <a:buNone/>
-              <a:tabLst/>
-            </a:pPr>
-            <a:r>
-              <a:rPr kumimoji="0" lang="fr-FR" altLang="en-US" sz="1000" b="0" i="0" u="none" strike="noStrike" cap="none" normalizeH="0" baseline="0">
-                <a:ln>
-                  <a:noFill/>
-                </a:ln>
-                <a:solidFill>
-                  <a:schemeClr val="tx1"/>
-                </a:solidFill>
-                <a:effectLst/>
-                <a:latin typeface="Arial" panose="020B0604020202020204" pitchFamily="34" charset="0"/>
-                <a:ea typeface="Times New Roman" panose="02020603050405020304" pitchFamily="18" charset="0"/>
-              </a:rPr>
-              <a:t>Register On-Demand Document Entry [ITI-61] </a:t>
-            </a:r>
-            <a:r>
-              <a:rPr kumimoji="0" lang="fr-FR" altLang="en-US" sz="1000" b="0" i="0" u="none" strike="noStrike" cap="none" normalizeH="0" baseline="0">
-                <a:ln>
-                  <a:noFill/>
-                </a:ln>
-                <a:solidFill>
-                  <a:schemeClr val="tx1"/>
-                </a:solidFill>
-                <a:effectLst/>
-                <a:latin typeface="Arial" panose="020B0604020202020204" pitchFamily="34" charset="0"/>
-                <a:ea typeface="Times New Roman" panose="02020603050405020304" pitchFamily="18" charset="0"/>
-                <a:cs typeface="Arial" panose="020B0604020202020204" pitchFamily="34" charset="0"/>
-                <a:sym typeface="Symbol" pitchFamily="2" charset="2"/>
-              </a:rPr>
-              <a:t></a:t>
-            </a:r>
-            <a:r>
-              <a:rPr kumimoji="0" lang="fr-FR" altLang="en-US" sz="1000" b="0" i="0" u="none" strike="noStrike" cap="none" normalizeH="0" baseline="0">
-                <a:ln>
-                  <a:noFill/>
-                </a:ln>
-                <a:solidFill>
-                  <a:schemeClr val="tx1"/>
-                </a:solidFill>
-                <a:effectLst/>
-                <a:ea typeface="Times New Roman" panose="02020603050405020304" pitchFamily="18" charset="0"/>
-              </a:rPr>
-              <a:t> </a:t>
-            </a:r>
-            <a:endParaRPr kumimoji="0" lang="fr-FR" altLang="en-US" sz="1000" b="0" i="0" u="none" strike="noStrike" cap="none" normalizeH="0" baseline="0">
-              <a:ln>
-                <a:noFill/>
-              </a:ln>
-              <a:solidFill>
-                <a:schemeClr val="tx1"/>
-              </a:solidFill>
-              <a:effectLst/>
-              <a:latin typeface="Arial" panose="020B0604020202020204" pitchFamily="34" charset="0"/>
-              <a:ea typeface="Times New Roman" panose="02020603050405020304" pitchFamily="18" charset="0"/>
-              <a:cs typeface="Arial" panose="020B0604020202020204" pitchFamily="34" charset="0"/>
-              <a:sym typeface="Symbol" pitchFamily="2" charset="2"/>
-            </a:endParaRPr>
-          </a:p>
-        </p:txBody>
-      </p:sp>
-      <p:sp>
-        <p:nvSpPr>
-          <p:cNvPr id="35" name="Text Box 3">
-            <a:extLst>
-              <a:ext uri="{FF2B5EF4-FFF2-40B4-BE49-F238E27FC236}">
-                <a16:creationId xmlns:a16="http://schemas.microsoft.com/office/drawing/2014/main" id="{31A38428-33A0-0346-BBAC-07DD5ADFDC9C}"/>
-              </a:ext>
-            </a:extLst>
-          </p:cNvPr>
-          <p:cNvSpPr txBox="1">
-            <a:spLocks noChangeArrowheads="1"/>
-          </p:cNvSpPr>
-          <p:nvPr/>
-        </p:nvSpPr>
-        <p:spPr bwMode="auto">
-          <a:xfrm>
-            <a:off x="6400800" y="914400"/>
-            <a:ext cx="914400" cy="571500"/>
-          </a:xfrm>
-          <a:prstGeom prst="rect">
-            <a:avLst/>
-          </a:prstGeom>
-          <a:noFill/>
-          <a:ln>
-            <a:noFill/>
-          </a:ln>
-          <a:extLst>
-            <a:ext uri="{909E8E84-426E-40DD-AFC4-6F175D3DCCD1}">
-              <a14:hiddenFill xmlns:a14="http://schemas.microsoft.com/office/drawing/2010/main">
-                <a:solidFill>
-                  <a:srgbClr val="FFFFFF"/>
-                </a:solidFill>
-              </a14:hiddenFill>
-            </a:ext>
-            <a:ext uri="{91240B29-F687-4F45-9708-019B960494DF}">
-              <a14:hiddenLine xmlns:a14="http://schemas.microsoft.com/office/drawing/2010/main" w="9525">
-                <a:solidFill>
-                  <a:srgbClr val="000000"/>
-                </a:solidFill>
-                <a:miter lim="800000"/>
-                <a:headEnd/>
-                <a:tailEnd/>
-              </a14:hiddenLine>
-            </a:ext>
-          </a:extLst>
-        </p:spPr>
-        <p:txBody>
-          <a:bodyPr vert="horz" wrap="square" lIns="91440" tIns="45720" rIns="91440" bIns="45720" numCol="1" anchor="t" anchorCtr="0" compatLnSpc="1">
-            <a:prstTxWarp prst="textNoShape">
-              <a:avLst/>
-            </a:prstTxWarp>
-          </a:bodyPr>
-          <a:lstStyle/>
-          <a:p>
-            <a:pPr marL="0" marR="0" lvl="0" indent="0" algn="ctr" defTabSz="914400" rtl="0" eaLnBrk="0" fontAlgn="base" latinLnBrk="0" hangingPunct="0">
-              <a:lnSpc>
-                <a:spcPct val="100000"/>
-              </a:lnSpc>
-              <a:spcBef>
-                <a:spcPct val="0"/>
-              </a:spcBef>
-              <a:spcAft>
-                <a:spcPct val="0"/>
-              </a:spcAft>
-              <a:buClrTx/>
-              <a:buSzTx/>
-              <a:buFontTx/>
-              <a:buNone/>
-              <a:tabLst/>
-            </a:pPr>
-            <a:r>
-              <a:rPr kumimoji="0" lang="en-US" altLang="en-US" sz="1000" b="0" i="0" u="none" strike="noStrike" cap="none" normalizeH="0" baseline="0">
-                <a:ln>
-                  <a:noFill/>
-                </a:ln>
-                <a:solidFill>
-                  <a:schemeClr val="tx1"/>
-                </a:solidFill>
-                <a:effectLst/>
-                <a:latin typeface="Arial" panose="020B0604020202020204" pitchFamily="34" charset="0"/>
-                <a:ea typeface="Times New Roman" panose="02020603050405020304" pitchFamily="18" charset="0"/>
-              </a:rPr>
-              <a:t>Retrieve Document Set [ITI-43]</a:t>
-            </a:r>
-            <a:r>
-              <a:rPr kumimoji="0" lang="fr-FR" altLang="en-US" sz="1000" b="0" i="0" u="none" strike="noStrike" cap="none" normalizeH="0" baseline="0">
-                <a:ln>
-                  <a:noFill/>
-                </a:ln>
-                <a:solidFill>
-                  <a:schemeClr val="tx1"/>
-                </a:solidFill>
-                <a:effectLst/>
-                <a:latin typeface="Arial" panose="020B0604020202020204" pitchFamily="34" charset="0"/>
-                <a:ea typeface="Times New Roman" panose="02020603050405020304" pitchFamily="18" charset="0"/>
-              </a:rPr>
-              <a:t> </a:t>
-            </a:r>
-            <a:r>
-              <a:rPr kumimoji="0" lang="fr-FR" altLang="en-US" sz="1000" b="0" i="0" u="none" strike="noStrike" cap="none" normalizeH="0" baseline="0">
-                <a:ln>
-                  <a:noFill/>
-                </a:ln>
-                <a:solidFill>
-                  <a:schemeClr val="tx1"/>
-                </a:solidFill>
-                <a:effectLst/>
-                <a:latin typeface="Times New Roman" panose="02020603050405020304" pitchFamily="18" charset="0"/>
-                <a:ea typeface="Times New Roman" panose="02020603050405020304" pitchFamily="18" charset="0"/>
-                <a:sym typeface="Symbol" pitchFamily="2" charset="2"/>
-              </a:rPr>
-              <a:t></a:t>
-            </a:r>
-          </a:p>
-        </p:txBody>
-      </p:sp>
-      <p:sp>
-        <p:nvSpPr>
-          <p:cNvPr id="36" name="Line 2">
-            <a:extLst>
-              <a:ext uri="{FF2B5EF4-FFF2-40B4-BE49-F238E27FC236}">
-                <a16:creationId xmlns:a16="http://schemas.microsoft.com/office/drawing/2014/main" id="{7D0A5B0B-B94D-C643-8FC6-80768EECF8D7}"/>
-              </a:ext>
-            </a:extLst>
-          </p:cNvPr>
-          <p:cNvSpPr>
-            <a:spLocks noChangeShapeType="1"/>
-          </p:cNvSpPr>
-          <p:nvPr/>
-        </p:nvSpPr>
-        <p:spPr bwMode="auto">
-          <a:xfrm flipH="1" flipV="1">
-            <a:off x="800100" y="457200"/>
-            <a:ext cx="6515100" cy="0"/>
-          </a:xfrm>
-          <a:prstGeom prst="line">
-            <a:avLst/>
-          </a:prstGeom>
-          <a:noFill/>
-          <a:ln w="28575">
-            <a:solidFill>
-              <a:srgbClr val="000000"/>
-            </a:solidFill>
-            <a:round/>
-            <a:headEnd/>
-            <a:tailEnd/>
-          </a:ln>
-          <a:extLst>
-            <a:ext uri="{909E8E84-426E-40DD-AFC4-6F175D3DCCD1}">
-              <a14:hiddenFill xmlns:a14="http://schemas.microsoft.com/office/drawing/2010/main">
-                <a:noFill/>
-              </a14:hiddenFill>
-            </a:ext>
-          </a:extLst>
-        </p:spPr>
-        <p:txBody>
-          <a:bodyPr vert="horz" wrap="square" lIns="91440" tIns="45720" rIns="91440" bIns="45720" numCol="1" anchor="t" anchorCtr="0" compatLnSpc="1">
-            <a:prstTxWarp prst="textNoShape">
-              <a:avLst/>
-            </a:prstTxWarp>
-          </a:bodyPr>
-          <a:lstStyle/>
-          <a:p>
-            <a:endParaRPr lang="en-US"/>
-          </a:p>
-        </p:txBody>
-      </p:sp>
-      <p:sp>
-        <p:nvSpPr>
-          <p:cNvPr id="37" name="Line 1">
-            <a:extLst>
-              <a:ext uri="{FF2B5EF4-FFF2-40B4-BE49-F238E27FC236}">
-                <a16:creationId xmlns:a16="http://schemas.microsoft.com/office/drawing/2014/main" id="{329D23F6-45DF-D344-96E1-E4B19D0C65DF}"/>
-              </a:ext>
-            </a:extLst>
-          </p:cNvPr>
-          <p:cNvSpPr>
-            <a:spLocks noChangeShapeType="1"/>
-          </p:cNvSpPr>
-          <p:nvPr/>
-        </p:nvSpPr>
-        <p:spPr bwMode="auto">
-          <a:xfrm>
-            <a:off x="800100" y="457200"/>
-            <a:ext cx="0" cy="1714500"/>
-          </a:xfrm>
-          <a:prstGeom prst="line">
-            <a:avLst/>
-          </a:prstGeom>
-          <a:noFill/>
-          <a:ln w="28575">
-            <a:solidFill>
-              <a:srgbClr val="000000"/>
-            </a:solidFill>
-            <a:round/>
-            <a:headEnd/>
-            <a:tailEnd/>
-          </a:ln>
-          <a:extLst>
-            <a:ext uri="{909E8E84-426E-40DD-AFC4-6F175D3DCCD1}">
-              <a14:hiddenFill xmlns:a14="http://schemas.microsoft.com/office/drawing/2010/main">
-                <a:noFill/>
-              </a14:hiddenFill>
-            </a:ext>
-          </a:extLst>
-        </p:spPr>
-        <p:txBody>
-          <a:bodyPr vert="horz" wrap="square" lIns="91440" tIns="45720" rIns="91440" bIns="45720" numCol="1" anchor="t" anchorCtr="0" compatLnSpc="1">
-            <a:prstTxWarp prst="textNoShape">
-              <a:avLst/>
-            </a:prstTxWarp>
-          </a:bodyPr>
-          <a:lstStyle/>
-          <a:p>
-            <a:endParaRPr lang="en-US"/>
-          </a:p>
-        </p:txBody>
-      </p:sp>
+                </a14:hiddenFill>
+              </a:ext>
+            </a:extLst>
+          </p:spPr>
+          <p:txBody>
+            <a:bodyPr vert="horz" wrap="square" lIns="91440" tIns="45720" rIns="91440" bIns="45720" numCol="1" anchor="t" anchorCtr="0" compatLnSpc="1">
+              <a:prstTxWarp prst="textNoShape">
+                <a:avLst/>
+              </a:prstTxWarp>
+            </a:bodyPr>
+            <a:lstStyle/>
+            <a:p>
+              <a:endParaRPr lang="en-US"/>
+            </a:p>
+          </p:txBody>
+        </p:sp>
+      </p:grpSp>
       <p:sp>
         <p:nvSpPr>
           <p:cNvPr id="38" name="Rectangle 35">
